--- a/images/Robo-advisor design materials.pptx
+++ b/images/Robo-advisor design materials.pptx
@@ -8,9 +8,10 @@
     <p:sldId id="256" r:id="rId2"/>
     <p:sldId id="266" r:id="rId3"/>
     <p:sldId id="267" r:id="rId4"/>
-    <p:sldId id="270" r:id="rId5"/>
-    <p:sldId id="268" r:id="rId6"/>
-    <p:sldId id="271" r:id="rId7"/>
+    <p:sldId id="272" r:id="rId5"/>
+    <p:sldId id="273" r:id="rId6"/>
+    <p:sldId id="268" r:id="rId7"/>
+    <p:sldId id="271" r:id="rId8"/>
   </p:sldIdLst>
   <p:sldSz cx="12192000" cy="6858000"/>
   <p:notesSz cx="6858000" cy="9144000"/>
@@ -125,7 +126,8 @@
         </p14:section>
         <p14:section name="Content materials" id="{4C051CA8-F234-C048-934C-A100AC6C86D4}">
           <p14:sldIdLst>
-            <p14:sldId id="270"/>
+            <p14:sldId id="272"/>
+            <p14:sldId id="273"/>
             <p14:sldId id="268"/>
             <p14:sldId id="271"/>
           </p14:sldIdLst>
@@ -4552,7 +4554,7 @@
           <a:p>
             <a:r>
               <a:rPr lang="en-US" dirty="0" smtClean="0"/>
-              <a:t>Orientation</a:t>
+              <a:t>Orientation  </a:t>
             </a:r>
             <a:endParaRPr lang="en-US" dirty="0"/>
           </a:p>
@@ -4575,7 +4577,50 @@
           <a:p>
             <a:r>
               <a:rPr lang="en-US" dirty="0" smtClean="0"/>
-              <a:t>TBA</a:t>
+              <a:t>Attributes of </a:t>
+            </a:r>
+            <a:r>
+              <a:rPr lang="en-US" dirty="0" err="1" smtClean="0"/>
+              <a:t>robo</a:t>
+            </a:r>
+            <a:r>
+              <a:rPr lang="en-US" dirty="0" smtClean="0"/>
+              <a:t>-advisor:</a:t>
+            </a:r>
+          </a:p>
+          <a:p>
+            <a:pPr lvl="1"/>
+            <a:r>
+              <a:rPr lang="en-US" dirty="0" smtClean="0"/>
+              <a:t>Name (Elite vs. grass-root: Warren vs. Tom)</a:t>
+            </a:r>
+          </a:p>
+          <a:p>
+            <a:pPr lvl="1"/>
+            <a:r>
+              <a:rPr lang="en-US" dirty="0" smtClean="0"/>
+              <a:t>Gender (male, female, neutral)</a:t>
+            </a:r>
+          </a:p>
+          <a:p>
+            <a:pPr lvl="1"/>
+            <a:r>
+              <a:rPr lang="en-US" dirty="0" smtClean="0"/>
+              <a:t>Profile picture (with different dress code: consultant vs. butler)</a:t>
+            </a:r>
+          </a:p>
+          <a:p>
+            <a:pPr lvl="1"/>
+            <a:r>
+              <a:rPr lang="en-US" dirty="0" smtClean="0"/>
+              <a:t>Conversational style (controlling vs. submissive)</a:t>
+            </a:r>
+          </a:p>
+          <a:p>
+            <a:pPr lvl="1"/>
+            <a:r>
+              <a:rPr lang="en-US" dirty="0" smtClean="0"/>
+              <a:t>Performance(high, medium, low)</a:t>
             </a:r>
             <a:endParaRPr lang="en-US" dirty="0"/>
           </a:p>
@@ -4584,7 +4629,7 @@
     </p:spTree>
     <p:extLst>
       <p:ext uri="{BB962C8B-B14F-4D97-AF65-F5344CB8AC3E}">
-        <p14:creationId xmlns:p14="http://schemas.microsoft.com/office/powerpoint/2010/main" val="578860789"/>
+        <p14:creationId xmlns:p14="http://schemas.microsoft.com/office/powerpoint/2010/main" val="32672311"/>
       </p:ext>
     </p:extLst>
   </p:cSld>
@@ -4595,6 +4640,189 @@
 </file>
 
 <file path=ppt/slides/slide5.xml><?xml version="1.0" encoding="utf-8"?>
+<p:sld xmlns:a="http://schemas.openxmlformats.org/drawingml/2006/main" xmlns:r="http://schemas.openxmlformats.org/officeDocument/2006/relationships" xmlns:p="http://schemas.openxmlformats.org/presentationml/2006/main">
+  <p:cSld>
+    <p:spTree>
+      <p:nvGrpSpPr>
+        <p:cNvPr id="1" name=""/>
+        <p:cNvGrpSpPr/>
+        <p:nvPr/>
+      </p:nvGrpSpPr>
+      <p:grpSpPr>
+        <a:xfrm>
+          <a:off x="0" y="0"/>
+          <a:ext cx="0" cy="0"/>
+          <a:chOff x="0" y="0"/>
+          <a:chExt cx="0" cy="0"/>
+        </a:xfrm>
+      </p:grpSpPr>
+      <p:sp>
+        <p:nvSpPr>
+          <p:cNvPr id="2" name="Title 1"/>
+          <p:cNvSpPr>
+            <a:spLocks noGrp="1"/>
+          </p:cNvSpPr>
+          <p:nvPr>
+            <p:ph type="title"/>
+          </p:nvPr>
+        </p:nvSpPr>
+        <p:spPr/>
+        <p:txBody>
+          <a:bodyPr/>
+          <a:lstStyle/>
+          <a:p>
+            <a:r>
+              <a:rPr lang="en-US" dirty="0"/>
+              <a:t>Orientation</a:t>
+            </a:r>
+          </a:p>
+        </p:txBody>
+      </p:sp>
+      <p:sp>
+        <p:nvSpPr>
+          <p:cNvPr id="3" name="Content Placeholder 2"/>
+          <p:cNvSpPr>
+            <a:spLocks noGrp="1"/>
+          </p:cNvSpPr>
+          <p:nvPr>
+            <p:ph idx="1"/>
+          </p:nvPr>
+        </p:nvSpPr>
+        <p:spPr/>
+        <p:txBody>
+          <a:bodyPr>
+            <a:normAutofit fontScale="92500" lnSpcReduction="10000"/>
+          </a:bodyPr>
+          <a:lstStyle/>
+          <a:p>
+            <a:r>
+              <a:rPr lang="en-US" dirty="0" smtClean="0"/>
+              <a:t>Greetings: </a:t>
+            </a:r>
+          </a:p>
+          <a:p>
+            <a:pPr lvl="1"/>
+            <a:r>
+              <a:rPr lang="en-US" dirty="0" err="1" smtClean="0"/>
+              <a:t>Robo</a:t>
+            </a:r>
+            <a:r>
+              <a:rPr lang="en-US" dirty="0" smtClean="0"/>
+              <a:t>: Hi, my name is Tom and I help people manage their portfolio. How are you doing today?</a:t>
+            </a:r>
+          </a:p>
+          <a:p>
+            <a:pPr lvl="1"/>
+            <a:r>
+              <a:rPr lang="en-US" dirty="0" smtClean="0"/>
+              <a:t>User: I’m feeling good/I’m doing okay [for </a:t>
+            </a:r>
+            <a:r>
+              <a:rPr lang="en-US" dirty="0" err="1" smtClean="0"/>
+              <a:t>wanlu</a:t>
+            </a:r>
+            <a:r>
+              <a:rPr lang="en-US" dirty="0" smtClean="0"/>
+              <a:t>: two options]</a:t>
+            </a:r>
+          </a:p>
+          <a:p>
+            <a:pPr lvl="1"/>
+            <a:endParaRPr lang="en-US" dirty="0"/>
+          </a:p>
+          <a:p>
+            <a:pPr lvl="1"/>
+            <a:r>
+              <a:rPr lang="en-US" dirty="0" err="1" smtClean="0"/>
+              <a:t>Robo</a:t>
+            </a:r>
+            <a:r>
+              <a:rPr lang="en-US" dirty="0" smtClean="0"/>
+              <a:t>: May I get to know a little more about you?</a:t>
+            </a:r>
+          </a:p>
+          <a:p>
+            <a:pPr lvl="1"/>
+            <a:r>
+              <a:rPr lang="en-US" dirty="0" smtClean="0"/>
+              <a:t>User: My name is ___(for </a:t>
+            </a:r>
+            <a:r>
+              <a:rPr lang="en-US" dirty="0" err="1" smtClean="0"/>
+              <a:t>wanlu</a:t>
+            </a:r>
+            <a:r>
+              <a:rPr lang="en-US" dirty="0" smtClean="0"/>
+              <a:t>, fill in the blanks), I’m ___ (for </a:t>
+            </a:r>
+            <a:r>
+              <a:rPr lang="en-US" dirty="0" err="1" smtClean="0"/>
+              <a:t>wanlu</a:t>
+            </a:r>
+            <a:r>
+              <a:rPr lang="en-US" dirty="0" smtClean="0"/>
+              <a:t>: gender options here). I’m ___ (marital status), and have ___children (number of children). My annual income is about ___(income range options), and my expectation for you is ___ </a:t>
+            </a:r>
+            <a:r>
+              <a:rPr lang="en-US" smtClean="0"/>
+              <a:t>(options of annualized </a:t>
+            </a:r>
+            <a:r>
+              <a:rPr lang="en-US" dirty="0" smtClean="0"/>
+              <a:t>return: 5%, 10%, </a:t>
+            </a:r>
+            <a:r>
+              <a:rPr lang="en-US" smtClean="0"/>
+              <a:t>15%).</a:t>
+            </a:r>
+            <a:endParaRPr lang="en-US" dirty="0" smtClean="0"/>
+          </a:p>
+          <a:p>
+            <a:pPr lvl="1"/>
+            <a:endParaRPr lang="en-US" dirty="0"/>
+          </a:p>
+          <a:p>
+            <a:pPr lvl="1"/>
+            <a:r>
+              <a:rPr lang="en-US" dirty="0" err="1" smtClean="0"/>
+              <a:t>Robo</a:t>
+            </a:r>
+            <a:r>
+              <a:rPr lang="en-US" dirty="0" smtClean="0"/>
+              <a:t>: Thank you very much! Now I’ll work out a wealth management plan for you</a:t>
+            </a:r>
+          </a:p>
+          <a:p>
+            <a:pPr lvl="1"/>
+            <a:r>
+              <a:rPr lang="en-US" dirty="0" smtClean="0"/>
+              <a:t>User: I’m ready to proceed</a:t>
+            </a:r>
+            <a:endParaRPr lang="en-US" dirty="0"/>
+          </a:p>
+          <a:p>
+            <a:endParaRPr lang="en-US" dirty="0" smtClean="0"/>
+          </a:p>
+          <a:p>
+            <a:pPr lvl="1"/>
+            <a:endParaRPr lang="en-US" dirty="0"/>
+          </a:p>
+        </p:txBody>
+      </p:sp>
+    </p:spTree>
+    <p:extLst>
+      <p:ext uri="{BB962C8B-B14F-4D97-AF65-F5344CB8AC3E}">
+        <p14:creationId xmlns:p14="http://schemas.microsoft.com/office/powerpoint/2010/main" val="1515200992"/>
+      </p:ext>
+    </p:extLst>
+  </p:cSld>
+  <p:clrMapOvr>
+    <a:masterClrMapping/>
+  </p:clrMapOvr>
+</p:sld>
+</file>
+
+<file path=ppt/slides/slide6.xml><?xml version="1.0" encoding="utf-8"?>
 <p:sld xmlns:a="http://schemas.openxmlformats.org/drawingml/2006/main" xmlns:r="http://schemas.openxmlformats.org/officeDocument/2006/relationships" xmlns:p="http://schemas.openxmlformats.org/presentationml/2006/main">
   <p:cSld>
     <p:spTree>
@@ -5051,7 +5279,7 @@
 </p:sld>
 </file>
 
-<file path=ppt/slides/slide6.xml><?xml version="1.0" encoding="utf-8"?>
+<file path=ppt/slides/slide7.xml><?xml version="1.0" encoding="utf-8"?>
 <p:sld xmlns:a="http://schemas.openxmlformats.org/drawingml/2006/main" xmlns:r="http://schemas.openxmlformats.org/officeDocument/2006/relationships" xmlns:p="http://schemas.openxmlformats.org/presentationml/2006/main">
   <p:cSld>
     <p:spTree>

--- a/images/Robo-advisor design materials.pptx
+++ b/images/Robo-advisor design materials.pptx
@@ -8,10 +8,11 @@
     <p:sldId id="256" r:id="rId2"/>
     <p:sldId id="266" r:id="rId3"/>
     <p:sldId id="267" r:id="rId4"/>
-    <p:sldId id="272" r:id="rId5"/>
-    <p:sldId id="273" r:id="rId6"/>
-    <p:sldId id="268" r:id="rId7"/>
-    <p:sldId id="271" r:id="rId8"/>
+    <p:sldId id="274" r:id="rId5"/>
+    <p:sldId id="275" r:id="rId6"/>
+    <p:sldId id="276" r:id="rId7"/>
+    <p:sldId id="268" r:id="rId8"/>
+    <p:sldId id="271" r:id="rId9"/>
   </p:sldIdLst>
   <p:sldSz cx="12192000" cy="6858000"/>
   <p:notesSz cx="6858000" cy="9144000"/>
@@ -126,8 +127,9 @@
         </p14:section>
         <p14:section name="Content materials" id="{4C051CA8-F234-C048-934C-A100AC6C86D4}">
           <p14:sldIdLst>
-            <p14:sldId id="272"/>
-            <p14:sldId id="273"/>
+            <p14:sldId id="274"/>
+            <p14:sldId id="275"/>
+            <p14:sldId id="276"/>
             <p14:sldId id="268"/>
             <p14:sldId id="271"/>
           </p14:sldIdLst>
@@ -4554,7 +4556,7 @@
           <a:p>
             <a:r>
               <a:rPr lang="en-US" dirty="0" smtClean="0"/>
-              <a:t>Orientation  </a:t>
+              <a:t>Orientation  - attributes</a:t>
             </a:r>
             <a:endParaRPr lang="en-US" dirty="0"/>
           </a:p>
@@ -4629,7 +4631,7 @@
     </p:spTree>
     <p:extLst>
       <p:ext uri="{BB962C8B-B14F-4D97-AF65-F5344CB8AC3E}">
-        <p14:creationId xmlns:p14="http://schemas.microsoft.com/office/powerpoint/2010/main" val="32672311"/>
+        <p14:creationId xmlns:p14="http://schemas.microsoft.com/office/powerpoint/2010/main" val="1147613480"/>
       </p:ext>
     </p:extLst>
   </p:cSld>
@@ -4672,9 +4674,10 @@
           <a:lstStyle/>
           <a:p>
             <a:r>
-              <a:rPr lang="en-US" dirty="0"/>
-              <a:t>Orientation</a:t>
-            </a:r>
+              <a:rPr lang="en-US" dirty="0" smtClean="0"/>
+              <a:t>Orientation - greetings</a:t>
+            </a:r>
+            <a:endParaRPr lang="en-US" dirty="0"/>
           </a:p>
         </p:txBody>
       </p:sp>
@@ -4715,7 +4718,7 @@
             <a:pPr lvl="1"/>
             <a:r>
               <a:rPr lang="en-US" dirty="0" smtClean="0"/>
-              <a:t>User: I’m feeling good/I’m doing okay [for </a:t>
+              <a:t>User: I’m feeling good [for </a:t>
             </a:r>
             <a:r>
               <a:rPr lang="en-US" dirty="0" err="1" smtClean="0"/>
@@ -4738,7 +4741,7 @@
             </a:r>
             <a:r>
               <a:rPr lang="en-US" dirty="0" smtClean="0"/>
-              <a:t>: May I get to know a little more about you?</a:t>
+              <a:t>: May I get to know a little more about you? (see example in the next page)</a:t>
             </a:r>
           </a:p>
           <a:p>
@@ -4761,21 +4764,8 @@
             </a:r>
             <a:r>
               <a:rPr lang="en-US" dirty="0" smtClean="0"/>
-              <a:t>: gender options here). I’m ___ (marital status), and have ___children (number of children). My annual income is about ___(income range options), and my expectation for you is ___ </a:t>
-            </a:r>
-            <a:r>
-              <a:rPr lang="en-US" smtClean="0"/>
-              <a:t>(options of annualized </a:t>
-            </a:r>
-            <a:r>
-              <a:rPr lang="en-US" dirty="0" smtClean="0"/>
-              <a:t>return: 5%, 10%, </a:t>
-            </a:r>
-            <a:r>
-              <a:rPr lang="en-US" smtClean="0"/>
-              <a:t>15%).</a:t>
-            </a:r>
-            <a:endParaRPr lang="en-US" dirty="0" smtClean="0"/>
+              <a:t>: gender options here). I’m ___ (marital status), and have ___children (number of children). My annual income is about ___(income range options), and my expectation for you is ___ (options of annualized return: 5%, 10%, 15%).</a:t>
+            </a:r>
           </a:p>
           <a:p>
             <a:pPr lvl="1"/>
@@ -4812,7 +4802,7 @@
     </p:spTree>
     <p:extLst>
       <p:ext uri="{BB962C8B-B14F-4D97-AF65-F5344CB8AC3E}">
-        <p14:creationId xmlns:p14="http://schemas.microsoft.com/office/powerpoint/2010/main" val="1515200992"/>
+        <p14:creationId xmlns:p14="http://schemas.microsoft.com/office/powerpoint/2010/main" val="1389124653"/>
       </p:ext>
     </p:extLst>
   </p:cSld>
@@ -4823,6 +4813,81 @@
 </file>
 
 <file path=ppt/slides/slide6.xml><?xml version="1.0" encoding="utf-8"?>
+<p:sld xmlns:a="http://schemas.openxmlformats.org/drawingml/2006/main" xmlns:r="http://schemas.openxmlformats.org/officeDocument/2006/relationships" xmlns:p="http://schemas.openxmlformats.org/presentationml/2006/main">
+  <p:cSld>
+    <p:spTree>
+      <p:nvGrpSpPr>
+        <p:cNvPr id="1" name=""/>
+        <p:cNvGrpSpPr/>
+        <p:nvPr/>
+      </p:nvGrpSpPr>
+      <p:grpSpPr>
+        <a:xfrm>
+          <a:off x="0" y="0"/>
+          <a:ext cx="0" cy="0"/>
+          <a:chOff x="0" y="0"/>
+          <a:chExt cx="0" cy="0"/>
+        </a:xfrm>
+      </p:grpSpPr>
+      <p:sp>
+        <p:nvSpPr>
+          <p:cNvPr id="2" name="Title 1"/>
+          <p:cNvSpPr>
+            <a:spLocks noGrp="1"/>
+          </p:cNvSpPr>
+          <p:nvPr>
+            <p:ph type="title"/>
+          </p:nvPr>
+        </p:nvSpPr>
+        <p:spPr/>
+        <p:txBody>
+          <a:bodyPr/>
+          <a:lstStyle/>
+          <a:p>
+            <a:endParaRPr lang="en-US" dirty="0"/>
+          </a:p>
+        </p:txBody>
+      </p:sp>
+      <p:pic>
+        <p:nvPicPr>
+          <p:cNvPr id="4" name="Content Placeholder 3"/>
+          <p:cNvPicPr>
+            <a:picLocks noGrp="1" noChangeAspect="1"/>
+          </p:cNvPicPr>
+          <p:nvPr>
+            <p:ph idx="1"/>
+          </p:nvPr>
+        </p:nvPicPr>
+        <p:blipFill>
+          <a:blip r:embed="rId2"/>
+          <a:stretch>
+            <a:fillRect/>
+          </a:stretch>
+        </p:blipFill>
+        <p:spPr>
+          <a:xfrm>
+            <a:off x="2580606" y="1825625"/>
+            <a:ext cx="7030787" cy="4351338"/>
+          </a:xfrm>
+          <a:prstGeom prst="rect">
+            <a:avLst/>
+          </a:prstGeom>
+        </p:spPr>
+      </p:pic>
+    </p:spTree>
+    <p:extLst>
+      <p:ext uri="{BB962C8B-B14F-4D97-AF65-F5344CB8AC3E}">
+        <p14:creationId xmlns:p14="http://schemas.microsoft.com/office/powerpoint/2010/main" val="1723316434"/>
+      </p:ext>
+    </p:extLst>
+  </p:cSld>
+  <p:clrMapOvr>
+    <a:masterClrMapping/>
+  </p:clrMapOvr>
+</p:sld>
+</file>
+
+<file path=ppt/slides/slide7.xml><?xml version="1.0" encoding="utf-8"?>
 <p:sld xmlns:a="http://schemas.openxmlformats.org/drawingml/2006/main" xmlns:r="http://schemas.openxmlformats.org/officeDocument/2006/relationships" xmlns:p="http://schemas.openxmlformats.org/presentationml/2006/main">
   <p:cSld>
     <p:spTree>
@@ -5279,7 +5344,7 @@
 </p:sld>
 </file>
 
-<file path=ppt/slides/slide7.xml><?xml version="1.0" encoding="utf-8"?>
+<file path=ppt/slides/slide8.xml><?xml version="1.0" encoding="utf-8"?>
 <p:sld xmlns:a="http://schemas.openxmlformats.org/drawingml/2006/main" xmlns:r="http://schemas.openxmlformats.org/officeDocument/2006/relationships" xmlns:p="http://schemas.openxmlformats.org/presentationml/2006/main">
   <p:cSld>
     <p:spTree>

--- a/images/Robo-advisor design materials.pptx
+++ b/images/Robo-advisor design materials.pptx
@@ -13,6 +13,7 @@
     <p:sldId id="276" r:id="rId7"/>
     <p:sldId id="268" r:id="rId8"/>
     <p:sldId id="271" r:id="rId9"/>
+    <p:sldId id="277" r:id="rId10"/>
   </p:sldIdLst>
   <p:sldSz cx="12192000" cy="6858000"/>
   <p:notesSz cx="6858000" cy="9144000"/>
@@ -132,6 +133,11 @@
             <p14:sldId id="276"/>
             <p14:sldId id="268"/>
             <p14:sldId id="271"/>
+          </p14:sldIdLst>
+        </p14:section>
+        <p14:section name="feature refinement" id="{EECCD582-AA80-784C-AD60-6D06A4FC71C3}">
+          <p14:sldIdLst>
+            <p14:sldId id="277"/>
           </p14:sldIdLst>
         </p14:section>
       </p14:sectionLst>
@@ -6045,6 +6051,207 @@
 </p:sld>
 </file>
 
+<file path=ppt/slides/slide9.xml><?xml version="1.0" encoding="utf-8"?>
+<p:sld xmlns:a="http://schemas.openxmlformats.org/drawingml/2006/main" xmlns:r="http://schemas.openxmlformats.org/officeDocument/2006/relationships" xmlns:p="http://schemas.openxmlformats.org/presentationml/2006/main">
+  <p:cSld>
+    <p:spTree>
+      <p:nvGrpSpPr>
+        <p:cNvPr id="1" name=""/>
+        <p:cNvGrpSpPr/>
+        <p:nvPr/>
+      </p:nvGrpSpPr>
+      <p:grpSpPr>
+        <a:xfrm>
+          <a:off x="0" y="0"/>
+          <a:ext cx="0" cy="0"/>
+          <a:chOff x="0" y="0"/>
+          <a:chExt cx="0" cy="0"/>
+        </a:xfrm>
+      </p:grpSpPr>
+      <p:sp>
+        <p:nvSpPr>
+          <p:cNvPr id="2" name="Title 1"/>
+          <p:cNvSpPr>
+            <a:spLocks noGrp="1"/>
+          </p:cNvSpPr>
+          <p:nvPr>
+            <p:ph type="title"/>
+          </p:nvPr>
+        </p:nvSpPr>
+        <p:spPr/>
+        <p:txBody>
+          <a:bodyPr/>
+          <a:lstStyle/>
+          <a:p>
+            <a:r>
+              <a:rPr lang="en-US" dirty="0" smtClean="0"/>
+              <a:t>Slider to Pie</a:t>
+            </a:r>
+            <a:endParaRPr lang="en-US" dirty="0"/>
+          </a:p>
+        </p:txBody>
+      </p:sp>
+      <p:pic>
+        <p:nvPicPr>
+          <p:cNvPr id="4" name="Content Placeholder 3"/>
+          <p:cNvPicPr>
+            <a:picLocks noGrp="1" noChangeAspect="1"/>
+          </p:cNvPicPr>
+          <p:nvPr>
+            <p:ph idx="1"/>
+          </p:nvPr>
+        </p:nvPicPr>
+        <p:blipFill>
+          <a:blip r:embed="rId2">
+            <a:extLst>
+              <a:ext uri="{28A0092B-C50C-407E-A947-70E740481C1C}">
+                <a14:useLocalDpi xmlns:a14="http://schemas.microsoft.com/office/drawing/2010/main" val="0"/>
+              </a:ext>
+            </a:extLst>
+          </a:blip>
+          <a:stretch>
+            <a:fillRect/>
+          </a:stretch>
+        </p:blipFill>
+        <p:spPr>
+          <a:xfrm>
+            <a:off x="629987" y="2946525"/>
+            <a:ext cx="6614906" cy="2624095"/>
+          </a:xfrm>
+        </p:spPr>
+      </p:pic>
+      <p:sp>
+        <p:nvSpPr>
+          <p:cNvPr id="5" name="TextBox 4"/>
+          <p:cNvSpPr txBox="1"/>
+          <p:nvPr/>
+        </p:nvSpPr>
+        <p:spPr>
+          <a:xfrm>
+            <a:off x="838200" y="1479208"/>
+            <a:ext cx="2069413" cy="430887"/>
+          </a:xfrm>
+          <a:prstGeom prst="rect">
+            <a:avLst/>
+          </a:prstGeom>
+          <a:noFill/>
+        </p:spPr>
+        <p:txBody>
+          <a:bodyPr wrap="none" rtlCol="0">
+            <a:spAutoFit/>
+          </a:bodyPr>
+          <a:lstStyle/>
+          <a:p>
+            <a:r>
+              <a:rPr lang="en-US" sz="2200" b="1" dirty="0" smtClean="0"/>
+              <a:t>Current version:</a:t>
+            </a:r>
+            <a:endParaRPr lang="en-US" sz="2200" b="1" dirty="0"/>
+          </a:p>
+        </p:txBody>
+      </p:sp>
+      <p:pic>
+        <p:nvPicPr>
+          <p:cNvPr id="7" name="Picture 6"/>
+          <p:cNvPicPr>
+            <a:picLocks noChangeAspect="1"/>
+          </p:cNvPicPr>
+          <p:nvPr/>
+        </p:nvPicPr>
+        <p:blipFill rotWithShape="1">
+          <a:blip r:embed="rId3">
+            <a:extLst>
+              <a:ext uri="{28A0092B-C50C-407E-A947-70E740481C1C}">
+                <a14:useLocalDpi xmlns:a14="http://schemas.microsoft.com/office/drawing/2010/main" val="0"/>
+              </a:ext>
+            </a:extLst>
+          </a:blip>
+          <a:srcRect t="4217"/>
+          <a:stretch/>
+        </p:blipFill>
+        <p:spPr>
+          <a:xfrm>
+            <a:off x="7407442" y="2169763"/>
+            <a:ext cx="3352646" cy="3710796"/>
+          </a:xfrm>
+          <a:prstGeom prst="rect">
+            <a:avLst/>
+          </a:prstGeom>
+        </p:spPr>
+      </p:pic>
+      <p:sp>
+        <p:nvSpPr>
+          <p:cNvPr id="8" name="TextBox 7"/>
+          <p:cNvSpPr txBox="1"/>
+          <p:nvPr/>
+        </p:nvSpPr>
+        <p:spPr>
+          <a:xfrm>
+            <a:off x="7288990" y="1417652"/>
+            <a:ext cx="2388154" cy="430887"/>
+          </a:xfrm>
+          <a:prstGeom prst="rect">
+            <a:avLst/>
+          </a:prstGeom>
+          <a:noFill/>
+        </p:spPr>
+        <p:txBody>
+          <a:bodyPr wrap="none" rtlCol="0">
+            <a:spAutoFit/>
+          </a:bodyPr>
+          <a:lstStyle/>
+          <a:p>
+            <a:r>
+              <a:rPr lang="en-US" sz="2200" b="1" smtClean="0"/>
+              <a:t>Optimized </a:t>
+            </a:r>
+            <a:r>
+              <a:rPr lang="en-US" sz="2200" b="1" dirty="0" smtClean="0"/>
+              <a:t>version:</a:t>
+            </a:r>
+            <a:endParaRPr lang="en-US" sz="2200" b="1" dirty="0"/>
+          </a:p>
+        </p:txBody>
+      </p:sp>
+      <p:sp>
+        <p:nvSpPr>
+          <p:cNvPr id="9" name="TextBox 8"/>
+          <p:cNvSpPr txBox="1"/>
+          <p:nvPr/>
+        </p:nvSpPr>
+        <p:spPr>
+          <a:xfrm>
+            <a:off x="11515241" y="2898183"/>
+            <a:ext cx="184731" cy="369332"/>
+          </a:xfrm>
+          <a:prstGeom prst="rect">
+            <a:avLst/>
+          </a:prstGeom>
+          <a:noFill/>
+        </p:spPr>
+        <p:txBody>
+          <a:bodyPr wrap="none" rtlCol="0">
+            <a:spAutoFit/>
+          </a:bodyPr>
+          <a:lstStyle/>
+          <a:p>
+            <a:endParaRPr lang="en-US"/>
+          </a:p>
+        </p:txBody>
+      </p:sp>
+    </p:spTree>
+    <p:extLst>
+      <p:ext uri="{BB962C8B-B14F-4D97-AF65-F5344CB8AC3E}">
+        <p14:creationId xmlns:p14="http://schemas.microsoft.com/office/powerpoint/2010/main" val="1035067326"/>
+      </p:ext>
+    </p:extLst>
+  </p:cSld>
+  <p:clrMapOvr>
+    <a:masterClrMapping/>
+  </p:clrMapOvr>
+</p:sld>
+</file>
+
 <file path=ppt/theme/theme1.xml><?xml version="1.0" encoding="utf-8"?>
 <a:theme xmlns:a="http://schemas.openxmlformats.org/drawingml/2006/main" name="Office Theme">
   <a:themeElements>

--- a/images/Robo-advisor design materials.pptx
+++ b/images/Robo-advisor design materials.pptx
@@ -6,13 +6,13 @@
   </p:sldMasterIdLst>
   <p:sldIdLst>
     <p:sldId id="256" r:id="rId2"/>
-    <p:sldId id="266" r:id="rId3"/>
-    <p:sldId id="267" r:id="rId4"/>
-    <p:sldId id="274" r:id="rId5"/>
-    <p:sldId id="275" r:id="rId6"/>
-    <p:sldId id="276" r:id="rId7"/>
-    <p:sldId id="268" r:id="rId8"/>
-    <p:sldId id="271" r:id="rId9"/>
+    <p:sldId id="279" r:id="rId3"/>
+    <p:sldId id="266" r:id="rId4"/>
+    <p:sldId id="267" r:id="rId5"/>
+    <p:sldId id="274" r:id="rId6"/>
+    <p:sldId id="278" r:id="rId7"/>
+    <p:sldId id="275" r:id="rId8"/>
+    <p:sldId id="276" r:id="rId9"/>
     <p:sldId id="277" r:id="rId10"/>
   </p:sldIdLst>
   <p:sldSz cx="12192000" cy="6858000"/>
@@ -118,6 +118,7 @@
         <p14:section name="Default Section" id="{A252416E-4574-FF4E-8CDC-DBB625F709D2}">
           <p14:sldIdLst>
             <p14:sldId id="256"/>
+            <p14:sldId id="279"/>
           </p14:sldIdLst>
         </p14:section>
         <p14:section name="Overview + Timeline" id="{D66C59BD-C4F9-4B4E-AEA4-348D6BA5E344}">
@@ -129,10 +130,9 @@
         <p14:section name="Content materials" id="{4C051CA8-F234-C048-934C-A100AC6C86D4}">
           <p14:sldIdLst>
             <p14:sldId id="274"/>
+            <p14:sldId id="278"/>
             <p14:sldId id="275"/>
             <p14:sldId id="276"/>
-            <p14:sldId id="268"/>
-            <p14:sldId id="271"/>
           </p14:sldIdLst>
         </p14:section>
         <p14:section name="feature refinement" id="{EECCD582-AA80-784C-AD60-6D06A4FC71C3}">
@@ -280,7 +280,7 @@
           <a:p>
             <a:fld id="{0661980F-B061-7C42-A1B9-D347ED774C50}" type="datetimeFigureOut">
               <a:rPr lang="en-US" smtClean="0"/>
-              <a:t>3/8/18</a:t>
+              <a:t>3/14/18</a:t>
             </a:fld>
             <a:endParaRPr lang="en-US"/>
           </a:p>
@@ -450,7 +450,7 @@
           <a:p>
             <a:fld id="{0661980F-B061-7C42-A1B9-D347ED774C50}" type="datetimeFigureOut">
               <a:rPr lang="en-US" smtClean="0"/>
-              <a:t>3/8/18</a:t>
+              <a:t>3/14/18</a:t>
             </a:fld>
             <a:endParaRPr lang="en-US"/>
           </a:p>
@@ -630,7 +630,7 @@
           <a:p>
             <a:fld id="{0661980F-B061-7C42-A1B9-D347ED774C50}" type="datetimeFigureOut">
               <a:rPr lang="en-US" smtClean="0"/>
-              <a:t>3/8/18</a:t>
+              <a:t>3/14/18</a:t>
             </a:fld>
             <a:endParaRPr lang="en-US"/>
           </a:p>
@@ -800,7 +800,7 @@
           <a:p>
             <a:fld id="{0661980F-B061-7C42-A1B9-D347ED774C50}" type="datetimeFigureOut">
               <a:rPr lang="en-US" smtClean="0"/>
-              <a:t>3/8/18</a:t>
+              <a:t>3/14/18</a:t>
             </a:fld>
             <a:endParaRPr lang="en-US"/>
           </a:p>
@@ -1046,7 +1046,7 @@
           <a:p>
             <a:fld id="{0661980F-B061-7C42-A1B9-D347ED774C50}" type="datetimeFigureOut">
               <a:rPr lang="en-US" smtClean="0"/>
-              <a:t>3/8/18</a:t>
+              <a:t>3/14/18</a:t>
             </a:fld>
             <a:endParaRPr lang="en-US"/>
           </a:p>
@@ -1278,7 +1278,7 @@
           <a:p>
             <a:fld id="{0661980F-B061-7C42-A1B9-D347ED774C50}" type="datetimeFigureOut">
               <a:rPr lang="en-US" smtClean="0"/>
-              <a:t>3/8/18</a:t>
+              <a:t>3/14/18</a:t>
             </a:fld>
             <a:endParaRPr lang="en-US"/>
           </a:p>
@@ -1645,7 +1645,7 @@
           <a:p>
             <a:fld id="{0661980F-B061-7C42-A1B9-D347ED774C50}" type="datetimeFigureOut">
               <a:rPr lang="en-US" smtClean="0"/>
-              <a:t>3/8/18</a:t>
+              <a:t>3/14/18</a:t>
             </a:fld>
             <a:endParaRPr lang="en-US"/>
           </a:p>
@@ -1763,7 +1763,7 @@
           <a:p>
             <a:fld id="{0661980F-B061-7C42-A1B9-D347ED774C50}" type="datetimeFigureOut">
               <a:rPr lang="en-US" smtClean="0"/>
-              <a:t>3/8/18</a:t>
+              <a:t>3/14/18</a:t>
             </a:fld>
             <a:endParaRPr lang="en-US"/>
           </a:p>
@@ -1858,7 +1858,7 @@
           <a:p>
             <a:fld id="{0661980F-B061-7C42-A1B9-D347ED774C50}" type="datetimeFigureOut">
               <a:rPr lang="en-US" smtClean="0"/>
-              <a:t>3/8/18</a:t>
+              <a:t>3/14/18</a:t>
             </a:fld>
             <a:endParaRPr lang="en-US"/>
           </a:p>
@@ -2135,7 +2135,7 @@
           <a:p>
             <a:fld id="{0661980F-B061-7C42-A1B9-D347ED774C50}" type="datetimeFigureOut">
               <a:rPr lang="en-US" smtClean="0"/>
-              <a:t>3/8/18</a:t>
+              <a:t>3/14/18</a:t>
             </a:fld>
             <a:endParaRPr lang="en-US"/>
           </a:p>
@@ -2388,7 +2388,7 @@
           <a:p>
             <a:fld id="{0661980F-B061-7C42-A1B9-D347ED774C50}" type="datetimeFigureOut">
               <a:rPr lang="en-US" smtClean="0"/>
-              <a:t>3/8/18</a:t>
+              <a:t>3/14/18</a:t>
             </a:fld>
             <a:endParaRPr lang="en-US"/>
           </a:p>
@@ -2601,7 +2601,7 @@
           <a:p>
             <a:fld id="{0661980F-B061-7C42-A1B9-D347ED774C50}" type="datetimeFigureOut">
               <a:rPr lang="en-US" smtClean="0"/>
-              <a:t>3/8/18</a:t>
+              <a:t>3/14/18</a:t>
             </a:fld>
             <a:endParaRPr lang="en-US"/>
           </a:p>
@@ -3130,430 +3130,539 @@
           <a:lstStyle/>
           <a:p>
             <a:r>
-              <a:rPr lang="en-US" altLang="zh-CN" dirty="0" smtClean="0"/>
+              <a:rPr lang="en-US" altLang="zh-CN" dirty="0"/>
               <a:t>Overview</a:t>
             </a:r>
             <a:endParaRPr lang="en-US" dirty="0"/>
           </a:p>
         </p:txBody>
       </p:sp>
-      <p:graphicFrame>
-        <p:nvGraphicFramePr>
-          <p:cNvPr id="4" name="Content Placeholder 3"/>
-          <p:cNvGraphicFramePr>
-            <a:graphicFrameLocks noGrp="1"/>
-          </p:cNvGraphicFramePr>
+      <p:sp>
+        <p:nvSpPr>
+          <p:cNvPr id="3" name="Content Placeholder 2"/>
+          <p:cNvSpPr>
+            <a:spLocks noGrp="1"/>
+          </p:cNvSpPr>
           <p:nvPr>
             <p:ph idx="1"/>
-            <p:extLst>
-              <p:ext uri="{D42A27DB-BD31-4B8C-83A1-F6EECF244321}">
-                <p14:modId xmlns:p14="http://schemas.microsoft.com/office/powerpoint/2010/main" val="1490322003"/>
-              </p:ext>
-            </p:extLst>
-          </p:nvPr>
-        </p:nvGraphicFramePr>
-        <p:xfrm>
-          <a:off x="838200" y="1837657"/>
-          <a:ext cx="4547938" cy="2992120"/>
-        </p:xfrm>
-        <a:graphic>
-          <a:graphicData uri="http://schemas.openxmlformats.org/drawingml/2006/table">
-            <a:tbl>
-              <a:tblPr firstRow="1" bandRow="1">
-                <a:tableStyleId>{2D5ABB26-0587-4C30-8999-92F81FD0307C}</a:tableStyleId>
-              </a:tblPr>
-              <a:tblGrid>
-                <a:gridCol w="1347538"/>
-                <a:gridCol w="3200400"/>
-              </a:tblGrid>
-              <a:tr h="370840">
-                <a:tc>
-                  <a:txBody>
-                    <a:bodyPr/>
-                    <a:lstStyle/>
-                    <a:p>
-                      <a:pPr algn="l"/>
-                      <a:r>
-                        <a:rPr lang="en-US" altLang="zh-CN" sz="1800" b="1" dirty="0" smtClean="0"/>
-                        <a:t>Stage</a:t>
-                      </a:r>
-                      <a:r>
-                        <a:rPr lang="zh-CN" altLang="en-US" sz="1800" b="1" baseline="0" dirty="0" smtClean="0"/>
-                        <a:t> </a:t>
-                      </a:r>
-                      <a:r>
-                        <a:rPr lang="en-US" altLang="zh-CN" sz="1800" b="1" baseline="0" dirty="0" smtClean="0"/>
-                        <a:t>1</a:t>
-                      </a:r>
-                      <a:endParaRPr lang="en-US" sz="1800" b="1" dirty="0"/>
-                    </a:p>
-                  </a:txBody>
-                  <a:tcPr/>
-                </a:tc>
-                <a:tc>
-                  <a:txBody>
-                    <a:bodyPr/>
-                    <a:lstStyle/>
-                    <a:p>
-                      <a:pPr marL="0" marR="0" indent="0" algn="l" defTabSz="914400" rtl="0" eaLnBrk="1" fontAlgn="auto" latinLnBrk="0" hangingPunct="1">
-                        <a:lnSpc>
-                          <a:spcPct val="100000"/>
-                        </a:lnSpc>
-                        <a:spcBef>
-                          <a:spcPts val="0"/>
-                        </a:spcBef>
-                        <a:spcAft>
-                          <a:spcPts val="0"/>
-                        </a:spcAft>
-                        <a:buClrTx/>
-                        <a:buSzTx/>
-                        <a:buFontTx/>
-                        <a:buNone/>
-                        <a:tabLst/>
-                        <a:defRPr/>
-                      </a:pPr>
-                      <a:r>
-                        <a:rPr lang="en-US" altLang="zh-CN" sz="2000" dirty="0" smtClean="0"/>
-                        <a:t>1. User</a:t>
-                      </a:r>
-                      <a:r>
-                        <a:rPr lang="en-US" altLang="zh-CN" sz="2000" baseline="0" dirty="0" smtClean="0"/>
-                        <a:t> o</a:t>
-                      </a:r>
-                      <a:r>
-                        <a:rPr lang="en-US" altLang="zh-CN" sz="2000" dirty="0" smtClean="0"/>
-                        <a:t>rientation</a:t>
-                      </a:r>
-                      <a:endParaRPr lang="en-US" sz="2000" dirty="0" smtClean="0"/>
-                    </a:p>
-                    <a:p>
-                      <a:pPr algn="l"/>
-                      <a:endParaRPr lang="en-US" sz="2000" b="1" dirty="0"/>
-                    </a:p>
-                  </a:txBody>
-                  <a:tcPr/>
-                </a:tc>
-              </a:tr>
-              <a:tr h="370840">
-                <a:tc>
-                  <a:txBody>
-                    <a:bodyPr/>
-                    <a:lstStyle/>
-                    <a:p>
-                      <a:pPr marL="0" marR="0" indent="0" algn="l" defTabSz="914400" rtl="0" eaLnBrk="1" fontAlgn="auto" latinLnBrk="0" hangingPunct="1">
-                        <a:lnSpc>
-                          <a:spcPct val="100000"/>
-                        </a:lnSpc>
-                        <a:spcBef>
-                          <a:spcPts val="0"/>
-                        </a:spcBef>
-                        <a:spcAft>
-                          <a:spcPts val="0"/>
-                        </a:spcAft>
-                        <a:buClrTx/>
-                        <a:buSzTx/>
-                        <a:buFontTx/>
-                        <a:buNone/>
-                        <a:tabLst/>
-                        <a:defRPr/>
-                      </a:pPr>
-                      <a:r>
-                        <a:rPr lang="en-US" altLang="zh-CN" sz="1800" b="1" dirty="0" smtClean="0"/>
-                        <a:t>Stage</a:t>
-                      </a:r>
-                      <a:r>
-                        <a:rPr lang="zh-CN" altLang="en-US" sz="1800" b="1" dirty="0" smtClean="0"/>
-                        <a:t> </a:t>
-                      </a:r>
-                      <a:r>
-                        <a:rPr lang="en-US" altLang="zh-CN" sz="1800" b="1" dirty="0" smtClean="0"/>
-                        <a:t>2</a:t>
-                      </a:r>
-                      <a:endParaRPr lang="en-US" sz="1800" b="1" dirty="0" smtClean="0"/>
-                    </a:p>
-                  </a:txBody>
-                  <a:tcPr/>
-                </a:tc>
-                <a:tc>
-                  <a:txBody>
-                    <a:bodyPr/>
-                    <a:lstStyle/>
-                    <a:p>
-                      <a:pPr algn="l"/>
-                      <a:r>
-                        <a:rPr lang="en-US" altLang="zh-CN" dirty="0" smtClean="0"/>
-                        <a:t>2.1:</a:t>
-                      </a:r>
-                      <a:r>
-                        <a:rPr lang="zh-CN" altLang="en-US" baseline="0" dirty="0" smtClean="0"/>
-                        <a:t> </a:t>
-                      </a:r>
-                      <a:r>
-                        <a:rPr lang="en-US" altLang="zh-CN" dirty="0" smtClean="0"/>
-                        <a:t>Showcase demo</a:t>
-                      </a:r>
-                      <a:endParaRPr lang="en-US" dirty="0"/>
-                    </a:p>
-                  </a:txBody>
-                  <a:tcPr/>
-                </a:tc>
-              </a:tr>
-              <a:tr h="370840">
-                <a:tc>
-                  <a:txBody>
-                    <a:bodyPr/>
-                    <a:lstStyle/>
-                    <a:p>
-                      <a:pPr marL="0" marR="0" indent="0" algn="l" defTabSz="914400" rtl="0" eaLnBrk="1" fontAlgn="auto" latinLnBrk="0" hangingPunct="1">
-                        <a:lnSpc>
-                          <a:spcPct val="100000"/>
-                        </a:lnSpc>
-                        <a:spcBef>
-                          <a:spcPts val="0"/>
-                        </a:spcBef>
-                        <a:spcAft>
-                          <a:spcPts val="0"/>
-                        </a:spcAft>
-                        <a:buClrTx/>
-                        <a:buSzTx/>
-                        <a:buFontTx/>
-                        <a:buNone/>
-                        <a:tabLst/>
-                        <a:defRPr/>
-                      </a:pPr>
-                      <a:endParaRPr lang="en-US" sz="1800" b="1" dirty="0" smtClean="0"/>
-                    </a:p>
-                  </a:txBody>
-                  <a:tcPr/>
-                </a:tc>
-                <a:tc>
-                  <a:txBody>
-                    <a:bodyPr/>
-                    <a:lstStyle/>
-                    <a:p>
-                      <a:pPr marL="0" marR="0" indent="0" algn="l" defTabSz="914400" rtl="0" eaLnBrk="1" fontAlgn="auto" latinLnBrk="0" hangingPunct="1">
-                        <a:lnSpc>
-                          <a:spcPct val="100000"/>
-                        </a:lnSpc>
-                        <a:spcBef>
-                          <a:spcPts val="0"/>
-                        </a:spcBef>
-                        <a:spcAft>
-                          <a:spcPts val="0"/>
-                        </a:spcAft>
-                        <a:buClrTx/>
-                        <a:buSzTx/>
-                        <a:buFontTx/>
-                        <a:buNone/>
-                        <a:tabLst/>
-                        <a:defRPr/>
-                      </a:pPr>
-                      <a:r>
-                        <a:rPr lang="en-US" altLang="zh-CN" u="sng" dirty="0" smtClean="0">
-                          <a:solidFill>
-                            <a:schemeClr val="tx1"/>
-                          </a:solidFill>
-                        </a:rPr>
-                        <a:t>2.2</a:t>
-                      </a:r>
-                      <a:r>
-                        <a:rPr lang="en-US" altLang="zh-CN" u="sng" baseline="0" dirty="0" smtClean="0">
-                          <a:solidFill>
-                            <a:schemeClr val="tx1"/>
-                          </a:solidFill>
-                        </a:rPr>
-                        <a:t>: </a:t>
-                      </a:r>
-                      <a:r>
-                        <a:rPr lang="en-US" altLang="zh-CN" u="sng" dirty="0" smtClean="0">
-                          <a:solidFill>
-                            <a:schemeClr val="tx1"/>
-                          </a:solidFill>
-                        </a:rPr>
-                        <a:t>Manipulation</a:t>
-                      </a:r>
-                      <a:r>
-                        <a:rPr lang="zh-CN" altLang="en-US" u="sng" dirty="0" smtClean="0">
-                          <a:solidFill>
-                            <a:schemeClr val="tx1"/>
-                          </a:solidFill>
-                        </a:rPr>
-                        <a:t> </a:t>
-                      </a:r>
-                      <a:r>
-                        <a:rPr lang="en-US" altLang="zh-CN" u="sng" dirty="0" smtClean="0">
-                          <a:solidFill>
-                            <a:schemeClr val="tx1"/>
-                          </a:solidFill>
-                        </a:rPr>
-                        <a:t>check</a:t>
-                      </a:r>
-                      <a:endParaRPr lang="en-US" u="sng" dirty="0" smtClean="0">
-                        <a:solidFill>
-                          <a:schemeClr val="tx1"/>
-                        </a:solidFill>
-                      </a:endParaRPr>
-                    </a:p>
-                    <a:p>
-                      <a:pPr algn="l"/>
-                      <a:endParaRPr lang="en-US" dirty="0"/>
-                    </a:p>
-                  </a:txBody>
-                  <a:tcPr/>
-                </a:tc>
-              </a:tr>
-              <a:tr h="370840">
-                <a:tc>
-                  <a:txBody>
-                    <a:bodyPr/>
-                    <a:lstStyle/>
-                    <a:p>
-                      <a:pPr marL="0" marR="0" indent="0" algn="l" defTabSz="914400" rtl="0" eaLnBrk="1" fontAlgn="auto" latinLnBrk="0" hangingPunct="1">
-                        <a:lnSpc>
-                          <a:spcPct val="100000"/>
-                        </a:lnSpc>
-                        <a:spcBef>
-                          <a:spcPts val="0"/>
-                        </a:spcBef>
-                        <a:spcAft>
-                          <a:spcPts val="0"/>
-                        </a:spcAft>
-                        <a:buClrTx/>
-                        <a:buSzTx/>
-                        <a:buFontTx/>
-                        <a:buNone/>
-                        <a:tabLst/>
-                        <a:defRPr/>
-                      </a:pPr>
-                      <a:r>
-                        <a:rPr lang="en-US" altLang="zh-CN" sz="1800" b="1" dirty="0" smtClean="0"/>
-                        <a:t>Stage</a:t>
-                      </a:r>
-                      <a:r>
-                        <a:rPr lang="zh-CN" altLang="en-US" sz="1800" b="1" dirty="0" smtClean="0"/>
-                        <a:t> </a:t>
-                      </a:r>
-                      <a:r>
-                        <a:rPr lang="en-US" altLang="zh-CN" sz="1800" b="1" dirty="0" smtClean="0"/>
-                        <a:t>3</a:t>
-                      </a:r>
-                      <a:endParaRPr lang="en-US" sz="1800" b="1" dirty="0" smtClean="0"/>
-                    </a:p>
-                    <a:p>
-                      <a:pPr algn="l"/>
-                      <a:endParaRPr lang="en-US" sz="1800" dirty="0"/>
-                    </a:p>
-                  </a:txBody>
-                  <a:tcPr/>
-                </a:tc>
-                <a:tc>
-                  <a:txBody>
-                    <a:bodyPr/>
-                    <a:lstStyle/>
-                    <a:p>
-                      <a:pPr marL="0" marR="0" indent="0" algn="l" defTabSz="914400" rtl="0" eaLnBrk="1" fontAlgn="auto" latinLnBrk="0" hangingPunct="1">
-                        <a:lnSpc>
-                          <a:spcPct val="100000"/>
-                        </a:lnSpc>
-                        <a:spcBef>
-                          <a:spcPts val="0"/>
-                        </a:spcBef>
-                        <a:spcAft>
-                          <a:spcPts val="0"/>
-                        </a:spcAft>
-                        <a:buClrTx/>
-                        <a:buSzTx/>
-                        <a:buFontTx/>
-                        <a:buNone/>
-                        <a:tabLst/>
-                        <a:defRPr/>
-                      </a:pPr>
-                      <a:r>
-                        <a:rPr lang="en-US" altLang="zh-CN" dirty="0" smtClean="0"/>
-                        <a:t>3.1: Main</a:t>
-                      </a:r>
-                      <a:r>
-                        <a:rPr lang="zh-CN" altLang="en-US" baseline="0" dirty="0" smtClean="0"/>
-                        <a:t> </a:t>
-                      </a:r>
-                      <a:r>
-                        <a:rPr lang="en-US" altLang="zh-CN" baseline="0" dirty="0" smtClean="0"/>
-                        <a:t>experiment</a:t>
-                      </a:r>
-                      <a:endParaRPr lang="en-US" dirty="0" smtClean="0"/>
-                    </a:p>
-                    <a:p>
-                      <a:pPr algn="l"/>
-                      <a:endParaRPr lang="en-US" dirty="0"/>
-                    </a:p>
-                  </a:txBody>
-                  <a:tcPr/>
-                </a:tc>
-              </a:tr>
-              <a:tr h="370840">
-                <a:tc>
-                  <a:txBody>
-                    <a:bodyPr/>
-                    <a:lstStyle/>
-                    <a:p>
-                      <a:pPr algn="l"/>
-                      <a:endParaRPr lang="en-US" sz="1800" dirty="0"/>
-                    </a:p>
-                  </a:txBody>
-                  <a:tcPr/>
-                </a:tc>
-                <a:tc>
-                  <a:txBody>
-                    <a:bodyPr/>
-                    <a:lstStyle/>
-                    <a:p>
-                      <a:pPr marL="0" marR="0" indent="0" algn="l" defTabSz="914400" rtl="0" eaLnBrk="1" fontAlgn="auto" latinLnBrk="0" hangingPunct="1">
-                        <a:lnSpc>
-                          <a:spcPct val="100000"/>
-                        </a:lnSpc>
-                        <a:spcBef>
-                          <a:spcPts val="0"/>
-                        </a:spcBef>
-                        <a:spcAft>
-                          <a:spcPts val="0"/>
-                        </a:spcAft>
-                        <a:buClrTx/>
-                        <a:buSzTx/>
-                        <a:buFontTx/>
-                        <a:buNone/>
-                        <a:tabLst/>
-                        <a:defRPr/>
-                      </a:pPr>
-                      <a:r>
-                        <a:rPr lang="en-US" altLang="zh-CN" u="sng" dirty="0" smtClean="0"/>
-                        <a:t>3.2: Final</a:t>
-                      </a:r>
-                      <a:r>
-                        <a:rPr lang="zh-CN" altLang="en-US" u="sng" baseline="0" dirty="0" smtClean="0"/>
-                        <a:t> </a:t>
-                      </a:r>
-                      <a:r>
-                        <a:rPr lang="en-US" altLang="zh-CN" u="sng" baseline="0" dirty="0" smtClean="0"/>
-                        <a:t>evaluation</a:t>
-                      </a:r>
-                      <a:endParaRPr lang="en-US" u="sng" dirty="0" smtClean="0"/>
-                    </a:p>
-                    <a:p>
-                      <a:pPr algn="l"/>
-                      <a:endParaRPr lang="en-US" dirty="0"/>
-                    </a:p>
-                  </a:txBody>
-                  <a:tcPr/>
-                </a:tc>
-              </a:tr>
-            </a:tbl>
-          </a:graphicData>
-        </a:graphic>
-      </p:graphicFrame>
+          </p:nvPr>
+        </p:nvSpPr>
+        <p:spPr>
+          <a:xfrm>
+            <a:off x="838199" y="1825625"/>
+            <a:ext cx="11241505" cy="4351338"/>
+          </a:xfrm>
+        </p:spPr>
+        <p:txBody>
+          <a:bodyPr/>
+          <a:lstStyle/>
+          <a:p>
+            <a:pPr marL="0" marR="0" lvl="0" indent="0" defTabSz="914400" eaLnBrk="1" fontAlgn="auto" latinLnBrk="0" hangingPunct="1">
+              <a:lnSpc>
+                <a:spcPct val="100000"/>
+              </a:lnSpc>
+              <a:spcBef>
+                <a:spcPts val="0"/>
+              </a:spcBef>
+              <a:spcAft>
+                <a:spcPts val="0"/>
+              </a:spcAft>
+              <a:buClrTx/>
+              <a:buSzTx/>
+              <a:buFontTx/>
+              <a:buNone/>
+              <a:tabLst/>
+              <a:defRPr/>
+            </a:pPr>
+            <a:r>
+              <a:rPr lang="en-US" altLang="zh-CN" dirty="0" smtClean="0"/>
+              <a:t>The</a:t>
+            </a:r>
+            <a:r>
+              <a:rPr lang="zh-CN" altLang="en-US" dirty="0" smtClean="0"/>
+              <a:t> </a:t>
+            </a:r>
+            <a:r>
+              <a:rPr lang="en-US" altLang="zh-CN" dirty="0" smtClean="0"/>
+              <a:t>goals</a:t>
+            </a:r>
+            <a:r>
+              <a:rPr lang="zh-CN" altLang="en-US" dirty="0" smtClean="0"/>
+              <a:t> </a:t>
+            </a:r>
+            <a:r>
+              <a:rPr lang="en-US" altLang="zh-CN" dirty="0" smtClean="0"/>
+              <a:t>of</a:t>
+            </a:r>
+            <a:r>
+              <a:rPr lang="zh-CN" altLang="en-US" dirty="0" smtClean="0"/>
+              <a:t> </a:t>
+            </a:r>
+            <a:r>
+              <a:rPr lang="en-US" altLang="zh-CN" dirty="0" err="1" smtClean="0"/>
+              <a:t>robo</a:t>
+            </a:r>
+            <a:r>
+              <a:rPr lang="en-US" altLang="zh-CN" dirty="0" smtClean="0"/>
+              <a:t>-advisor:</a:t>
+            </a:r>
+          </a:p>
+          <a:p>
+            <a:pPr marL="0" marR="0" lvl="0" indent="0" defTabSz="914400" eaLnBrk="1" fontAlgn="auto" latinLnBrk="0" hangingPunct="1">
+              <a:lnSpc>
+                <a:spcPct val="100000"/>
+              </a:lnSpc>
+              <a:spcBef>
+                <a:spcPts val="0"/>
+              </a:spcBef>
+              <a:spcAft>
+                <a:spcPts val="0"/>
+              </a:spcAft>
+              <a:buClrTx/>
+              <a:buSzTx/>
+              <a:buFontTx/>
+              <a:buNone/>
+              <a:tabLst/>
+              <a:defRPr/>
+            </a:pPr>
+            <a:r>
+              <a:rPr lang="en-US" dirty="0"/>
+              <a:t>	</a:t>
+            </a:r>
+            <a:r>
+              <a:rPr lang="en-US" altLang="zh-CN" dirty="0"/>
+              <a:t>W</a:t>
+            </a:r>
+            <a:r>
+              <a:rPr lang="en-US" altLang="zh-CN" dirty="0" smtClean="0"/>
+              <a:t>in</a:t>
+            </a:r>
+            <a:r>
+              <a:rPr lang="zh-CN" altLang="en-US" dirty="0" smtClean="0"/>
+              <a:t> </a:t>
+            </a:r>
+            <a:r>
+              <a:rPr lang="en-US" altLang="zh-CN" dirty="0" smtClean="0"/>
+              <a:t>trust</a:t>
+            </a:r>
+            <a:r>
+              <a:rPr lang="zh-CN" altLang="en-US" dirty="0" smtClean="0"/>
+              <a:t> </a:t>
+            </a:r>
+            <a:r>
+              <a:rPr lang="en-US" altLang="zh-CN" dirty="0" smtClean="0"/>
+              <a:t>from</a:t>
+            </a:r>
+            <a:r>
+              <a:rPr lang="zh-CN" altLang="en-US" dirty="0" smtClean="0"/>
+              <a:t> </a:t>
+            </a:r>
+            <a:r>
+              <a:rPr lang="en-US" altLang="zh-CN" dirty="0" smtClean="0"/>
+              <a:t>users</a:t>
+            </a:r>
+          </a:p>
+          <a:p>
+            <a:pPr marL="0" marR="0" lvl="0" indent="0" defTabSz="914400" eaLnBrk="1" fontAlgn="auto" latinLnBrk="0" hangingPunct="1">
+              <a:lnSpc>
+                <a:spcPct val="100000"/>
+              </a:lnSpc>
+              <a:spcBef>
+                <a:spcPts val="0"/>
+              </a:spcBef>
+              <a:spcAft>
+                <a:spcPts val="0"/>
+              </a:spcAft>
+              <a:buClrTx/>
+              <a:buSzTx/>
+              <a:buFontTx/>
+              <a:buNone/>
+              <a:tabLst/>
+              <a:defRPr/>
+            </a:pPr>
+            <a:r>
+              <a:rPr lang="en-US" altLang="zh-CN" dirty="0" smtClean="0"/>
+              <a:t>	Orient</a:t>
+            </a:r>
+            <a:r>
+              <a:rPr lang="zh-CN" altLang="en-US" dirty="0" smtClean="0"/>
+              <a:t> </a:t>
+            </a:r>
+            <a:r>
+              <a:rPr lang="en-US" altLang="zh-CN" dirty="0" smtClean="0"/>
+              <a:t>users</a:t>
+            </a:r>
+            <a:r>
+              <a:rPr lang="zh-CN" altLang="en-US" dirty="0" smtClean="0"/>
+              <a:t> </a:t>
+            </a:r>
+            <a:r>
+              <a:rPr lang="en-US" altLang="zh-CN" dirty="0" smtClean="0"/>
+              <a:t>to</a:t>
+            </a:r>
+            <a:r>
+              <a:rPr lang="zh-CN" altLang="en-US" dirty="0" smtClean="0"/>
+              <a:t> </a:t>
+            </a:r>
+            <a:r>
+              <a:rPr lang="en-US" altLang="zh-CN" dirty="0" smtClean="0"/>
+              <a:t>investor</a:t>
+            </a:r>
+            <a:r>
+              <a:rPr lang="zh-CN" altLang="en-US" dirty="0" smtClean="0"/>
+              <a:t> </a:t>
+            </a:r>
+            <a:r>
+              <a:rPr lang="en-US" altLang="zh-CN" dirty="0" smtClean="0"/>
+              <a:t>more</a:t>
+            </a:r>
+            <a:r>
+              <a:rPr lang="zh-CN" altLang="en-US" dirty="0" smtClean="0"/>
+              <a:t> </a:t>
+            </a:r>
+            <a:r>
+              <a:rPr lang="en-US" altLang="zh-CN" dirty="0" smtClean="0"/>
+              <a:t>money</a:t>
+            </a:r>
+            <a:r>
+              <a:rPr lang="zh-CN" altLang="en-US" dirty="0" smtClean="0"/>
+              <a:t> </a:t>
+            </a:r>
+            <a:r>
+              <a:rPr lang="en-US" altLang="zh-CN" dirty="0" smtClean="0"/>
+              <a:t>with</a:t>
+            </a:r>
+            <a:r>
+              <a:rPr lang="zh-CN" altLang="en-US" dirty="0" smtClean="0"/>
+              <a:t> </a:t>
+            </a:r>
+            <a:r>
+              <a:rPr lang="en-US" altLang="zh-CN" dirty="0" smtClean="0"/>
+              <a:t>it</a:t>
+            </a:r>
+          </a:p>
+          <a:p>
+            <a:pPr marL="0" lvl="0" indent="0">
+              <a:lnSpc>
+                <a:spcPct val="100000"/>
+              </a:lnSpc>
+              <a:spcBef>
+                <a:spcPts val="0"/>
+              </a:spcBef>
+              <a:buNone/>
+            </a:pPr>
+            <a:r>
+              <a:rPr lang="en-US" dirty="0"/>
+              <a:t>	</a:t>
+            </a:r>
+            <a:r>
+              <a:rPr lang="en-US" altLang="zh-CN" dirty="0" err="1"/>
+              <a:t>S</a:t>
+            </a:r>
+            <a:r>
+              <a:rPr lang="en-US" altLang="zh-CN" dirty="0" err="1" smtClean="0"/>
+              <a:t>utbly</a:t>
+            </a:r>
+            <a:r>
+              <a:rPr lang="zh-CN" altLang="en-US" dirty="0" smtClean="0"/>
+              <a:t> </a:t>
+            </a:r>
+            <a:r>
+              <a:rPr lang="en-US" altLang="zh-CN" dirty="0"/>
+              <a:t>orient</a:t>
+            </a:r>
+            <a:r>
+              <a:rPr lang="zh-CN" altLang="en-US" dirty="0"/>
+              <a:t> </a:t>
+            </a:r>
+            <a:r>
+              <a:rPr lang="en-US" altLang="zh-CN" dirty="0"/>
+              <a:t>users</a:t>
+            </a:r>
+            <a:r>
+              <a:rPr lang="zh-CN" altLang="en-US" dirty="0"/>
+              <a:t> </a:t>
+            </a:r>
+            <a:r>
+              <a:rPr lang="en-US" altLang="zh-CN" dirty="0" smtClean="0"/>
+              <a:t>toward</a:t>
+            </a:r>
+            <a:r>
+              <a:rPr lang="zh-CN" altLang="en-US" dirty="0" smtClean="0"/>
+              <a:t> </a:t>
+            </a:r>
+            <a:r>
+              <a:rPr lang="en-US" altLang="zh-CN" dirty="0" smtClean="0"/>
+              <a:t>committing</a:t>
+            </a:r>
+            <a:r>
+              <a:rPr lang="zh-CN" altLang="en-US" dirty="0" smtClean="0"/>
+              <a:t> </a:t>
+            </a:r>
+            <a:r>
+              <a:rPr lang="en-US" altLang="zh-CN" dirty="0" smtClean="0"/>
+              <a:t>patient</a:t>
+            </a:r>
+            <a:r>
+              <a:rPr lang="zh-CN" altLang="en-US" dirty="0" smtClean="0"/>
+              <a:t> </a:t>
+            </a:r>
+            <a:r>
+              <a:rPr lang="en-US" altLang="zh-CN" dirty="0" smtClean="0"/>
+              <a:t>long-term</a:t>
+            </a:r>
+            <a:r>
+              <a:rPr lang="zh-CN" altLang="en-US" dirty="0" smtClean="0"/>
+              <a:t> </a:t>
+            </a:r>
+            <a:r>
+              <a:rPr lang="en-US" altLang="zh-CN" dirty="0" smtClean="0"/>
+              <a:t>investment</a:t>
+            </a:r>
+          </a:p>
+          <a:p>
+            <a:pPr marL="0" lvl="0" indent="0">
+              <a:lnSpc>
+                <a:spcPct val="100000"/>
+              </a:lnSpc>
+              <a:spcBef>
+                <a:spcPts val="0"/>
+              </a:spcBef>
+              <a:buNone/>
+            </a:pPr>
+            <a:endParaRPr lang="en-US" dirty="0"/>
+          </a:p>
+          <a:p>
+            <a:pPr marL="0" lvl="0" indent="0">
+              <a:lnSpc>
+                <a:spcPct val="100000"/>
+              </a:lnSpc>
+              <a:spcBef>
+                <a:spcPts val="0"/>
+              </a:spcBef>
+              <a:buNone/>
+            </a:pPr>
+            <a:r>
+              <a:rPr lang="en-US" altLang="zh-CN" dirty="0" smtClean="0"/>
+              <a:t>The</a:t>
+            </a:r>
+            <a:r>
+              <a:rPr lang="zh-CN" altLang="en-US" dirty="0" smtClean="0"/>
+              <a:t> </a:t>
+            </a:r>
+            <a:r>
+              <a:rPr lang="en-US" altLang="zh-CN" dirty="0" smtClean="0"/>
+              <a:t>goals</a:t>
+            </a:r>
+            <a:r>
+              <a:rPr lang="zh-CN" altLang="en-US" dirty="0" smtClean="0"/>
+              <a:t> </a:t>
+            </a:r>
+            <a:r>
+              <a:rPr lang="en-US" altLang="zh-CN" dirty="0" smtClean="0"/>
+              <a:t>of</a:t>
+            </a:r>
+            <a:r>
+              <a:rPr lang="zh-CN" altLang="en-US" dirty="0" smtClean="0"/>
+              <a:t> </a:t>
+            </a:r>
+            <a:r>
+              <a:rPr lang="en-US" altLang="zh-CN" dirty="0" smtClean="0"/>
+              <a:t>users:</a:t>
+            </a:r>
+          </a:p>
+          <a:p>
+            <a:pPr marL="0" lvl="0" indent="0">
+              <a:lnSpc>
+                <a:spcPct val="100000"/>
+              </a:lnSpc>
+              <a:spcBef>
+                <a:spcPts val="0"/>
+              </a:spcBef>
+              <a:buNone/>
+            </a:pPr>
+            <a:r>
+              <a:rPr lang="en-US" dirty="0"/>
+              <a:t>	</a:t>
+            </a:r>
+            <a:r>
+              <a:rPr lang="en-US" altLang="zh-CN" dirty="0"/>
+              <a:t>M</a:t>
+            </a:r>
+            <a:r>
+              <a:rPr lang="en-US" altLang="zh-CN" dirty="0" smtClean="0"/>
+              <a:t>ake</a:t>
+            </a:r>
+            <a:r>
+              <a:rPr lang="zh-CN" altLang="en-US" dirty="0" smtClean="0"/>
+              <a:t> </a:t>
+            </a:r>
+            <a:r>
+              <a:rPr lang="en-US" altLang="zh-CN" dirty="0" smtClean="0"/>
+              <a:t>more</a:t>
+            </a:r>
+            <a:r>
+              <a:rPr lang="zh-CN" altLang="en-US" dirty="0" smtClean="0"/>
+              <a:t> </a:t>
+            </a:r>
+            <a:r>
+              <a:rPr lang="en-US" altLang="zh-CN" dirty="0" smtClean="0"/>
+              <a:t>money</a:t>
+            </a:r>
+            <a:r>
+              <a:rPr lang="zh-CN" altLang="en-US" dirty="0" smtClean="0"/>
+              <a:t> </a:t>
+            </a:r>
+            <a:r>
+              <a:rPr lang="en-US" altLang="zh-CN" dirty="0" smtClean="0"/>
+              <a:t>with</a:t>
+            </a:r>
+            <a:r>
+              <a:rPr lang="zh-CN" altLang="en-US" dirty="0" smtClean="0"/>
+              <a:t> </a:t>
+            </a:r>
+            <a:r>
+              <a:rPr lang="en-US" altLang="zh-CN" dirty="0" err="1" smtClean="0"/>
+              <a:t>robo</a:t>
+            </a:r>
+            <a:r>
+              <a:rPr lang="en-US" altLang="zh-CN" dirty="0" smtClean="0"/>
+              <a:t>-advisor</a:t>
+            </a:r>
+          </a:p>
+          <a:p>
+            <a:pPr marL="0" lvl="0" indent="0">
+              <a:lnSpc>
+                <a:spcPct val="100000"/>
+              </a:lnSpc>
+              <a:spcBef>
+                <a:spcPts val="0"/>
+              </a:spcBef>
+              <a:buNone/>
+            </a:pPr>
+            <a:r>
+              <a:rPr lang="en-US" dirty="0"/>
+              <a:t>	</a:t>
+            </a:r>
+            <a:r>
+              <a:rPr lang="en-US" altLang="zh-CN" dirty="0"/>
+              <a:t>I</a:t>
+            </a:r>
+            <a:r>
+              <a:rPr lang="en-US" altLang="zh-CN" dirty="0" smtClean="0"/>
+              <a:t>nfer</a:t>
+            </a:r>
+            <a:r>
+              <a:rPr lang="zh-CN" altLang="en-US" dirty="0" smtClean="0"/>
+              <a:t> </a:t>
+            </a:r>
+            <a:r>
+              <a:rPr lang="en-US" altLang="zh-CN" dirty="0" err="1" smtClean="0"/>
+              <a:t>robo</a:t>
+            </a:r>
+            <a:r>
+              <a:rPr lang="en-US" altLang="zh-CN" dirty="0" smtClean="0"/>
+              <a:t>-advisor’s</a:t>
+            </a:r>
+            <a:r>
+              <a:rPr lang="zh-CN" altLang="en-US" dirty="0" smtClean="0"/>
+              <a:t> </a:t>
+            </a:r>
+            <a:r>
+              <a:rPr lang="en-US" altLang="zh-CN" dirty="0" smtClean="0"/>
+              <a:t>expertise</a:t>
+            </a:r>
+            <a:r>
+              <a:rPr lang="zh-CN" altLang="en-US" dirty="0" smtClean="0"/>
+              <a:t> </a:t>
+            </a:r>
+            <a:r>
+              <a:rPr lang="en-US" altLang="zh-CN" dirty="0" smtClean="0"/>
+              <a:t>in</a:t>
+            </a:r>
+            <a:r>
+              <a:rPr lang="zh-CN" altLang="en-US" dirty="0" smtClean="0"/>
+              <a:t> </a:t>
+            </a:r>
+            <a:r>
+              <a:rPr lang="en-US" altLang="zh-CN" dirty="0" smtClean="0"/>
+              <a:t>portfolio</a:t>
+            </a:r>
+            <a:r>
+              <a:rPr lang="zh-CN" altLang="en-US" dirty="0" smtClean="0"/>
+              <a:t> </a:t>
+            </a:r>
+            <a:r>
+              <a:rPr lang="en-US" altLang="zh-CN" dirty="0" smtClean="0"/>
+              <a:t>management</a:t>
+            </a:r>
+          </a:p>
+          <a:p>
+            <a:pPr marL="0" lvl="0" indent="0">
+              <a:lnSpc>
+                <a:spcPct val="100000"/>
+              </a:lnSpc>
+              <a:spcBef>
+                <a:spcPts val="0"/>
+              </a:spcBef>
+              <a:buNone/>
+            </a:pPr>
+            <a:r>
+              <a:rPr lang="en-US" dirty="0" smtClean="0"/>
+              <a:t>	</a:t>
+            </a:r>
+            <a:r>
+              <a:rPr lang="en-US" altLang="zh-CN" dirty="0" smtClean="0"/>
+              <a:t>Make</a:t>
+            </a:r>
+            <a:r>
+              <a:rPr lang="zh-CN" altLang="en-US" dirty="0" smtClean="0"/>
+              <a:t> </a:t>
+            </a:r>
+            <a:r>
+              <a:rPr lang="en-US" altLang="zh-CN" dirty="0" smtClean="0"/>
+              <a:t>rational</a:t>
+            </a:r>
+            <a:r>
+              <a:rPr lang="zh-CN" altLang="en-US" dirty="0" smtClean="0"/>
+              <a:t> </a:t>
+            </a:r>
+            <a:r>
+              <a:rPr lang="en-US" altLang="zh-CN" dirty="0" smtClean="0"/>
+              <a:t>decisions</a:t>
+            </a:r>
+            <a:r>
+              <a:rPr lang="zh-CN" altLang="en-US" dirty="0" smtClean="0"/>
+              <a:t> </a:t>
+            </a:r>
+            <a:r>
+              <a:rPr lang="en-US" altLang="zh-CN" dirty="0" smtClean="0"/>
+              <a:t>given</a:t>
+            </a:r>
+            <a:r>
+              <a:rPr lang="zh-CN" altLang="en-US" dirty="0" smtClean="0"/>
+              <a:t> </a:t>
+            </a:r>
+            <a:r>
+              <a:rPr lang="en-US" altLang="zh-CN" dirty="0" smtClean="0"/>
+              <a:t>available</a:t>
+            </a:r>
+            <a:r>
+              <a:rPr lang="zh-CN" altLang="en-US" dirty="0" smtClean="0"/>
+              <a:t> </a:t>
+            </a:r>
+            <a:r>
+              <a:rPr lang="en-US" altLang="zh-CN" dirty="0" smtClean="0"/>
+              <a:t>information</a:t>
+            </a:r>
+            <a:endParaRPr lang="en-US" dirty="0"/>
+          </a:p>
+        </p:txBody>
+      </p:sp>
     </p:spTree>
     <p:extLst>
       <p:ext uri="{BB962C8B-B14F-4D97-AF65-F5344CB8AC3E}">
-        <p14:creationId xmlns:p14="http://schemas.microsoft.com/office/powerpoint/2010/main" val="1000394283"/>
+        <p14:creationId xmlns:p14="http://schemas.microsoft.com/office/powerpoint/2010/main" val="459097944"/>
       </p:ext>
     </p:extLst>
   </p:cSld>
@@ -3580,6 +3689,29 @@
           <a:chExt cx="0" cy="0"/>
         </a:xfrm>
       </p:grpSpPr>
+      <p:sp>
+        <p:nvSpPr>
+          <p:cNvPr id="2" name="Title 1"/>
+          <p:cNvSpPr>
+            <a:spLocks noGrp="1"/>
+          </p:cNvSpPr>
+          <p:nvPr>
+            <p:ph type="title"/>
+          </p:nvPr>
+        </p:nvSpPr>
+        <p:spPr/>
+        <p:txBody>
+          <a:bodyPr/>
+          <a:lstStyle/>
+          <a:p>
+            <a:r>
+              <a:rPr lang="en-US" altLang="zh-CN" dirty="0" smtClean="0"/>
+              <a:t>Overview</a:t>
+            </a:r>
+            <a:endParaRPr lang="en-US" dirty="0"/>
+          </a:p>
+        </p:txBody>
+      </p:sp>
       <p:graphicFrame>
         <p:nvGraphicFramePr>
           <p:cNvPr id="4" name="Content Placeholder 3"/>
@@ -3590,14 +3722,14 @@
             <p:ph idx="1"/>
             <p:extLst>
               <p:ext uri="{D42A27DB-BD31-4B8C-83A1-F6EECF244321}">
-                <p14:modId xmlns:p14="http://schemas.microsoft.com/office/powerpoint/2010/main" val="443024457"/>
+                <p14:modId xmlns:p14="http://schemas.microsoft.com/office/powerpoint/2010/main" val="778355634"/>
               </p:ext>
             </p:extLst>
           </p:nvPr>
         </p:nvGraphicFramePr>
         <p:xfrm>
-          <a:off x="344905" y="100429"/>
-          <a:ext cx="11353800" cy="6638859"/>
+          <a:off x="838200" y="1837657"/>
+          <a:ext cx="4547938" cy="3416319"/>
         </p:xfrm>
         <a:graphic>
           <a:graphicData uri="http://schemas.openxmlformats.org/drawingml/2006/table">
@@ -3606,184 +3738,33 @@
                 <a:tableStyleId>{2D5ABB26-0587-4C30-8999-92F81FD0307C}</a:tableStyleId>
               </a:tblPr>
               <a:tblGrid>
-                <a:gridCol w="1549000"/>
-                <a:gridCol w="6167253"/>
-                <a:gridCol w="3637547"/>
+                <a:gridCol w="1347538"/>
+                <a:gridCol w="3200400"/>
               </a:tblGrid>
-              <a:tr h="573339">
+              <a:tr h="800429">
                 <a:tc>
                   <a:txBody>
                     <a:bodyPr/>
                     <a:lstStyle/>
                     <a:p>
                       <a:pPr algn="l"/>
-                      <a:endParaRPr lang="en-US" altLang="zh-CN" sz="1800" b="1" baseline="0" dirty="0" smtClean="0"/>
+                      <a:r>
+                        <a:rPr lang="en-US" altLang="zh-CN" sz="1800" b="1" dirty="0" smtClean="0"/>
+                        <a:t>Stage</a:t>
+                      </a:r>
+                      <a:r>
+                        <a:rPr lang="zh-CN" altLang="en-US" sz="1800" b="1" baseline="0" dirty="0" smtClean="0"/>
+                        <a:t> </a:t>
+                      </a:r>
+                      <a:r>
+                        <a:rPr lang="en-US" altLang="zh-CN" sz="1800" b="1" baseline="0" dirty="0" smtClean="0"/>
+                        <a:t>1</a:t>
+                      </a:r>
+                      <a:endParaRPr lang="en-US" sz="1800" b="1" dirty="0"/>
                     </a:p>
                   </a:txBody>
                   <a:tcPr/>
                 </a:tc>
-                <a:tc>
-                  <a:txBody>
-                    <a:bodyPr/>
-                    <a:lstStyle/>
-                    <a:p>
-                      <a:pPr algn="l"/>
-                      <a:r>
-                        <a:rPr lang="en-US" sz="2000" b="0" dirty="0" smtClean="0"/>
-                        <a:t>Chief</a:t>
-                      </a:r>
-                      <a:r>
-                        <a:rPr lang="en-US" sz="2000" b="0" baseline="0" dirty="0" smtClean="0"/>
-                        <a:t> tasks</a:t>
-                      </a:r>
-                      <a:endParaRPr lang="en-US" sz="2000" b="0" dirty="0"/>
-                    </a:p>
-                  </a:txBody>
-                  <a:tcPr/>
-                </a:tc>
-                <a:tc>
-                  <a:txBody>
-                    <a:bodyPr/>
-                    <a:lstStyle/>
-                    <a:p>
-                      <a:pPr algn="l"/>
-                      <a:r>
-                        <a:rPr lang="en-US" sz="2000" b="0" dirty="0" smtClean="0"/>
-                        <a:t>Deliverables &amp; DDL</a:t>
-                      </a:r>
-                      <a:endParaRPr lang="en-US" sz="2000" b="0" dirty="0"/>
-                    </a:p>
-                  </a:txBody>
-                  <a:tcPr/>
-                </a:tc>
-              </a:tr>
-              <a:tr h="573339">
-                <a:tc>
-                  <a:txBody>
-                    <a:bodyPr/>
-                    <a:lstStyle/>
-                    <a:p>
-                      <a:pPr algn="l"/>
-                      <a:r>
-                        <a:rPr lang="en-US" altLang="zh-CN" sz="1800" b="1" dirty="0" smtClean="0"/>
-                        <a:t>Week</a:t>
-                      </a:r>
-                      <a:r>
-                        <a:rPr lang="zh-CN" altLang="en-US" sz="1800" b="1" baseline="0" dirty="0" smtClean="0"/>
-                        <a:t> </a:t>
-                      </a:r>
-                      <a:r>
-                        <a:rPr lang="en-US" altLang="zh-CN" sz="1800" b="1" baseline="0" dirty="0" smtClean="0"/>
-                        <a:t>1</a:t>
-                      </a:r>
-                    </a:p>
-                    <a:p>
-                      <a:pPr algn="l"/>
-                      <a:r>
-                        <a:rPr lang="en-US" altLang="zh-CN" sz="1800" b="1" baseline="0" dirty="0" smtClean="0"/>
-                        <a:t>Mar 5-11 </a:t>
-                      </a:r>
-                    </a:p>
-                  </a:txBody>
-                  <a:tcPr/>
-                </a:tc>
-                <a:tc>
-                  <a:txBody>
-                    <a:bodyPr/>
-                    <a:lstStyle/>
-                    <a:p>
-                      <a:pPr marL="457200" indent="-457200" algn="l">
-                        <a:buAutoNum type="arabicPeriod"/>
-                      </a:pPr>
-                      <a:r>
-                        <a:rPr lang="en-US" sz="2000" b="0" dirty="0" smtClean="0"/>
-                        <a:t>First</a:t>
-                      </a:r>
-                      <a:r>
-                        <a:rPr lang="en-US" sz="2000" b="0" baseline="0" dirty="0" smtClean="0"/>
-                        <a:t> draft of m</a:t>
-                      </a:r>
-                      <a:r>
-                        <a:rPr lang="en-US" sz="2000" b="0" dirty="0" smtClean="0"/>
-                        <a:t>ock-up (</a:t>
-                      </a:r>
-                      <a:r>
-                        <a:rPr lang="en-US" sz="2000" b="0" dirty="0" err="1" smtClean="0"/>
-                        <a:t>Wanlu</a:t>
-                      </a:r>
-                      <a:r>
-                        <a:rPr lang="en-US" sz="2000" b="0" dirty="0" smtClean="0"/>
-                        <a:t>)</a:t>
-                      </a:r>
-                    </a:p>
-                    <a:p>
-                      <a:pPr marL="457200" indent="-457200" algn="l">
-                        <a:buAutoNum type="arabicPeriod"/>
-                      </a:pPr>
-                      <a:r>
-                        <a:rPr lang="en-US" sz="2000" b="0" baseline="0" dirty="0" smtClean="0"/>
-                        <a:t>Initiate IRB preparation (Yihan)</a:t>
-                      </a:r>
-                    </a:p>
-                    <a:p>
-                      <a:pPr marL="457200" indent="-457200" algn="l">
-                        <a:buAutoNum type="arabicPeriod"/>
-                      </a:pPr>
-                      <a:r>
-                        <a:rPr lang="en-US" sz="2000" b="0" baseline="0" dirty="0" smtClean="0"/>
-                        <a:t>Design script styles (Yihan)</a:t>
-                      </a:r>
-                    </a:p>
-                  </a:txBody>
-                  <a:tcPr/>
-                </a:tc>
-                <a:tc>
-                  <a:txBody>
-                    <a:bodyPr/>
-                    <a:lstStyle/>
-                    <a:p>
-                      <a:pPr algn="l"/>
-                      <a:r>
-                        <a:rPr lang="en-US" sz="2000" b="0" dirty="0" smtClean="0"/>
-                        <a:t>Mock</a:t>
-                      </a:r>
-                      <a:r>
-                        <a:rPr lang="en-US" sz="2000" b="0" baseline="0" dirty="0" smtClean="0"/>
-                        <a:t> up: </a:t>
-                      </a:r>
-                      <a:r>
-                        <a:rPr lang="en-US" sz="2000" b="0" dirty="0" smtClean="0"/>
-                        <a:t>Mar</a:t>
-                      </a:r>
-                      <a:r>
-                        <a:rPr lang="en-US" sz="2000" b="0" baseline="0" dirty="0" smtClean="0"/>
-                        <a:t> 8;</a:t>
-                      </a:r>
-                    </a:p>
-                    <a:p>
-                      <a:pPr algn="l"/>
-                      <a:r>
-                        <a:rPr lang="en-US" sz="2000" b="0" dirty="0" smtClean="0"/>
-                        <a:t>IRB basic</a:t>
-                      </a:r>
-                      <a:r>
-                        <a:rPr lang="en-US" sz="2000" b="0" baseline="0" dirty="0" smtClean="0"/>
-                        <a:t> info: Mar 9;</a:t>
-                      </a:r>
-                    </a:p>
-                    <a:p>
-                      <a:pPr algn="l"/>
-                      <a:r>
-                        <a:rPr lang="en-US" sz="2000" b="0" baseline="0" dirty="0" smtClean="0"/>
-                        <a:t>Key points on script styles: Mar 8;</a:t>
-                      </a:r>
-                      <a:endParaRPr lang="en-US" sz="2000" b="0" dirty="0"/>
-                    </a:p>
-                  </a:txBody>
-                  <a:tcPr/>
-                </a:tc>
-              </a:tr>
-              <a:tr h="1207971">
                 <a:tc>
                   <a:txBody>
                     <a:bodyPr/>
@@ -3807,18 +3788,32 @@
                         <a:defRPr/>
                       </a:pPr>
                       <a:r>
-                        <a:rPr lang="en-US" altLang="zh-CN" sz="1800" b="1" dirty="0" smtClean="0"/>
-                        <a:t>Week</a:t>
-                      </a:r>
-                      <a:r>
-                        <a:rPr lang="zh-CN" altLang="en-US" sz="1800" b="1" dirty="0" smtClean="0"/>
-                        <a:t> </a:t>
-                      </a:r>
-                      <a:r>
-                        <a:rPr lang="en-US" altLang="zh-CN" sz="1800" b="1" dirty="0" smtClean="0"/>
-                        <a:t>2</a:t>
-                      </a:r>
-                    </a:p>
+                        <a:rPr lang="en-US" altLang="zh-CN" sz="2000" dirty="0" smtClean="0"/>
+                        <a:t>1. User</a:t>
+                      </a:r>
+                      <a:r>
+                        <a:rPr lang="en-US" altLang="zh-CN" sz="2000" baseline="0" dirty="0" smtClean="0"/>
+                        <a:t> o</a:t>
+                      </a:r>
+                      <a:r>
+                        <a:rPr lang="en-US" altLang="zh-CN" sz="2000" dirty="0" smtClean="0"/>
+                        <a:t>rientation</a:t>
+                      </a:r>
+                      <a:endParaRPr lang="en-US" sz="2000" dirty="0" smtClean="0"/>
+                    </a:p>
+                    <a:p>
+                      <a:pPr algn="l"/>
+                      <a:endParaRPr lang="en-US" sz="2000" b="1" dirty="0"/>
+                    </a:p>
+                  </a:txBody>
+                  <a:tcPr/>
+                </a:tc>
+              </a:tr>
+              <a:tr h="423415">
+                <a:tc>
+                  <a:txBody>
+                    <a:bodyPr/>
+                    <a:lstStyle/>
                     <a:p>
                       <a:pPr marL="0" marR="0" indent="0" algn="l" defTabSz="914400" rtl="0" eaLnBrk="1" fontAlgn="auto" latinLnBrk="0" hangingPunct="1">
                         <a:lnSpc>
@@ -3838,9 +3833,18 @@
                         <a:defRPr/>
                       </a:pPr>
                       <a:r>
-                        <a:rPr lang="en-US" sz="1800" b="1" dirty="0" smtClean="0"/>
-                        <a:t>Mar 12-18 </a:t>
-                      </a:r>
+                        <a:rPr lang="en-US" altLang="zh-CN" sz="1800" b="1" dirty="0" smtClean="0"/>
+                        <a:t>Stage</a:t>
+                      </a:r>
+                      <a:r>
+                        <a:rPr lang="zh-CN" altLang="en-US" sz="1800" b="1" dirty="0" smtClean="0"/>
+                        <a:t> </a:t>
+                      </a:r>
+                      <a:r>
+                        <a:rPr lang="en-US" altLang="zh-CN" sz="1800" b="1" dirty="0" smtClean="0"/>
+                        <a:t>2</a:t>
+                      </a:r>
+                      <a:endParaRPr lang="en-US" sz="1800" b="1" dirty="0" smtClean="0"/>
                     </a:p>
                   </a:txBody>
                   <a:tcPr/>
@@ -3850,151 +3854,18 @@
                     <a:bodyPr/>
                     <a:lstStyle/>
                     <a:p>
-                      <a:pPr marL="342900" marR="0" indent="-342900" algn="l" defTabSz="914400" rtl="0" eaLnBrk="1" fontAlgn="auto" latinLnBrk="0" hangingPunct="1">
-                        <a:lnSpc>
-                          <a:spcPct val="100000"/>
-                        </a:lnSpc>
-                        <a:spcBef>
-                          <a:spcPts val="0"/>
-                        </a:spcBef>
-                        <a:spcAft>
-                          <a:spcPts val="0"/>
-                        </a:spcAft>
-                        <a:buClrTx/>
-                        <a:buSzTx/>
-                        <a:buFontTx/>
-                        <a:buAutoNum type="arabicPeriod"/>
-                        <a:tabLst/>
-                        <a:defRPr/>
-                      </a:pPr>
-                      <a:r>
-                        <a:rPr lang="en-US" sz="1800" b="0" baseline="0" dirty="0" smtClean="0"/>
-                        <a:t>Develop the basic functional components (</a:t>
-                      </a:r>
-                      <a:r>
-                        <a:rPr lang="en-US" sz="1800" b="0" baseline="0" dirty="0" err="1" smtClean="0"/>
-                        <a:t>Wanlu</a:t>
-                      </a:r>
-                      <a:r>
-                        <a:rPr lang="en-US" sz="1800" b="0" baseline="0" dirty="0" smtClean="0"/>
-                        <a:t>)</a:t>
-                      </a:r>
-                    </a:p>
-                    <a:p>
-                      <a:pPr marL="342900" marR="0" indent="-342900" algn="l" defTabSz="914400" rtl="0" eaLnBrk="1" fontAlgn="auto" latinLnBrk="0" hangingPunct="1">
-                        <a:lnSpc>
-                          <a:spcPct val="100000"/>
-                        </a:lnSpc>
-                        <a:spcBef>
-                          <a:spcPts val="0"/>
-                        </a:spcBef>
-                        <a:spcAft>
-                          <a:spcPts val="0"/>
-                        </a:spcAft>
-                        <a:buClrTx/>
-                        <a:buSzTx/>
-                        <a:buFontTx/>
-                        <a:buAutoNum type="arabicPeriod"/>
-                        <a:tabLst/>
-                        <a:defRPr/>
-                      </a:pPr>
-                      <a:r>
-                        <a:rPr lang="en-US" sz="1800" b="0" baseline="0" dirty="0" smtClean="0"/>
-                        <a:t>Draft scripts for orientation &amp; main experiments (</a:t>
-                      </a:r>
-                      <a:r>
-                        <a:rPr lang="en-US" sz="1800" b="0" baseline="0" dirty="0" err="1" smtClean="0"/>
-                        <a:t>Cuimin</a:t>
-                      </a:r>
-                      <a:r>
-                        <a:rPr lang="en-US" sz="1800" b="0" baseline="0" dirty="0" smtClean="0"/>
-                        <a:t>) </a:t>
-                      </a:r>
-                    </a:p>
-                    <a:p>
-                      <a:pPr marL="342900" marR="0" indent="-342900" algn="l" defTabSz="914400" rtl="0" eaLnBrk="1" fontAlgn="auto" latinLnBrk="0" hangingPunct="1">
-                        <a:lnSpc>
-                          <a:spcPct val="100000"/>
-                        </a:lnSpc>
-                        <a:spcBef>
-                          <a:spcPts val="0"/>
-                        </a:spcBef>
-                        <a:spcAft>
-                          <a:spcPts val="0"/>
-                        </a:spcAft>
-                        <a:buClrTx/>
-                        <a:buSzTx/>
-                        <a:buFontTx/>
-                        <a:buAutoNum type="arabicPeriod"/>
-                        <a:tabLst/>
-                        <a:defRPr/>
-                      </a:pPr>
-                      <a:r>
-                        <a:rPr lang="en-US" sz="1800" b="0" baseline="0" dirty="0" smtClean="0"/>
-                        <a:t>Fill in IRB form (Yihan)</a:t>
-                      </a:r>
-                    </a:p>
-                    <a:p>
-                      <a:pPr marL="342900" marR="0" indent="-342900" algn="l" defTabSz="914400" rtl="0" eaLnBrk="1" fontAlgn="auto" latinLnBrk="0" hangingPunct="1">
-                        <a:lnSpc>
-                          <a:spcPct val="100000"/>
-                        </a:lnSpc>
-                        <a:spcBef>
-                          <a:spcPts val="0"/>
-                        </a:spcBef>
-                        <a:spcAft>
-                          <a:spcPts val="0"/>
-                        </a:spcAft>
-                        <a:buClrTx/>
-                        <a:buSzTx/>
-                        <a:buFontTx/>
-                        <a:buAutoNum type="arabicPeriod"/>
-                        <a:tabLst/>
-                        <a:defRPr/>
-                      </a:pPr>
-                      <a:r>
-                        <a:rPr lang="en-US" sz="1800" b="0" baseline="0" dirty="0" smtClean="0"/>
-                        <a:t>Look for graphic designer (Yihan)</a:t>
-                      </a:r>
-                      <a:endParaRPr lang="en-US" sz="1800" b="0" dirty="0" smtClean="0"/>
-                    </a:p>
-                  </a:txBody>
-                  <a:tcPr/>
-                </a:tc>
-                <a:tc>
-                  <a:txBody>
-                    <a:bodyPr/>
-                    <a:lstStyle/>
-                    <a:p>
                       <a:pPr algn="l"/>
                       <a:r>
-                        <a:rPr lang="en-US" dirty="0" smtClean="0"/>
-                        <a:t>A functional</a:t>
-                      </a:r>
-                      <a:r>
-                        <a:rPr lang="en-US" baseline="0" dirty="0" smtClean="0"/>
-                        <a:t> surface product: Mar 15;</a:t>
-                      </a:r>
-                    </a:p>
-                    <a:p>
-                      <a:pPr algn="l"/>
-                      <a:r>
-                        <a:rPr lang="en-US" baseline="0" dirty="0" smtClean="0"/>
-                        <a:t>First draft of scripts: Mar 16;</a:t>
-                      </a:r>
-                    </a:p>
-                    <a:p>
-                      <a:pPr algn="l"/>
-                      <a:r>
-                        <a:rPr lang="en-US" baseline="0" dirty="0" smtClean="0"/>
-                        <a:t>First draft of IRB: Mar 15;</a:t>
-                      </a:r>
-                    </a:p>
-                    <a:p>
-                      <a:pPr algn="l"/>
-                      <a:r>
-                        <a:rPr lang="en-US" baseline="0" dirty="0" smtClean="0"/>
-                        <a:t>1-2 candidates of designer: Mar 15;</a:t>
+                        <a:rPr lang="en-US" altLang="zh-CN" dirty="0" smtClean="0"/>
+                        <a:t>2.1:</a:t>
+                      </a:r>
+                      <a:r>
+                        <a:rPr lang="zh-CN" altLang="en-US" baseline="0" dirty="0" smtClean="0"/>
+                        <a:t> </a:t>
+                      </a:r>
+                      <a:r>
+                        <a:rPr lang="en-US" altLang="zh-CN" dirty="0" smtClean="0"/>
+                        <a:t>Showcase demo</a:t>
                       </a:r>
                       <a:endParaRPr lang="en-US" dirty="0"/>
                     </a:p>
@@ -4002,7 +3873,7 @@
                   <a:tcPr/>
                 </a:tc>
               </a:tr>
-              <a:tr h="712054">
+              <a:tr h="730825">
                 <a:tc>
                   <a:txBody>
                     <a:bodyPr/>
@@ -4025,20 +3896,15 @@
                         <a:tabLst/>
                         <a:defRPr/>
                       </a:pPr>
-                      <a:r>
-                        <a:rPr lang="en-US" altLang="zh-CN" sz="1800" b="1" dirty="0" smtClean="0"/>
-                        <a:t>Week</a:t>
-                      </a:r>
-                      <a:r>
-                        <a:rPr lang="zh-CN" altLang="en-US" sz="1800" b="1" dirty="0" smtClean="0"/>
-                        <a:t> </a:t>
-                      </a:r>
-                      <a:r>
-                        <a:rPr lang="en-US" altLang="zh-CN" sz="1800" b="1" dirty="0" smtClean="0"/>
-                        <a:t>3</a:t>
-                      </a:r>
                       <a:endParaRPr lang="en-US" sz="1800" b="1" dirty="0" smtClean="0"/>
                     </a:p>
+                  </a:txBody>
+                  <a:tcPr/>
+                </a:tc>
+                <a:tc>
+                  <a:txBody>
+                    <a:bodyPr/>
+                    <a:lstStyle/>
                     <a:p>
                       <a:pPr marL="0" marR="0" indent="0" algn="l" defTabSz="914400" rtl="0" eaLnBrk="1" fontAlgn="auto" latinLnBrk="0" hangingPunct="1">
                         <a:lnSpc>
@@ -4058,82 +3924,60 @@
                         <a:defRPr/>
                       </a:pPr>
                       <a:r>
-                        <a:rPr lang="en-US" sz="1800" b="1" dirty="0" smtClean="0"/>
-                        <a:t>Mar 19-25</a:t>
-                      </a:r>
+                        <a:rPr lang="en-US" altLang="zh-CN" u="sng" dirty="0" smtClean="0">
+                          <a:solidFill>
+                            <a:schemeClr val="tx1"/>
+                          </a:solidFill>
+                        </a:rPr>
+                        <a:t>2.2</a:t>
+                      </a:r>
+                      <a:r>
+                        <a:rPr lang="en-US" altLang="zh-CN" u="sng" baseline="0" dirty="0" smtClean="0">
+                          <a:solidFill>
+                            <a:schemeClr val="tx1"/>
+                          </a:solidFill>
+                        </a:rPr>
+                        <a:t>: </a:t>
+                      </a:r>
+                      <a:r>
+                        <a:rPr lang="en-US" altLang="zh-CN" u="sng" dirty="0" smtClean="0">
+                          <a:solidFill>
+                            <a:schemeClr val="tx1"/>
+                          </a:solidFill>
+                        </a:rPr>
+                        <a:t>Manipulation</a:t>
+                      </a:r>
+                      <a:r>
+                        <a:rPr lang="zh-CN" altLang="en-US" u="sng" dirty="0" smtClean="0">
+                          <a:solidFill>
+                            <a:schemeClr val="tx1"/>
+                          </a:solidFill>
+                        </a:rPr>
+                        <a:t> </a:t>
+                      </a:r>
+                      <a:r>
+                        <a:rPr lang="en-US" altLang="zh-CN" u="sng" dirty="0" smtClean="0">
+                          <a:solidFill>
+                            <a:schemeClr val="tx1"/>
+                          </a:solidFill>
+                        </a:rPr>
+                        <a:t>check</a:t>
+                      </a:r>
+                      <a:endParaRPr lang="en-US" u="sng" dirty="0" smtClean="0">
+                        <a:solidFill>
+                          <a:schemeClr val="tx1"/>
+                        </a:solidFill>
+                      </a:endParaRPr>
+                    </a:p>
+                    <a:p>
+                      <a:pPr algn="l"/>
+                      <a:endParaRPr lang="en-US" dirty="0"/>
                     </a:p>
                   </a:txBody>
                   <a:tcPr/>
                 </a:tc>
-                <a:tc>
-                  <a:txBody>
-                    <a:bodyPr/>
-                    <a:lstStyle/>
-                    <a:p>
-                      <a:pPr marL="342900" indent="-342900" algn="l">
-                        <a:buAutoNum type="arabicPeriod"/>
-                      </a:pPr>
-                      <a:r>
-                        <a:rPr lang="en-US" dirty="0" smtClean="0"/>
-                        <a:t>Integrate the front-end and back-end components (</a:t>
-                      </a:r>
-                      <a:r>
-                        <a:rPr lang="en-US" dirty="0" err="1" smtClean="0"/>
-                        <a:t>Wanlu</a:t>
-                      </a:r>
-                      <a:r>
-                        <a:rPr lang="en-US" dirty="0" smtClean="0"/>
-                        <a:t>)</a:t>
-                      </a:r>
-                    </a:p>
-                    <a:p>
-                      <a:pPr marL="342900" indent="-342900" algn="l">
-                        <a:buAutoNum type="arabicPeriod"/>
-                      </a:pPr>
-                      <a:r>
-                        <a:rPr lang="en-US" dirty="0" smtClean="0"/>
-                        <a:t>Design script</a:t>
-                      </a:r>
-                      <a:r>
-                        <a:rPr lang="en-US" baseline="0" dirty="0" smtClean="0"/>
-                        <a:t> logic flow + IRB revision (Yihan)</a:t>
-                      </a:r>
-                      <a:endParaRPr lang="en-US" dirty="0" smtClean="0"/>
-                    </a:p>
-                    <a:p>
-                      <a:pPr marL="342900" indent="-342900" algn="l">
-                        <a:buAutoNum type="arabicPeriod"/>
-                      </a:pPr>
-                      <a:r>
-                        <a:rPr lang="en-US" dirty="0" smtClean="0"/>
-                        <a:t>Revise scripts (</a:t>
-                      </a:r>
-                      <a:r>
-                        <a:rPr lang="en-US" dirty="0" err="1" smtClean="0"/>
-                        <a:t>Cuimin</a:t>
-                      </a:r>
-                      <a:r>
-                        <a:rPr lang="en-US" dirty="0" smtClean="0"/>
-                        <a:t>)</a:t>
-                      </a:r>
-                    </a:p>
-                    <a:p>
-                      <a:pPr marL="342900" indent="-342900" algn="l">
-                        <a:buAutoNum type="arabicPeriod"/>
-                      </a:pPr>
-                      <a:r>
-                        <a:rPr lang="en-US" dirty="0" smtClean="0"/>
-                        <a:t>Start</a:t>
-                      </a:r>
-                      <a:r>
-                        <a:rPr lang="en-US" baseline="0" dirty="0" smtClean="0"/>
-                        <a:t> UI design (TBA)</a:t>
-                      </a:r>
-                      <a:endParaRPr lang="en-US" dirty="0"/>
-                    </a:p>
-                  </a:txBody>
-                  <a:tcPr/>
-                </a:tc>
+              </a:tr>
+              <a:tr h="730825">
                 <a:tc>
                   <a:txBody>
                     <a:bodyPr/>
@@ -4157,58 +4001,26 @@
                         <a:defRPr/>
                       </a:pPr>
                       <a:r>
-                        <a:rPr lang="en-US" b="0" i="0" u="none" dirty="0" smtClean="0">
-                          <a:solidFill>
-                            <a:schemeClr val="tx1"/>
-                          </a:solidFill>
-                        </a:rPr>
-                        <a:t>A</a:t>
-                      </a:r>
-                      <a:r>
-                        <a:rPr lang="en-US" b="0" i="0" u="none" baseline="0" dirty="0" smtClean="0">
-                          <a:solidFill>
-                            <a:schemeClr val="tx1"/>
-                          </a:solidFill>
-                        </a:rPr>
-                        <a:t> semi-functional product: Mar 22;</a:t>
-                      </a:r>
-                      <a:endParaRPr lang="en-US" b="0" i="0" u="none" dirty="0" smtClean="0">
-                        <a:solidFill>
-                          <a:schemeClr val="tx1"/>
-                        </a:solidFill>
-                      </a:endParaRPr>
+                        <a:rPr lang="en-US" altLang="zh-CN" sz="1800" b="1" dirty="0" smtClean="0"/>
+                        <a:t>Stage</a:t>
+                      </a:r>
+                      <a:r>
+                        <a:rPr lang="zh-CN" altLang="en-US" sz="1800" b="1" dirty="0" smtClean="0"/>
+                        <a:t> </a:t>
+                      </a:r>
+                      <a:r>
+                        <a:rPr lang="en-US" altLang="zh-CN" sz="1800" b="1" dirty="0" smtClean="0"/>
+                        <a:t>3</a:t>
+                      </a:r>
+                      <a:endParaRPr lang="en-US" sz="1800" b="1" dirty="0" smtClean="0"/>
                     </a:p>
                     <a:p>
                       <a:pPr algn="l"/>
-                      <a:r>
-                        <a:rPr lang="en-US" dirty="0" smtClean="0"/>
-                        <a:t>Revised scripts;</a:t>
-                      </a:r>
-                    </a:p>
-                    <a:p>
-                      <a:pPr algn="l"/>
-                      <a:r>
-                        <a:rPr lang="en-US" dirty="0" smtClean="0"/>
-                        <a:t>Revised IRB application;</a:t>
-                      </a:r>
-                    </a:p>
-                    <a:p>
-                      <a:pPr algn="l"/>
-                      <a:r>
-                        <a:rPr lang="en-US" dirty="0" smtClean="0"/>
-                        <a:t>Mock</a:t>
-                      </a:r>
-                      <a:r>
-                        <a:rPr lang="en-US" baseline="0" dirty="0" smtClean="0"/>
-                        <a:t>-up of UI design;</a:t>
-                      </a:r>
-                      <a:endParaRPr lang="en-US" dirty="0"/>
+                      <a:endParaRPr lang="en-US" sz="1800" dirty="0"/>
                     </a:p>
                   </a:txBody>
                   <a:tcPr/>
                 </a:tc>
-              </a:tr>
-              <a:tr h="712054">
                 <a:tc>
                   <a:txBody>
                     <a:bodyPr/>
@@ -4232,73 +4044,35 @@
                         <a:defRPr/>
                       </a:pPr>
                       <a:r>
-                        <a:rPr lang="en-US" altLang="zh-CN" sz="1800" b="1" dirty="0" smtClean="0"/>
-                        <a:t>Week</a:t>
-                      </a:r>
-                      <a:r>
-                        <a:rPr lang="zh-CN" altLang="en-US" sz="1800" b="1" dirty="0" smtClean="0"/>
+                        <a:rPr lang="en-US" altLang="zh-CN" dirty="0" smtClean="0"/>
+                        <a:t>3.1: Main</a:t>
+                      </a:r>
+                      <a:r>
+                        <a:rPr lang="zh-CN" altLang="en-US" baseline="0" dirty="0" smtClean="0"/>
                         <a:t> </a:t>
                       </a:r>
                       <a:r>
-                        <a:rPr lang="en-US" altLang="zh-CN" sz="1800" b="1" dirty="0" smtClean="0"/>
-                        <a:t>4</a:t>
-                      </a:r>
-                      <a:endParaRPr lang="en-US" sz="1800" b="1" dirty="0" smtClean="0"/>
+                        <a:rPr lang="en-US" altLang="zh-CN" baseline="0" dirty="0" smtClean="0"/>
+                        <a:t>experiment</a:t>
+                      </a:r>
+                      <a:endParaRPr lang="en-US" dirty="0" smtClean="0"/>
                     </a:p>
                     <a:p>
                       <a:pPr algn="l"/>
-                      <a:r>
-                        <a:rPr lang="en-US" sz="1800" b="1" dirty="0" smtClean="0"/>
-                        <a:t>Mar 26 – Apr 1</a:t>
-                      </a:r>
-                      <a:endParaRPr lang="en-US" sz="1800" b="1" dirty="0"/>
+                      <a:endParaRPr lang="en-US" dirty="0"/>
                     </a:p>
                   </a:txBody>
                   <a:tcPr/>
                 </a:tc>
+              </a:tr>
+              <a:tr h="730825">
                 <a:tc>
                   <a:txBody>
                     <a:bodyPr/>
                     <a:lstStyle/>
                     <a:p>
-                      <a:pPr marL="342900" indent="-342900" algn="l">
-                        <a:buAutoNum type="arabicPeriod"/>
-                      </a:pPr>
-                      <a:r>
-                        <a:rPr lang="en-US" dirty="0" smtClean="0"/>
-                        <a:t>Integrate scripts into</a:t>
-                      </a:r>
-                      <a:r>
-                        <a:rPr lang="en-US" baseline="0" dirty="0" smtClean="0"/>
-                        <a:t> the product and make it ready for user test (</a:t>
-                      </a:r>
-                      <a:r>
-                        <a:rPr lang="en-US" baseline="0" dirty="0" err="1" smtClean="0"/>
-                        <a:t>Wanlu</a:t>
-                      </a:r>
-                      <a:r>
-                        <a:rPr lang="en-US" baseline="0" dirty="0" smtClean="0"/>
-                        <a:t>)</a:t>
-                      </a:r>
-                    </a:p>
-                    <a:p>
-                      <a:pPr marL="342900" indent="-342900" algn="l">
-                        <a:buAutoNum type="arabicPeriod"/>
-                      </a:pPr>
-                      <a:r>
-                        <a:rPr lang="en-US" baseline="0" dirty="0" smtClean="0"/>
-                        <a:t>Submit IRB</a:t>
-                      </a:r>
-                    </a:p>
-                    <a:p>
-                      <a:pPr marL="342900" indent="-342900" algn="l">
-                        <a:buAutoNum type="arabicPeriod"/>
-                      </a:pPr>
-                      <a:r>
-                        <a:rPr lang="en-US" baseline="0" dirty="0" smtClean="0"/>
-                        <a:t>Revise the front-end according to UI design (TBA)</a:t>
-                      </a:r>
-                      <a:endParaRPr lang="en-US" dirty="0"/>
+                      <a:pPr algn="l"/>
+                      <a:endParaRPr lang="en-US" sz="1800" dirty="0"/>
                     </a:p>
                   </a:txBody>
                   <a:tcPr/>
@@ -4326,182 +4100,18 @@
                         <a:defRPr/>
                       </a:pPr>
                       <a:r>
-                        <a:rPr lang="en-US" dirty="0" smtClean="0"/>
-                        <a:t>A</a:t>
-                      </a:r>
-                      <a:r>
-                        <a:rPr lang="en-US" baseline="0" dirty="0" smtClean="0"/>
-                        <a:t> fully functional product: Mar 29;</a:t>
-                      </a:r>
-                    </a:p>
-                    <a:p>
-                      <a:pPr marL="0" marR="0" indent="0" algn="l" defTabSz="914400" rtl="0" eaLnBrk="1" fontAlgn="auto" latinLnBrk="0" hangingPunct="1">
-                        <a:lnSpc>
-                          <a:spcPct val="100000"/>
-                        </a:lnSpc>
-                        <a:spcBef>
-                          <a:spcPts val="0"/>
-                        </a:spcBef>
-                        <a:spcAft>
-                          <a:spcPts val="0"/>
-                        </a:spcAft>
-                        <a:buClrTx/>
-                        <a:buSzTx/>
-                        <a:buFontTx/>
-                        <a:buNone/>
-                        <a:tabLst/>
-                        <a:defRPr/>
-                      </a:pPr>
-                      <a:r>
-                        <a:rPr lang="en-US" baseline="0" dirty="0" smtClean="0"/>
-                        <a:t>IRB submission</a:t>
-                      </a:r>
-                    </a:p>
-                    <a:p>
-                      <a:pPr marL="0" marR="0" indent="0" algn="l" defTabSz="914400" rtl="0" eaLnBrk="1" fontAlgn="auto" latinLnBrk="0" hangingPunct="1">
-                        <a:lnSpc>
-                          <a:spcPct val="100000"/>
-                        </a:lnSpc>
-                        <a:spcBef>
-                          <a:spcPts val="0"/>
-                        </a:spcBef>
-                        <a:spcAft>
-                          <a:spcPts val="0"/>
-                        </a:spcAft>
-                        <a:buClrTx/>
-                        <a:buSzTx/>
-                        <a:buFontTx/>
-                        <a:buNone/>
-                        <a:tabLst/>
-                        <a:defRPr/>
-                      </a:pPr>
-                      <a:endParaRPr lang="en-US" dirty="0" smtClean="0"/>
-                    </a:p>
-                    <a:p>
-                      <a:pPr algn="l"/>
-                      <a:endParaRPr lang="en-US" dirty="0"/>
-                    </a:p>
-                  </a:txBody>
-                  <a:tcPr/>
-                </a:tc>
-              </a:tr>
-              <a:tr h="712054">
-                <a:tc>
-                  <a:txBody>
-                    <a:bodyPr/>
-                    <a:lstStyle/>
-                    <a:p>
-                      <a:pPr marL="0" marR="0" indent="0" algn="l" defTabSz="914400" rtl="0" eaLnBrk="1" fontAlgn="auto" latinLnBrk="0" hangingPunct="1">
-                        <a:lnSpc>
-                          <a:spcPct val="100000"/>
-                        </a:lnSpc>
-                        <a:spcBef>
-                          <a:spcPts val="0"/>
-                        </a:spcBef>
-                        <a:spcAft>
-                          <a:spcPts val="0"/>
-                        </a:spcAft>
-                        <a:buClrTx/>
-                        <a:buSzTx/>
-                        <a:buFontTx/>
-                        <a:buNone/>
-                        <a:tabLst/>
-                        <a:defRPr/>
-                      </a:pPr>
-                      <a:r>
-                        <a:rPr lang="en-US" altLang="zh-CN" sz="1800" b="1" dirty="0" smtClean="0"/>
-                        <a:t>Week</a:t>
-                      </a:r>
-                      <a:r>
-                        <a:rPr lang="zh-CN" altLang="en-US" sz="1800" b="1" dirty="0" smtClean="0"/>
+                        <a:rPr lang="en-US" altLang="zh-CN" u="sng" dirty="0" smtClean="0"/>
+                        <a:t>3.2: Final</a:t>
+                      </a:r>
+                      <a:r>
+                        <a:rPr lang="zh-CN" altLang="en-US" u="sng" baseline="0" dirty="0" smtClean="0"/>
                         <a:t> </a:t>
                       </a:r>
                       <a:r>
-                        <a:rPr lang="en-US" altLang="zh-CN" sz="1800" b="1" dirty="0" smtClean="0"/>
-                        <a:t>5</a:t>
-                      </a:r>
-                      <a:endParaRPr lang="en-US" sz="1800" b="1" dirty="0" smtClean="0"/>
-                    </a:p>
-                    <a:p>
-                      <a:pPr algn="l"/>
-                      <a:r>
-                        <a:rPr lang="en-US" sz="1800" b="1" dirty="0" smtClean="0"/>
-                        <a:t>Apr</a:t>
-                      </a:r>
-                      <a:r>
-                        <a:rPr lang="en-US" sz="1800" b="1" baseline="0" dirty="0" smtClean="0"/>
-                        <a:t> 2 -8</a:t>
-                      </a:r>
-                      <a:endParaRPr lang="en-US" sz="1800" b="1" dirty="0"/>
-                    </a:p>
-                  </a:txBody>
-                  <a:tcPr/>
-                </a:tc>
-                <a:tc>
-                  <a:txBody>
-                    <a:bodyPr/>
-                    <a:lstStyle/>
-                    <a:p>
-                      <a:pPr marL="342900" indent="-342900" algn="l">
-                        <a:buAutoNum type="arabicPeriod"/>
-                      </a:pPr>
-                      <a:r>
-                        <a:rPr lang="en-US" baseline="0" dirty="0" smtClean="0"/>
-                        <a:t>User test (Yihan + </a:t>
-                      </a:r>
-                      <a:r>
-                        <a:rPr lang="en-US" baseline="0" dirty="0" err="1" smtClean="0"/>
-                        <a:t>Cuimin</a:t>
-                      </a:r>
-                      <a:r>
-                        <a:rPr lang="en-US" baseline="0" dirty="0" smtClean="0"/>
-                        <a:t>)</a:t>
-                      </a:r>
-                    </a:p>
-                    <a:p>
-                      <a:pPr marL="342900" indent="-342900" algn="l">
-                        <a:buAutoNum type="arabicPeriod"/>
-                      </a:pPr>
-                      <a:r>
-                        <a:rPr lang="en-US" dirty="0" smtClean="0"/>
-                        <a:t>Debugging &amp; iteration according to user test</a:t>
-                      </a:r>
-                      <a:endParaRPr lang="en-US" dirty="0"/>
-                    </a:p>
-                  </a:txBody>
-                  <a:tcPr/>
-                </a:tc>
-                <a:tc>
-                  <a:txBody>
-                    <a:bodyPr/>
-                    <a:lstStyle/>
-                    <a:p>
-                      <a:pPr marL="0" marR="0" indent="0" algn="l" defTabSz="914400" rtl="0" eaLnBrk="1" fontAlgn="auto" latinLnBrk="0" hangingPunct="1">
-                        <a:lnSpc>
-                          <a:spcPct val="100000"/>
-                        </a:lnSpc>
-                        <a:spcBef>
-                          <a:spcPts val="0"/>
-                        </a:spcBef>
-                        <a:spcAft>
-                          <a:spcPts val="0"/>
-                        </a:spcAft>
-                        <a:buClrTx/>
-                        <a:buSzTx/>
-                        <a:buFontTx/>
-                        <a:buNone/>
-                        <a:tabLst/>
-                        <a:defRPr/>
-                      </a:pPr>
-                      <a:r>
-                        <a:rPr lang="en-US" i="0" u="none" dirty="0" smtClean="0"/>
-                        <a:t>Invite at least</a:t>
-                      </a:r>
-                      <a:r>
-                        <a:rPr lang="en-US" i="0" u="none" baseline="0" dirty="0" smtClean="0"/>
-                        <a:t> 5 users and summarize the results: Apr 6;</a:t>
-                      </a:r>
-                      <a:endParaRPr lang="en-US" i="0" u="none" dirty="0" smtClean="0"/>
+                        <a:rPr lang="en-US" altLang="zh-CN" u="sng" baseline="0" dirty="0" smtClean="0"/>
+                        <a:t>evaluation</a:t>
+                      </a:r>
+                      <a:endParaRPr lang="en-US" u="sng" dirty="0" smtClean="0"/>
                     </a:p>
                     <a:p>
                       <a:pPr algn="l"/>
@@ -4515,10 +4125,595 @@
           </a:graphicData>
         </a:graphic>
       </p:graphicFrame>
+      <p:sp>
+        <p:nvSpPr>
+          <p:cNvPr id="3" name="TextBox 2"/>
+          <p:cNvSpPr txBox="1"/>
+          <p:nvPr/>
+        </p:nvSpPr>
+        <p:spPr>
+          <a:xfrm>
+            <a:off x="4868780" y="1837657"/>
+            <a:ext cx="3060031" cy="3693319"/>
+          </a:xfrm>
+          <a:prstGeom prst="rect">
+            <a:avLst/>
+          </a:prstGeom>
+          <a:noFill/>
+        </p:spPr>
+        <p:txBody>
+          <a:bodyPr wrap="square" rtlCol="0">
+            <a:spAutoFit/>
+          </a:bodyPr>
+          <a:lstStyle/>
+          <a:p>
+            <a:r>
+              <a:rPr lang="en-US" altLang="zh-CN" dirty="0" smtClean="0"/>
+              <a:t>Build</a:t>
+            </a:r>
+            <a:r>
+              <a:rPr lang="zh-CN" altLang="en-US" dirty="0" smtClean="0"/>
+              <a:t> </a:t>
+            </a:r>
+            <a:r>
+              <a:rPr lang="en-US" altLang="zh-CN" dirty="0" smtClean="0"/>
+              <a:t>a</a:t>
+            </a:r>
+            <a:r>
+              <a:rPr lang="zh-CN" altLang="en-US" dirty="0" smtClean="0"/>
+              <a:t> </a:t>
+            </a:r>
+            <a:r>
+              <a:rPr lang="en-US" altLang="zh-CN" dirty="0" smtClean="0"/>
+              <a:t>first</a:t>
+            </a:r>
+            <a:r>
+              <a:rPr lang="zh-CN" altLang="en-US" dirty="0" smtClean="0"/>
+              <a:t> </a:t>
+            </a:r>
+            <a:r>
+              <a:rPr lang="en-US" altLang="zh-CN" dirty="0" smtClean="0"/>
+              <a:t>impression</a:t>
+            </a:r>
+            <a:r>
+              <a:rPr lang="zh-CN" altLang="en-US" dirty="0" smtClean="0"/>
+              <a:t> </a:t>
+            </a:r>
+            <a:endParaRPr lang="en-US" altLang="zh-CN" dirty="0" smtClean="0"/>
+          </a:p>
+          <a:p>
+            <a:endParaRPr lang="en-US" dirty="0"/>
+          </a:p>
+          <a:p>
+            <a:endParaRPr lang="en-US" dirty="0" smtClean="0"/>
+          </a:p>
+          <a:p>
+            <a:r>
+              <a:rPr lang="en-US" altLang="zh-CN" dirty="0" smtClean="0"/>
+              <a:t>Start</a:t>
+            </a:r>
+            <a:r>
+              <a:rPr lang="zh-CN" altLang="en-US" dirty="0" smtClean="0"/>
+              <a:t> </a:t>
+            </a:r>
+            <a:r>
+              <a:rPr lang="en-US" altLang="zh-CN" dirty="0" smtClean="0"/>
+              <a:t>building</a:t>
+            </a:r>
+            <a:r>
+              <a:rPr lang="zh-CN" altLang="en-US" dirty="0" smtClean="0"/>
+              <a:t> </a:t>
+            </a:r>
+            <a:r>
+              <a:rPr lang="en-US" altLang="zh-CN" dirty="0" smtClean="0"/>
+              <a:t>trusting</a:t>
+            </a:r>
+            <a:r>
+              <a:rPr lang="zh-CN" altLang="en-US" dirty="0" smtClean="0"/>
+              <a:t> </a:t>
+            </a:r>
+            <a:r>
+              <a:rPr lang="en-US" altLang="zh-CN" dirty="0" smtClean="0"/>
+              <a:t>relationship</a:t>
+            </a:r>
+            <a:r>
+              <a:rPr lang="zh-CN" altLang="en-US" dirty="0" smtClean="0"/>
+              <a:t> </a:t>
+            </a:r>
+            <a:r>
+              <a:rPr lang="en-US" altLang="zh-CN" dirty="0" smtClean="0"/>
+              <a:t>through</a:t>
+            </a:r>
+            <a:r>
+              <a:rPr lang="zh-CN" altLang="en-US" dirty="0" smtClean="0"/>
+              <a:t> </a:t>
+            </a:r>
+            <a:r>
+              <a:rPr lang="en-US" altLang="zh-CN" dirty="0" smtClean="0"/>
+              <a:t>trial</a:t>
+            </a:r>
+            <a:r>
+              <a:rPr lang="zh-CN" altLang="en-US" dirty="0" smtClean="0"/>
+              <a:t> </a:t>
+            </a:r>
+            <a:r>
+              <a:rPr lang="en-US" altLang="zh-CN" dirty="0" smtClean="0"/>
+              <a:t>investment</a:t>
+            </a:r>
+          </a:p>
+          <a:p>
+            <a:endParaRPr lang="en-US" dirty="0"/>
+          </a:p>
+          <a:p>
+            <a:r>
+              <a:rPr lang="en-US" altLang="zh-CN" dirty="0" smtClean="0"/>
+              <a:t>Measure</a:t>
+            </a:r>
+            <a:r>
+              <a:rPr lang="zh-CN" altLang="en-US" dirty="0" smtClean="0"/>
+              <a:t> </a:t>
+            </a:r>
+            <a:r>
+              <a:rPr lang="en-US" altLang="zh-CN" dirty="0" smtClean="0"/>
+              <a:t>how</a:t>
+            </a:r>
+            <a:r>
+              <a:rPr lang="zh-CN" altLang="en-US" dirty="0" smtClean="0"/>
+              <a:t> </a:t>
+            </a:r>
+            <a:r>
+              <a:rPr lang="en-US" altLang="zh-CN" dirty="0" smtClean="0"/>
+              <a:t>much</a:t>
+            </a:r>
+            <a:r>
+              <a:rPr lang="zh-CN" altLang="en-US" dirty="0" smtClean="0"/>
+              <a:t> </a:t>
+            </a:r>
+            <a:r>
+              <a:rPr lang="en-US" altLang="zh-CN" dirty="0" smtClean="0"/>
+              <a:t>trust</a:t>
+            </a:r>
+            <a:r>
+              <a:rPr lang="zh-CN" altLang="en-US" dirty="0" smtClean="0"/>
+              <a:t> </a:t>
+            </a:r>
+            <a:r>
+              <a:rPr lang="en-US" altLang="zh-CN" dirty="0" smtClean="0"/>
+              <a:t>is</a:t>
+            </a:r>
+            <a:r>
+              <a:rPr lang="zh-CN" altLang="en-US" dirty="0" smtClean="0"/>
+              <a:t> </a:t>
+            </a:r>
+            <a:r>
+              <a:rPr lang="en-US" altLang="zh-CN" dirty="0" smtClean="0"/>
+              <a:t>built</a:t>
+            </a:r>
+            <a:r>
+              <a:rPr lang="zh-CN" altLang="en-US" dirty="0" smtClean="0"/>
+              <a:t> </a:t>
+            </a:r>
+            <a:r>
+              <a:rPr lang="en-US" altLang="zh-CN" dirty="0" smtClean="0"/>
+              <a:t>during</a:t>
+            </a:r>
+            <a:r>
+              <a:rPr lang="zh-CN" altLang="en-US" dirty="0" smtClean="0"/>
+              <a:t> </a:t>
+            </a:r>
+            <a:r>
+              <a:rPr lang="en-US" altLang="zh-CN" dirty="0" smtClean="0"/>
+              <a:t>the</a:t>
+            </a:r>
+            <a:r>
+              <a:rPr lang="zh-CN" altLang="en-US" dirty="0" smtClean="0"/>
+              <a:t> </a:t>
+            </a:r>
+            <a:r>
+              <a:rPr lang="en-US" altLang="zh-CN" dirty="0" smtClean="0"/>
+              <a:t>previous</a:t>
+            </a:r>
+            <a:r>
+              <a:rPr lang="zh-CN" altLang="en-US" dirty="0" smtClean="0"/>
+              <a:t> </a:t>
+            </a:r>
+            <a:r>
+              <a:rPr lang="en-US" altLang="zh-CN" dirty="0" smtClean="0"/>
+              <a:t>two</a:t>
+            </a:r>
+            <a:r>
+              <a:rPr lang="zh-CN" altLang="en-US" dirty="0" smtClean="0"/>
+              <a:t> </a:t>
+            </a:r>
+            <a:r>
+              <a:rPr lang="en-US" altLang="zh-CN" dirty="0" smtClean="0"/>
+              <a:t>stages</a:t>
+            </a:r>
+          </a:p>
+          <a:p>
+            <a:endParaRPr lang="en-US" dirty="0"/>
+          </a:p>
+          <a:p>
+            <a:r>
+              <a:rPr lang="en-US" altLang="zh-CN" dirty="0" smtClean="0"/>
+              <a:t>Evaluate</a:t>
+            </a:r>
+            <a:r>
+              <a:rPr lang="zh-CN" altLang="en-US" dirty="0" smtClean="0"/>
+              <a:t> </a:t>
+            </a:r>
+            <a:r>
+              <a:rPr lang="en-US" altLang="zh-CN" dirty="0" smtClean="0"/>
+              <a:t>the</a:t>
+            </a:r>
+            <a:r>
+              <a:rPr lang="zh-CN" altLang="en-US" dirty="0" smtClean="0"/>
+              <a:t> </a:t>
+            </a:r>
+            <a:r>
+              <a:rPr lang="en-US" altLang="zh-CN" dirty="0" smtClean="0"/>
+              <a:t>overall</a:t>
+            </a:r>
+            <a:r>
+              <a:rPr lang="zh-CN" altLang="en-US" dirty="0" smtClean="0"/>
+              <a:t> </a:t>
+            </a:r>
+            <a:r>
+              <a:rPr lang="en-US" altLang="zh-CN" dirty="0" smtClean="0"/>
+              <a:t>user</a:t>
+            </a:r>
+            <a:r>
+              <a:rPr lang="zh-CN" altLang="en-US" dirty="0" smtClean="0"/>
+              <a:t> </a:t>
+            </a:r>
+            <a:r>
+              <a:rPr lang="en-US" altLang="zh-CN" dirty="0" smtClean="0"/>
+              <a:t>experience</a:t>
+            </a:r>
+            <a:endParaRPr lang="en-US" dirty="0" smtClean="0"/>
+          </a:p>
+        </p:txBody>
+      </p:sp>
+      <p:sp>
+        <p:nvSpPr>
+          <p:cNvPr id="5" name="TextBox 4"/>
+          <p:cNvSpPr txBox="1"/>
+          <p:nvPr/>
+        </p:nvSpPr>
+        <p:spPr>
+          <a:xfrm>
+            <a:off x="8013032" y="1837657"/>
+            <a:ext cx="4178967" cy="4524315"/>
+          </a:xfrm>
+          <a:prstGeom prst="rect">
+            <a:avLst/>
+          </a:prstGeom>
+          <a:noFill/>
+        </p:spPr>
+        <p:txBody>
+          <a:bodyPr wrap="square" rtlCol="0">
+            <a:spAutoFit/>
+          </a:bodyPr>
+          <a:lstStyle/>
+          <a:p>
+            <a:r>
+              <a:rPr lang="en-US" altLang="zh-CN" dirty="0" smtClean="0"/>
+              <a:t>Through</a:t>
+            </a:r>
+            <a:r>
+              <a:rPr lang="zh-CN" altLang="en-US" dirty="0" smtClean="0"/>
+              <a:t> </a:t>
+            </a:r>
+            <a:r>
+              <a:rPr lang="en-US" altLang="zh-CN" dirty="0" err="1" smtClean="0"/>
+              <a:t>robo</a:t>
+            </a:r>
+            <a:r>
+              <a:rPr lang="en-US" altLang="zh-CN" dirty="0" smtClean="0"/>
+              <a:t>-advisor’s</a:t>
+            </a:r>
+            <a:r>
+              <a:rPr lang="zh-CN" altLang="en-US" dirty="0" smtClean="0"/>
+              <a:t> </a:t>
+            </a:r>
+            <a:r>
+              <a:rPr lang="en-US" altLang="zh-CN" dirty="0" smtClean="0"/>
+              <a:t>avatar,</a:t>
+            </a:r>
+            <a:r>
+              <a:rPr lang="zh-CN" altLang="en-US" dirty="0" smtClean="0"/>
+              <a:t> </a:t>
+            </a:r>
+            <a:r>
+              <a:rPr lang="en-US" altLang="zh-CN" dirty="0" smtClean="0"/>
+              <a:t>greetings,</a:t>
+            </a:r>
+            <a:r>
+              <a:rPr lang="zh-CN" altLang="en-US" dirty="0" smtClean="0"/>
+              <a:t> </a:t>
+            </a:r>
+            <a:r>
+              <a:rPr lang="en-US" altLang="zh-CN" dirty="0" smtClean="0"/>
+              <a:t>and</a:t>
+            </a:r>
+            <a:r>
+              <a:rPr lang="zh-CN" altLang="en-US" dirty="0" smtClean="0"/>
+              <a:t> </a:t>
+            </a:r>
+            <a:r>
+              <a:rPr lang="en-US" altLang="zh-CN" dirty="0" smtClean="0"/>
+              <a:t>orientation</a:t>
+            </a:r>
+            <a:r>
+              <a:rPr lang="zh-CN" altLang="en-US" dirty="0" smtClean="0"/>
+              <a:t> </a:t>
+            </a:r>
+            <a:r>
+              <a:rPr lang="en-US" altLang="zh-CN" dirty="0" smtClean="0"/>
+              <a:t>instruction</a:t>
+            </a:r>
+          </a:p>
+          <a:p>
+            <a:endParaRPr lang="en-US" altLang="zh-CN" dirty="0"/>
+          </a:p>
+          <a:p>
+            <a:r>
+              <a:rPr lang="en-US" altLang="zh-CN" dirty="0" smtClean="0"/>
+              <a:t>Through</a:t>
+            </a:r>
+            <a:r>
+              <a:rPr lang="zh-CN" altLang="en-US" dirty="0"/>
+              <a:t> </a:t>
+            </a:r>
+            <a:r>
+              <a:rPr lang="en-US" altLang="zh-CN" dirty="0" smtClean="0"/>
+              <a:t>service</a:t>
+            </a:r>
+            <a:r>
+              <a:rPr lang="zh-CN" altLang="en-US" dirty="0" smtClean="0"/>
+              <a:t> </a:t>
+            </a:r>
+            <a:r>
+              <a:rPr lang="en-US" altLang="zh-CN" dirty="0" smtClean="0"/>
+              <a:t>instruction,</a:t>
+            </a:r>
+            <a:r>
+              <a:rPr lang="zh-CN" altLang="en-US" dirty="0" smtClean="0"/>
+              <a:t> </a:t>
+            </a:r>
+            <a:r>
+              <a:rPr lang="en-US" altLang="zh-CN" dirty="0" smtClean="0"/>
+              <a:t>trial</a:t>
+            </a:r>
+            <a:r>
+              <a:rPr lang="zh-CN" altLang="en-US" dirty="0" smtClean="0"/>
+              <a:t> </a:t>
+            </a:r>
+            <a:r>
+              <a:rPr lang="en-US" altLang="zh-CN" dirty="0" smtClean="0"/>
+              <a:t>performance,</a:t>
+            </a:r>
+            <a:r>
+              <a:rPr lang="zh-CN" altLang="en-US" dirty="0" smtClean="0"/>
+              <a:t> </a:t>
+            </a:r>
+            <a:r>
+              <a:rPr lang="en-US" altLang="zh-CN" dirty="0" smtClean="0"/>
+              <a:t>and</a:t>
+            </a:r>
+            <a:r>
+              <a:rPr lang="zh-CN" altLang="en-US" dirty="0" smtClean="0"/>
+              <a:t> </a:t>
+            </a:r>
+            <a:r>
+              <a:rPr lang="en-US" altLang="zh-CN" dirty="0" smtClean="0"/>
+              <a:t>effective</a:t>
+            </a:r>
+            <a:r>
+              <a:rPr lang="zh-CN" altLang="en-US" dirty="0" smtClean="0"/>
+              <a:t> </a:t>
+            </a:r>
+            <a:r>
+              <a:rPr lang="en-US" altLang="zh-CN" dirty="0" smtClean="0"/>
+              <a:t>presentation</a:t>
+            </a:r>
+            <a:r>
+              <a:rPr lang="zh-CN" altLang="en-US" dirty="0" smtClean="0"/>
+              <a:t> </a:t>
+            </a:r>
+            <a:r>
+              <a:rPr lang="en-US" altLang="zh-CN" dirty="0" smtClean="0"/>
+              <a:t>of</a:t>
+            </a:r>
+            <a:r>
+              <a:rPr lang="zh-CN" altLang="en-US" dirty="0" smtClean="0"/>
+              <a:t> </a:t>
+            </a:r>
+            <a:r>
+              <a:rPr lang="en-US" altLang="zh-CN" dirty="0" smtClean="0"/>
+              <a:t>related</a:t>
+            </a:r>
+            <a:r>
+              <a:rPr lang="zh-CN" altLang="en-US" dirty="0" smtClean="0"/>
+              <a:t> </a:t>
+            </a:r>
+            <a:r>
+              <a:rPr lang="en-US" altLang="zh-CN" dirty="0" smtClean="0"/>
+              <a:t>information</a:t>
+            </a:r>
+          </a:p>
+          <a:p>
+            <a:endParaRPr lang="en-US" altLang="zh-CN" dirty="0"/>
+          </a:p>
+          <a:p>
+            <a:r>
+              <a:rPr lang="en-US" altLang="zh-CN" dirty="0" smtClean="0"/>
+              <a:t>Through</a:t>
+            </a:r>
+            <a:r>
+              <a:rPr lang="zh-CN" altLang="en-US" dirty="0" smtClean="0"/>
+              <a:t> </a:t>
+            </a:r>
+            <a:r>
+              <a:rPr lang="en-US" altLang="zh-CN" dirty="0" smtClean="0"/>
+              <a:t>providing</a:t>
+            </a:r>
+            <a:r>
+              <a:rPr lang="zh-CN" altLang="en-US" dirty="0" smtClean="0"/>
+              <a:t> </a:t>
+            </a:r>
+            <a:r>
+              <a:rPr lang="en-US" altLang="zh-CN" dirty="0" smtClean="0"/>
+              <a:t>prompt</a:t>
+            </a:r>
+            <a:r>
+              <a:rPr lang="zh-CN" altLang="en-US" dirty="0" smtClean="0"/>
+              <a:t> </a:t>
+            </a:r>
+            <a:r>
+              <a:rPr lang="en-US" altLang="zh-CN" dirty="0" smtClean="0"/>
+              <a:t>feedback</a:t>
+            </a:r>
+            <a:r>
+              <a:rPr lang="zh-CN" altLang="en-US" dirty="0" smtClean="0"/>
+              <a:t> </a:t>
+            </a:r>
+            <a:r>
+              <a:rPr lang="en-US" altLang="zh-CN" dirty="0" smtClean="0"/>
+              <a:t>to</a:t>
+            </a:r>
+            <a:r>
+              <a:rPr lang="zh-CN" altLang="en-US" dirty="0" smtClean="0"/>
+              <a:t> </a:t>
+            </a:r>
+            <a:r>
+              <a:rPr lang="en-US" altLang="zh-CN" dirty="0" smtClean="0"/>
+              <a:t>market</a:t>
+            </a:r>
+            <a:r>
+              <a:rPr lang="zh-CN" altLang="en-US" dirty="0" smtClean="0"/>
+              <a:t> </a:t>
+            </a:r>
+            <a:r>
+              <a:rPr lang="en-US" altLang="zh-CN" dirty="0" smtClean="0"/>
+              <a:t>atmosphere</a:t>
+            </a:r>
+            <a:r>
+              <a:rPr lang="zh-CN" altLang="en-US" dirty="0" smtClean="0"/>
+              <a:t> </a:t>
+            </a:r>
+            <a:r>
+              <a:rPr lang="en-US" altLang="zh-CN" dirty="0" smtClean="0"/>
+              <a:t>and</a:t>
+            </a:r>
+            <a:r>
+              <a:rPr lang="zh-CN" altLang="en-US" dirty="0" smtClean="0"/>
+              <a:t> </a:t>
+            </a:r>
+            <a:r>
+              <a:rPr lang="en-US" altLang="zh-CN" dirty="0" smtClean="0"/>
+              <a:t>users’</a:t>
+            </a:r>
+            <a:r>
+              <a:rPr lang="zh-CN" altLang="en-US" dirty="0" smtClean="0"/>
+              <a:t> </a:t>
+            </a:r>
+            <a:r>
+              <a:rPr lang="en-US" altLang="zh-CN" dirty="0" smtClean="0"/>
+              <a:t>decisions</a:t>
+            </a:r>
+            <a:r>
+              <a:rPr lang="zh-CN" altLang="en-US" dirty="0" smtClean="0"/>
+              <a:t> </a:t>
+            </a:r>
+            <a:r>
+              <a:rPr lang="en-US" altLang="zh-CN" dirty="0" smtClean="0"/>
+              <a:t>and</a:t>
+            </a:r>
+            <a:r>
+              <a:rPr lang="zh-CN" altLang="en-US" dirty="0" smtClean="0"/>
+              <a:t> </a:t>
+            </a:r>
+            <a:r>
+              <a:rPr lang="en-US" altLang="zh-CN" dirty="0" smtClean="0"/>
+              <a:t>different</a:t>
+            </a:r>
+            <a:r>
+              <a:rPr lang="zh-CN" altLang="en-US" dirty="0" smtClean="0"/>
+              <a:t> </a:t>
+            </a:r>
+            <a:r>
+              <a:rPr lang="en-US" altLang="zh-CN" dirty="0" smtClean="0"/>
+              <a:t>conversational</a:t>
+            </a:r>
+            <a:r>
+              <a:rPr lang="zh-CN" altLang="en-US" dirty="0" smtClean="0"/>
+              <a:t> </a:t>
+            </a:r>
+            <a:r>
+              <a:rPr lang="en-US" altLang="zh-CN" dirty="0" smtClean="0"/>
+              <a:t>styles</a:t>
+            </a:r>
+          </a:p>
+          <a:p>
+            <a:endParaRPr lang="en-US" altLang="zh-CN" dirty="0"/>
+          </a:p>
+          <a:p>
+            <a:r>
+              <a:rPr lang="en-US" altLang="zh-CN" dirty="0" smtClean="0"/>
+              <a:t>Based</a:t>
+            </a:r>
+            <a:r>
+              <a:rPr lang="zh-CN" altLang="en-US" dirty="0" smtClean="0"/>
+              <a:t> </a:t>
+            </a:r>
+            <a:r>
+              <a:rPr lang="en-US" altLang="zh-CN" dirty="0" smtClean="0"/>
+              <a:t>on</a:t>
+            </a:r>
+            <a:r>
+              <a:rPr lang="zh-CN" altLang="en-US" dirty="0" smtClean="0"/>
+              <a:t> </a:t>
+            </a:r>
+            <a:r>
+              <a:rPr lang="en-US" altLang="zh-CN" dirty="0" smtClean="0"/>
+              <a:t>all</a:t>
+            </a:r>
+            <a:r>
+              <a:rPr lang="zh-CN" altLang="en-US" dirty="0" smtClean="0"/>
+              <a:t> </a:t>
+            </a:r>
+            <a:r>
+              <a:rPr lang="en-US" altLang="zh-CN" dirty="0" smtClean="0"/>
+              <a:t>previous</a:t>
+            </a:r>
+            <a:r>
+              <a:rPr lang="zh-CN" altLang="en-US" dirty="0" smtClean="0"/>
+              <a:t> </a:t>
+            </a:r>
+            <a:r>
+              <a:rPr lang="en-US" altLang="zh-CN" dirty="0" smtClean="0"/>
+              <a:t>interaction</a:t>
+            </a:r>
+          </a:p>
+          <a:p>
+            <a:endParaRPr lang="en-US" altLang="zh-CN" dirty="0" smtClean="0"/>
+          </a:p>
+          <a:p>
+            <a:endParaRPr lang="en-US" altLang="zh-CN" dirty="0" smtClean="0"/>
+          </a:p>
+          <a:p>
+            <a:endParaRPr lang="en-US" dirty="0"/>
+          </a:p>
+          <a:p>
+            <a:endParaRPr lang="en-US" dirty="0"/>
+          </a:p>
+        </p:txBody>
+      </p:sp>
     </p:spTree>
     <p:extLst>
       <p:ext uri="{BB962C8B-B14F-4D97-AF65-F5344CB8AC3E}">
-        <p14:creationId xmlns:p14="http://schemas.microsoft.com/office/powerpoint/2010/main" val="1308292106"/>
+        <p14:creationId xmlns:p14="http://schemas.microsoft.com/office/powerpoint/2010/main" val="1000394283"/>
       </p:ext>
     </p:extLst>
   </p:cSld>
@@ -4545,99 +4740,945 @@
           <a:chExt cx="0" cy="0"/>
         </a:xfrm>
       </p:grpSpPr>
-      <p:sp>
-        <p:nvSpPr>
-          <p:cNvPr id="2" name="Title 1"/>
-          <p:cNvSpPr>
-            <a:spLocks noGrp="1"/>
-          </p:cNvSpPr>
-          <p:nvPr>
-            <p:ph type="title"/>
-          </p:nvPr>
-        </p:nvSpPr>
-        <p:spPr/>
-        <p:txBody>
-          <a:bodyPr/>
-          <a:lstStyle/>
-          <a:p>
-            <a:r>
-              <a:rPr lang="en-US" dirty="0" smtClean="0"/>
-              <a:t>Orientation  - attributes</a:t>
-            </a:r>
-            <a:endParaRPr lang="en-US" dirty="0"/>
-          </a:p>
-        </p:txBody>
-      </p:sp>
-      <p:sp>
-        <p:nvSpPr>
-          <p:cNvPr id="3" name="Content Placeholder 2"/>
-          <p:cNvSpPr>
-            <a:spLocks noGrp="1"/>
-          </p:cNvSpPr>
+      <p:graphicFrame>
+        <p:nvGraphicFramePr>
+          <p:cNvPr id="4" name="Content Placeholder 3"/>
+          <p:cNvGraphicFramePr>
+            <a:graphicFrameLocks noGrp="1"/>
+          </p:cNvGraphicFramePr>
           <p:nvPr>
             <p:ph idx="1"/>
-          </p:nvPr>
-        </p:nvSpPr>
-        <p:spPr/>
-        <p:txBody>
-          <a:bodyPr/>
-          <a:lstStyle/>
-          <a:p>
-            <a:r>
-              <a:rPr lang="en-US" dirty="0" smtClean="0"/>
-              <a:t>Attributes of </a:t>
-            </a:r>
-            <a:r>
-              <a:rPr lang="en-US" dirty="0" err="1" smtClean="0"/>
-              <a:t>robo</a:t>
-            </a:r>
-            <a:r>
-              <a:rPr lang="en-US" dirty="0" smtClean="0"/>
-              <a:t>-advisor:</a:t>
-            </a:r>
-          </a:p>
-          <a:p>
-            <a:pPr lvl="1"/>
-            <a:r>
-              <a:rPr lang="en-US" dirty="0" smtClean="0"/>
-              <a:t>Name (Elite vs. grass-root: Warren vs. Tom)</a:t>
-            </a:r>
-          </a:p>
-          <a:p>
-            <a:pPr lvl="1"/>
-            <a:r>
-              <a:rPr lang="en-US" dirty="0" smtClean="0"/>
-              <a:t>Gender (male, female, neutral)</a:t>
-            </a:r>
-          </a:p>
-          <a:p>
-            <a:pPr lvl="1"/>
-            <a:r>
-              <a:rPr lang="en-US" dirty="0" smtClean="0"/>
-              <a:t>Profile picture (with different dress code: consultant vs. butler)</a:t>
-            </a:r>
-          </a:p>
-          <a:p>
-            <a:pPr lvl="1"/>
-            <a:r>
-              <a:rPr lang="en-US" dirty="0" smtClean="0"/>
-              <a:t>Conversational style (controlling vs. submissive)</a:t>
-            </a:r>
-          </a:p>
-          <a:p>
-            <a:pPr lvl="1"/>
-            <a:r>
-              <a:rPr lang="en-US" dirty="0" smtClean="0"/>
-              <a:t>Performance(high, medium, low)</a:t>
-            </a:r>
-            <a:endParaRPr lang="en-US" dirty="0"/>
-          </a:p>
-        </p:txBody>
-      </p:sp>
+            <p:extLst>
+              <p:ext uri="{D42A27DB-BD31-4B8C-83A1-F6EECF244321}">
+                <p14:modId xmlns:p14="http://schemas.microsoft.com/office/powerpoint/2010/main" val="443024457"/>
+              </p:ext>
+            </p:extLst>
+          </p:nvPr>
+        </p:nvGraphicFramePr>
+        <p:xfrm>
+          <a:off x="344905" y="100429"/>
+          <a:ext cx="11353800" cy="6638859"/>
+        </p:xfrm>
+        <a:graphic>
+          <a:graphicData uri="http://schemas.openxmlformats.org/drawingml/2006/table">
+            <a:tbl>
+              <a:tblPr firstRow="1" bandRow="1">
+                <a:tableStyleId>{2D5ABB26-0587-4C30-8999-92F81FD0307C}</a:tableStyleId>
+              </a:tblPr>
+              <a:tblGrid>
+                <a:gridCol w="1549000"/>
+                <a:gridCol w="6167253"/>
+                <a:gridCol w="3637547"/>
+              </a:tblGrid>
+              <a:tr h="573339">
+                <a:tc>
+                  <a:txBody>
+                    <a:bodyPr/>
+                    <a:lstStyle/>
+                    <a:p>
+                      <a:pPr algn="l"/>
+                      <a:endParaRPr lang="en-US" altLang="zh-CN" sz="1800" b="1" baseline="0" dirty="0" smtClean="0"/>
+                    </a:p>
+                  </a:txBody>
+                  <a:tcPr/>
+                </a:tc>
+                <a:tc>
+                  <a:txBody>
+                    <a:bodyPr/>
+                    <a:lstStyle/>
+                    <a:p>
+                      <a:pPr algn="l"/>
+                      <a:r>
+                        <a:rPr lang="en-US" sz="2000" b="0" dirty="0" smtClean="0"/>
+                        <a:t>Chief</a:t>
+                      </a:r>
+                      <a:r>
+                        <a:rPr lang="en-US" sz="2000" b="0" baseline="0" dirty="0" smtClean="0"/>
+                        <a:t> tasks</a:t>
+                      </a:r>
+                      <a:endParaRPr lang="en-US" sz="2000" b="0" dirty="0"/>
+                    </a:p>
+                  </a:txBody>
+                  <a:tcPr/>
+                </a:tc>
+                <a:tc>
+                  <a:txBody>
+                    <a:bodyPr/>
+                    <a:lstStyle/>
+                    <a:p>
+                      <a:pPr algn="l"/>
+                      <a:r>
+                        <a:rPr lang="en-US" sz="2000" b="0" dirty="0" smtClean="0"/>
+                        <a:t>Deliverables &amp; DDL</a:t>
+                      </a:r>
+                      <a:endParaRPr lang="en-US" sz="2000" b="0" dirty="0"/>
+                    </a:p>
+                  </a:txBody>
+                  <a:tcPr/>
+                </a:tc>
+              </a:tr>
+              <a:tr h="573339">
+                <a:tc>
+                  <a:txBody>
+                    <a:bodyPr/>
+                    <a:lstStyle/>
+                    <a:p>
+                      <a:pPr algn="l"/>
+                      <a:r>
+                        <a:rPr lang="en-US" altLang="zh-CN" sz="1800" b="1" dirty="0" smtClean="0"/>
+                        <a:t>Week</a:t>
+                      </a:r>
+                      <a:r>
+                        <a:rPr lang="zh-CN" altLang="en-US" sz="1800" b="1" baseline="0" dirty="0" smtClean="0"/>
+                        <a:t> </a:t>
+                      </a:r>
+                      <a:r>
+                        <a:rPr lang="en-US" altLang="zh-CN" sz="1800" b="1" baseline="0" dirty="0" smtClean="0"/>
+                        <a:t>1</a:t>
+                      </a:r>
+                    </a:p>
+                    <a:p>
+                      <a:pPr algn="l"/>
+                      <a:r>
+                        <a:rPr lang="en-US" altLang="zh-CN" sz="1800" b="1" baseline="0" dirty="0" smtClean="0"/>
+                        <a:t>Mar 5-11 </a:t>
+                      </a:r>
+                    </a:p>
+                  </a:txBody>
+                  <a:tcPr/>
+                </a:tc>
+                <a:tc>
+                  <a:txBody>
+                    <a:bodyPr/>
+                    <a:lstStyle/>
+                    <a:p>
+                      <a:pPr marL="457200" indent="-457200" algn="l">
+                        <a:buAutoNum type="arabicPeriod"/>
+                      </a:pPr>
+                      <a:r>
+                        <a:rPr lang="en-US" sz="2000" b="0" dirty="0" smtClean="0"/>
+                        <a:t>First</a:t>
+                      </a:r>
+                      <a:r>
+                        <a:rPr lang="en-US" sz="2000" b="0" baseline="0" dirty="0" smtClean="0"/>
+                        <a:t> draft of m</a:t>
+                      </a:r>
+                      <a:r>
+                        <a:rPr lang="en-US" sz="2000" b="0" dirty="0" smtClean="0"/>
+                        <a:t>ock-up (</a:t>
+                      </a:r>
+                      <a:r>
+                        <a:rPr lang="en-US" sz="2000" b="0" dirty="0" err="1" smtClean="0"/>
+                        <a:t>Wanlu</a:t>
+                      </a:r>
+                      <a:r>
+                        <a:rPr lang="en-US" sz="2000" b="0" dirty="0" smtClean="0"/>
+                        <a:t>)</a:t>
+                      </a:r>
+                    </a:p>
+                    <a:p>
+                      <a:pPr marL="457200" indent="-457200" algn="l">
+                        <a:buAutoNum type="arabicPeriod"/>
+                      </a:pPr>
+                      <a:r>
+                        <a:rPr lang="en-US" sz="2000" b="0" baseline="0" dirty="0" smtClean="0"/>
+                        <a:t>Initiate IRB preparation (Yihan)</a:t>
+                      </a:r>
+                    </a:p>
+                    <a:p>
+                      <a:pPr marL="457200" indent="-457200" algn="l">
+                        <a:buAutoNum type="arabicPeriod"/>
+                      </a:pPr>
+                      <a:r>
+                        <a:rPr lang="en-US" sz="2000" b="0" baseline="0" dirty="0" smtClean="0"/>
+                        <a:t>Design script styles (Yihan)</a:t>
+                      </a:r>
+                    </a:p>
+                  </a:txBody>
+                  <a:tcPr/>
+                </a:tc>
+                <a:tc>
+                  <a:txBody>
+                    <a:bodyPr/>
+                    <a:lstStyle/>
+                    <a:p>
+                      <a:pPr algn="l"/>
+                      <a:r>
+                        <a:rPr lang="en-US" sz="2000" b="0" dirty="0" smtClean="0"/>
+                        <a:t>Mock</a:t>
+                      </a:r>
+                      <a:r>
+                        <a:rPr lang="en-US" sz="2000" b="0" baseline="0" dirty="0" smtClean="0"/>
+                        <a:t> up: </a:t>
+                      </a:r>
+                      <a:r>
+                        <a:rPr lang="en-US" sz="2000" b="0" dirty="0" smtClean="0"/>
+                        <a:t>Mar</a:t>
+                      </a:r>
+                      <a:r>
+                        <a:rPr lang="en-US" sz="2000" b="0" baseline="0" dirty="0" smtClean="0"/>
+                        <a:t> 8;</a:t>
+                      </a:r>
+                    </a:p>
+                    <a:p>
+                      <a:pPr algn="l"/>
+                      <a:r>
+                        <a:rPr lang="en-US" sz="2000" b="0" dirty="0" smtClean="0"/>
+                        <a:t>IRB basic</a:t>
+                      </a:r>
+                      <a:r>
+                        <a:rPr lang="en-US" sz="2000" b="0" baseline="0" dirty="0" smtClean="0"/>
+                        <a:t> info: Mar 9;</a:t>
+                      </a:r>
+                    </a:p>
+                    <a:p>
+                      <a:pPr algn="l"/>
+                      <a:r>
+                        <a:rPr lang="en-US" sz="2000" b="0" baseline="0" dirty="0" smtClean="0"/>
+                        <a:t>Key points on script styles: Mar 8;</a:t>
+                      </a:r>
+                      <a:endParaRPr lang="en-US" sz="2000" b="0" dirty="0"/>
+                    </a:p>
+                  </a:txBody>
+                  <a:tcPr/>
+                </a:tc>
+              </a:tr>
+              <a:tr h="1207971">
+                <a:tc>
+                  <a:txBody>
+                    <a:bodyPr/>
+                    <a:lstStyle/>
+                    <a:p>
+                      <a:pPr marL="0" marR="0" indent="0" algn="l" defTabSz="914400" rtl="0" eaLnBrk="1" fontAlgn="auto" latinLnBrk="0" hangingPunct="1">
+                        <a:lnSpc>
+                          <a:spcPct val="100000"/>
+                        </a:lnSpc>
+                        <a:spcBef>
+                          <a:spcPts val="0"/>
+                        </a:spcBef>
+                        <a:spcAft>
+                          <a:spcPts val="0"/>
+                        </a:spcAft>
+                        <a:buClrTx/>
+                        <a:buSzTx/>
+                        <a:buFontTx/>
+                        <a:buNone/>
+                        <a:tabLst/>
+                        <a:defRPr/>
+                      </a:pPr>
+                      <a:r>
+                        <a:rPr lang="en-US" altLang="zh-CN" sz="1800" b="1" dirty="0" smtClean="0"/>
+                        <a:t>Week</a:t>
+                      </a:r>
+                      <a:r>
+                        <a:rPr lang="zh-CN" altLang="en-US" sz="1800" b="1" dirty="0" smtClean="0"/>
+                        <a:t> </a:t>
+                      </a:r>
+                      <a:r>
+                        <a:rPr lang="en-US" altLang="zh-CN" sz="1800" b="1" dirty="0" smtClean="0"/>
+                        <a:t>2</a:t>
+                      </a:r>
+                    </a:p>
+                    <a:p>
+                      <a:pPr marL="0" marR="0" indent="0" algn="l" defTabSz="914400" rtl="0" eaLnBrk="1" fontAlgn="auto" latinLnBrk="0" hangingPunct="1">
+                        <a:lnSpc>
+                          <a:spcPct val="100000"/>
+                        </a:lnSpc>
+                        <a:spcBef>
+                          <a:spcPts val="0"/>
+                        </a:spcBef>
+                        <a:spcAft>
+                          <a:spcPts val="0"/>
+                        </a:spcAft>
+                        <a:buClrTx/>
+                        <a:buSzTx/>
+                        <a:buFontTx/>
+                        <a:buNone/>
+                        <a:tabLst/>
+                        <a:defRPr/>
+                      </a:pPr>
+                      <a:r>
+                        <a:rPr lang="en-US" sz="1800" b="1" dirty="0" smtClean="0"/>
+                        <a:t>Mar 12-18 </a:t>
+                      </a:r>
+                    </a:p>
+                  </a:txBody>
+                  <a:tcPr/>
+                </a:tc>
+                <a:tc>
+                  <a:txBody>
+                    <a:bodyPr/>
+                    <a:lstStyle/>
+                    <a:p>
+                      <a:pPr marL="342900" marR="0" indent="-342900" algn="l" defTabSz="914400" rtl="0" eaLnBrk="1" fontAlgn="auto" latinLnBrk="0" hangingPunct="1">
+                        <a:lnSpc>
+                          <a:spcPct val="100000"/>
+                        </a:lnSpc>
+                        <a:spcBef>
+                          <a:spcPts val="0"/>
+                        </a:spcBef>
+                        <a:spcAft>
+                          <a:spcPts val="0"/>
+                        </a:spcAft>
+                        <a:buClrTx/>
+                        <a:buSzTx/>
+                        <a:buFontTx/>
+                        <a:buAutoNum type="arabicPeriod"/>
+                        <a:tabLst/>
+                        <a:defRPr/>
+                      </a:pPr>
+                      <a:r>
+                        <a:rPr lang="en-US" sz="1800" b="0" baseline="0" dirty="0" smtClean="0"/>
+                        <a:t>Develop the basic functional components (</a:t>
+                      </a:r>
+                      <a:r>
+                        <a:rPr lang="en-US" sz="1800" b="0" baseline="0" dirty="0" err="1" smtClean="0"/>
+                        <a:t>Wanlu</a:t>
+                      </a:r>
+                      <a:r>
+                        <a:rPr lang="en-US" sz="1800" b="0" baseline="0" dirty="0" smtClean="0"/>
+                        <a:t>)</a:t>
+                      </a:r>
+                    </a:p>
+                    <a:p>
+                      <a:pPr marL="342900" marR="0" indent="-342900" algn="l" defTabSz="914400" rtl="0" eaLnBrk="1" fontAlgn="auto" latinLnBrk="0" hangingPunct="1">
+                        <a:lnSpc>
+                          <a:spcPct val="100000"/>
+                        </a:lnSpc>
+                        <a:spcBef>
+                          <a:spcPts val="0"/>
+                        </a:spcBef>
+                        <a:spcAft>
+                          <a:spcPts val="0"/>
+                        </a:spcAft>
+                        <a:buClrTx/>
+                        <a:buSzTx/>
+                        <a:buFontTx/>
+                        <a:buAutoNum type="arabicPeriod"/>
+                        <a:tabLst/>
+                        <a:defRPr/>
+                      </a:pPr>
+                      <a:r>
+                        <a:rPr lang="en-US" sz="1800" b="0" baseline="0" dirty="0" smtClean="0"/>
+                        <a:t>Draft scripts for orientation &amp; main experiments (</a:t>
+                      </a:r>
+                      <a:r>
+                        <a:rPr lang="en-US" sz="1800" b="0" baseline="0" dirty="0" err="1" smtClean="0"/>
+                        <a:t>Cuimin</a:t>
+                      </a:r>
+                      <a:r>
+                        <a:rPr lang="en-US" sz="1800" b="0" baseline="0" dirty="0" smtClean="0"/>
+                        <a:t>) </a:t>
+                      </a:r>
+                    </a:p>
+                    <a:p>
+                      <a:pPr marL="342900" marR="0" indent="-342900" algn="l" defTabSz="914400" rtl="0" eaLnBrk="1" fontAlgn="auto" latinLnBrk="0" hangingPunct="1">
+                        <a:lnSpc>
+                          <a:spcPct val="100000"/>
+                        </a:lnSpc>
+                        <a:spcBef>
+                          <a:spcPts val="0"/>
+                        </a:spcBef>
+                        <a:spcAft>
+                          <a:spcPts val="0"/>
+                        </a:spcAft>
+                        <a:buClrTx/>
+                        <a:buSzTx/>
+                        <a:buFontTx/>
+                        <a:buAutoNum type="arabicPeriod"/>
+                        <a:tabLst/>
+                        <a:defRPr/>
+                      </a:pPr>
+                      <a:r>
+                        <a:rPr lang="en-US" sz="1800" b="0" baseline="0" dirty="0" smtClean="0"/>
+                        <a:t>Fill in IRB form (Yihan)</a:t>
+                      </a:r>
+                    </a:p>
+                    <a:p>
+                      <a:pPr marL="342900" marR="0" indent="-342900" algn="l" defTabSz="914400" rtl="0" eaLnBrk="1" fontAlgn="auto" latinLnBrk="0" hangingPunct="1">
+                        <a:lnSpc>
+                          <a:spcPct val="100000"/>
+                        </a:lnSpc>
+                        <a:spcBef>
+                          <a:spcPts val="0"/>
+                        </a:spcBef>
+                        <a:spcAft>
+                          <a:spcPts val="0"/>
+                        </a:spcAft>
+                        <a:buClrTx/>
+                        <a:buSzTx/>
+                        <a:buFontTx/>
+                        <a:buAutoNum type="arabicPeriod"/>
+                        <a:tabLst/>
+                        <a:defRPr/>
+                      </a:pPr>
+                      <a:r>
+                        <a:rPr lang="en-US" sz="1800" b="0" baseline="0" dirty="0" smtClean="0"/>
+                        <a:t>Look for graphic designer (Yihan)</a:t>
+                      </a:r>
+                      <a:endParaRPr lang="en-US" sz="1800" b="0" dirty="0" smtClean="0"/>
+                    </a:p>
+                  </a:txBody>
+                  <a:tcPr/>
+                </a:tc>
+                <a:tc>
+                  <a:txBody>
+                    <a:bodyPr/>
+                    <a:lstStyle/>
+                    <a:p>
+                      <a:pPr algn="l"/>
+                      <a:r>
+                        <a:rPr lang="en-US" dirty="0" smtClean="0"/>
+                        <a:t>A functional</a:t>
+                      </a:r>
+                      <a:r>
+                        <a:rPr lang="en-US" baseline="0" dirty="0" smtClean="0"/>
+                        <a:t> surface product: Mar 15;</a:t>
+                      </a:r>
+                    </a:p>
+                    <a:p>
+                      <a:pPr algn="l"/>
+                      <a:r>
+                        <a:rPr lang="en-US" baseline="0" dirty="0" smtClean="0"/>
+                        <a:t>First draft of scripts: Mar 16;</a:t>
+                      </a:r>
+                    </a:p>
+                    <a:p>
+                      <a:pPr algn="l"/>
+                      <a:r>
+                        <a:rPr lang="en-US" baseline="0" dirty="0" smtClean="0"/>
+                        <a:t>First draft of IRB: Mar 15;</a:t>
+                      </a:r>
+                    </a:p>
+                    <a:p>
+                      <a:pPr algn="l"/>
+                      <a:r>
+                        <a:rPr lang="en-US" baseline="0" dirty="0" smtClean="0"/>
+                        <a:t>1-2 candidates of designer: Mar 15;</a:t>
+                      </a:r>
+                      <a:endParaRPr lang="en-US" dirty="0"/>
+                    </a:p>
+                  </a:txBody>
+                  <a:tcPr/>
+                </a:tc>
+              </a:tr>
+              <a:tr h="712054">
+                <a:tc>
+                  <a:txBody>
+                    <a:bodyPr/>
+                    <a:lstStyle/>
+                    <a:p>
+                      <a:pPr marL="0" marR="0" indent="0" algn="l" defTabSz="914400" rtl="0" eaLnBrk="1" fontAlgn="auto" latinLnBrk="0" hangingPunct="1">
+                        <a:lnSpc>
+                          <a:spcPct val="100000"/>
+                        </a:lnSpc>
+                        <a:spcBef>
+                          <a:spcPts val="0"/>
+                        </a:spcBef>
+                        <a:spcAft>
+                          <a:spcPts val="0"/>
+                        </a:spcAft>
+                        <a:buClrTx/>
+                        <a:buSzTx/>
+                        <a:buFontTx/>
+                        <a:buNone/>
+                        <a:tabLst/>
+                        <a:defRPr/>
+                      </a:pPr>
+                      <a:r>
+                        <a:rPr lang="en-US" altLang="zh-CN" sz="1800" b="1" dirty="0" smtClean="0"/>
+                        <a:t>Week</a:t>
+                      </a:r>
+                      <a:r>
+                        <a:rPr lang="zh-CN" altLang="en-US" sz="1800" b="1" dirty="0" smtClean="0"/>
+                        <a:t> </a:t>
+                      </a:r>
+                      <a:r>
+                        <a:rPr lang="en-US" altLang="zh-CN" sz="1800" b="1" dirty="0" smtClean="0"/>
+                        <a:t>3</a:t>
+                      </a:r>
+                      <a:endParaRPr lang="en-US" sz="1800" b="1" dirty="0" smtClean="0"/>
+                    </a:p>
+                    <a:p>
+                      <a:pPr marL="0" marR="0" indent="0" algn="l" defTabSz="914400" rtl="0" eaLnBrk="1" fontAlgn="auto" latinLnBrk="0" hangingPunct="1">
+                        <a:lnSpc>
+                          <a:spcPct val="100000"/>
+                        </a:lnSpc>
+                        <a:spcBef>
+                          <a:spcPts val="0"/>
+                        </a:spcBef>
+                        <a:spcAft>
+                          <a:spcPts val="0"/>
+                        </a:spcAft>
+                        <a:buClrTx/>
+                        <a:buSzTx/>
+                        <a:buFontTx/>
+                        <a:buNone/>
+                        <a:tabLst/>
+                        <a:defRPr/>
+                      </a:pPr>
+                      <a:r>
+                        <a:rPr lang="en-US" sz="1800" b="1" dirty="0" smtClean="0"/>
+                        <a:t>Mar 19-25</a:t>
+                      </a:r>
+                    </a:p>
+                  </a:txBody>
+                  <a:tcPr/>
+                </a:tc>
+                <a:tc>
+                  <a:txBody>
+                    <a:bodyPr/>
+                    <a:lstStyle/>
+                    <a:p>
+                      <a:pPr marL="342900" indent="-342900" algn="l">
+                        <a:buAutoNum type="arabicPeriod"/>
+                      </a:pPr>
+                      <a:r>
+                        <a:rPr lang="en-US" dirty="0" smtClean="0"/>
+                        <a:t>Integrate the front-end and back-end components (</a:t>
+                      </a:r>
+                      <a:r>
+                        <a:rPr lang="en-US" dirty="0" err="1" smtClean="0"/>
+                        <a:t>Wanlu</a:t>
+                      </a:r>
+                      <a:r>
+                        <a:rPr lang="en-US" dirty="0" smtClean="0"/>
+                        <a:t>)</a:t>
+                      </a:r>
+                    </a:p>
+                    <a:p>
+                      <a:pPr marL="342900" indent="-342900" algn="l">
+                        <a:buAutoNum type="arabicPeriod"/>
+                      </a:pPr>
+                      <a:r>
+                        <a:rPr lang="en-US" dirty="0" smtClean="0"/>
+                        <a:t>Design script</a:t>
+                      </a:r>
+                      <a:r>
+                        <a:rPr lang="en-US" baseline="0" dirty="0" smtClean="0"/>
+                        <a:t> logic flow + IRB revision (Yihan)</a:t>
+                      </a:r>
+                      <a:endParaRPr lang="en-US" dirty="0" smtClean="0"/>
+                    </a:p>
+                    <a:p>
+                      <a:pPr marL="342900" indent="-342900" algn="l">
+                        <a:buAutoNum type="arabicPeriod"/>
+                      </a:pPr>
+                      <a:r>
+                        <a:rPr lang="en-US" dirty="0" smtClean="0"/>
+                        <a:t>Revise scripts (</a:t>
+                      </a:r>
+                      <a:r>
+                        <a:rPr lang="en-US" dirty="0" err="1" smtClean="0"/>
+                        <a:t>Cuimin</a:t>
+                      </a:r>
+                      <a:r>
+                        <a:rPr lang="en-US" dirty="0" smtClean="0"/>
+                        <a:t>)</a:t>
+                      </a:r>
+                    </a:p>
+                    <a:p>
+                      <a:pPr marL="342900" indent="-342900" algn="l">
+                        <a:buAutoNum type="arabicPeriod"/>
+                      </a:pPr>
+                      <a:r>
+                        <a:rPr lang="en-US" dirty="0" smtClean="0"/>
+                        <a:t>Start</a:t>
+                      </a:r>
+                      <a:r>
+                        <a:rPr lang="en-US" baseline="0" dirty="0" smtClean="0"/>
+                        <a:t> UI design (TBA)</a:t>
+                      </a:r>
+                      <a:endParaRPr lang="en-US" dirty="0"/>
+                    </a:p>
+                  </a:txBody>
+                  <a:tcPr/>
+                </a:tc>
+                <a:tc>
+                  <a:txBody>
+                    <a:bodyPr/>
+                    <a:lstStyle/>
+                    <a:p>
+                      <a:pPr marL="0" marR="0" indent="0" algn="l" defTabSz="914400" rtl="0" eaLnBrk="1" fontAlgn="auto" latinLnBrk="0" hangingPunct="1">
+                        <a:lnSpc>
+                          <a:spcPct val="100000"/>
+                        </a:lnSpc>
+                        <a:spcBef>
+                          <a:spcPts val="0"/>
+                        </a:spcBef>
+                        <a:spcAft>
+                          <a:spcPts val="0"/>
+                        </a:spcAft>
+                        <a:buClrTx/>
+                        <a:buSzTx/>
+                        <a:buFontTx/>
+                        <a:buNone/>
+                        <a:tabLst/>
+                        <a:defRPr/>
+                      </a:pPr>
+                      <a:r>
+                        <a:rPr lang="en-US" b="0" i="0" u="none" dirty="0" smtClean="0">
+                          <a:solidFill>
+                            <a:schemeClr val="tx1"/>
+                          </a:solidFill>
+                        </a:rPr>
+                        <a:t>A</a:t>
+                      </a:r>
+                      <a:r>
+                        <a:rPr lang="en-US" b="0" i="0" u="none" baseline="0" dirty="0" smtClean="0">
+                          <a:solidFill>
+                            <a:schemeClr val="tx1"/>
+                          </a:solidFill>
+                        </a:rPr>
+                        <a:t> semi-functional product: Mar 22;</a:t>
+                      </a:r>
+                      <a:endParaRPr lang="en-US" b="0" i="0" u="none" dirty="0" smtClean="0">
+                        <a:solidFill>
+                          <a:schemeClr val="tx1"/>
+                        </a:solidFill>
+                      </a:endParaRPr>
+                    </a:p>
+                    <a:p>
+                      <a:pPr algn="l"/>
+                      <a:r>
+                        <a:rPr lang="en-US" dirty="0" smtClean="0"/>
+                        <a:t>Revised scripts;</a:t>
+                      </a:r>
+                    </a:p>
+                    <a:p>
+                      <a:pPr algn="l"/>
+                      <a:r>
+                        <a:rPr lang="en-US" dirty="0" smtClean="0"/>
+                        <a:t>Revised IRB application;</a:t>
+                      </a:r>
+                    </a:p>
+                    <a:p>
+                      <a:pPr algn="l"/>
+                      <a:r>
+                        <a:rPr lang="en-US" dirty="0" smtClean="0"/>
+                        <a:t>Mock</a:t>
+                      </a:r>
+                      <a:r>
+                        <a:rPr lang="en-US" baseline="0" dirty="0" smtClean="0"/>
+                        <a:t>-up of UI design;</a:t>
+                      </a:r>
+                      <a:endParaRPr lang="en-US" dirty="0"/>
+                    </a:p>
+                  </a:txBody>
+                  <a:tcPr/>
+                </a:tc>
+              </a:tr>
+              <a:tr h="712054">
+                <a:tc>
+                  <a:txBody>
+                    <a:bodyPr/>
+                    <a:lstStyle/>
+                    <a:p>
+                      <a:pPr marL="0" marR="0" indent="0" algn="l" defTabSz="914400" rtl="0" eaLnBrk="1" fontAlgn="auto" latinLnBrk="0" hangingPunct="1">
+                        <a:lnSpc>
+                          <a:spcPct val="100000"/>
+                        </a:lnSpc>
+                        <a:spcBef>
+                          <a:spcPts val="0"/>
+                        </a:spcBef>
+                        <a:spcAft>
+                          <a:spcPts val="0"/>
+                        </a:spcAft>
+                        <a:buClrTx/>
+                        <a:buSzTx/>
+                        <a:buFontTx/>
+                        <a:buNone/>
+                        <a:tabLst/>
+                        <a:defRPr/>
+                      </a:pPr>
+                      <a:r>
+                        <a:rPr lang="en-US" altLang="zh-CN" sz="1800" b="1" dirty="0" smtClean="0"/>
+                        <a:t>Week</a:t>
+                      </a:r>
+                      <a:r>
+                        <a:rPr lang="zh-CN" altLang="en-US" sz="1800" b="1" dirty="0" smtClean="0"/>
+                        <a:t> </a:t>
+                      </a:r>
+                      <a:r>
+                        <a:rPr lang="en-US" altLang="zh-CN" sz="1800" b="1" dirty="0" smtClean="0"/>
+                        <a:t>4</a:t>
+                      </a:r>
+                      <a:endParaRPr lang="en-US" sz="1800" b="1" dirty="0" smtClean="0"/>
+                    </a:p>
+                    <a:p>
+                      <a:pPr algn="l"/>
+                      <a:r>
+                        <a:rPr lang="en-US" sz="1800" b="1" dirty="0" smtClean="0"/>
+                        <a:t>Mar 26 – Apr 1</a:t>
+                      </a:r>
+                      <a:endParaRPr lang="en-US" sz="1800" b="1" dirty="0"/>
+                    </a:p>
+                  </a:txBody>
+                  <a:tcPr/>
+                </a:tc>
+                <a:tc>
+                  <a:txBody>
+                    <a:bodyPr/>
+                    <a:lstStyle/>
+                    <a:p>
+                      <a:pPr marL="342900" indent="-342900" algn="l">
+                        <a:buAutoNum type="arabicPeriod"/>
+                      </a:pPr>
+                      <a:r>
+                        <a:rPr lang="en-US" dirty="0" smtClean="0"/>
+                        <a:t>Integrate scripts into</a:t>
+                      </a:r>
+                      <a:r>
+                        <a:rPr lang="en-US" baseline="0" dirty="0" smtClean="0"/>
+                        <a:t> the product and make it ready for user test (</a:t>
+                      </a:r>
+                      <a:r>
+                        <a:rPr lang="en-US" baseline="0" dirty="0" err="1" smtClean="0"/>
+                        <a:t>Wanlu</a:t>
+                      </a:r>
+                      <a:r>
+                        <a:rPr lang="en-US" baseline="0" dirty="0" smtClean="0"/>
+                        <a:t>)</a:t>
+                      </a:r>
+                    </a:p>
+                    <a:p>
+                      <a:pPr marL="342900" indent="-342900" algn="l">
+                        <a:buAutoNum type="arabicPeriod"/>
+                      </a:pPr>
+                      <a:r>
+                        <a:rPr lang="en-US" baseline="0" dirty="0" smtClean="0"/>
+                        <a:t>Submit IRB</a:t>
+                      </a:r>
+                    </a:p>
+                    <a:p>
+                      <a:pPr marL="342900" indent="-342900" algn="l">
+                        <a:buAutoNum type="arabicPeriod"/>
+                      </a:pPr>
+                      <a:r>
+                        <a:rPr lang="en-US" baseline="0" dirty="0" smtClean="0"/>
+                        <a:t>Revise the front-end according to UI design (TBA)</a:t>
+                      </a:r>
+                      <a:endParaRPr lang="en-US" dirty="0"/>
+                    </a:p>
+                  </a:txBody>
+                  <a:tcPr/>
+                </a:tc>
+                <a:tc>
+                  <a:txBody>
+                    <a:bodyPr/>
+                    <a:lstStyle/>
+                    <a:p>
+                      <a:pPr marL="0" marR="0" indent="0" algn="l" defTabSz="914400" rtl="0" eaLnBrk="1" fontAlgn="auto" latinLnBrk="0" hangingPunct="1">
+                        <a:lnSpc>
+                          <a:spcPct val="100000"/>
+                        </a:lnSpc>
+                        <a:spcBef>
+                          <a:spcPts val="0"/>
+                        </a:spcBef>
+                        <a:spcAft>
+                          <a:spcPts val="0"/>
+                        </a:spcAft>
+                        <a:buClrTx/>
+                        <a:buSzTx/>
+                        <a:buFontTx/>
+                        <a:buNone/>
+                        <a:tabLst/>
+                        <a:defRPr/>
+                      </a:pPr>
+                      <a:r>
+                        <a:rPr lang="en-US" dirty="0" smtClean="0"/>
+                        <a:t>A</a:t>
+                      </a:r>
+                      <a:r>
+                        <a:rPr lang="en-US" baseline="0" dirty="0" smtClean="0"/>
+                        <a:t> fully functional product: Mar 29;</a:t>
+                      </a:r>
+                    </a:p>
+                    <a:p>
+                      <a:pPr marL="0" marR="0" indent="0" algn="l" defTabSz="914400" rtl="0" eaLnBrk="1" fontAlgn="auto" latinLnBrk="0" hangingPunct="1">
+                        <a:lnSpc>
+                          <a:spcPct val="100000"/>
+                        </a:lnSpc>
+                        <a:spcBef>
+                          <a:spcPts val="0"/>
+                        </a:spcBef>
+                        <a:spcAft>
+                          <a:spcPts val="0"/>
+                        </a:spcAft>
+                        <a:buClrTx/>
+                        <a:buSzTx/>
+                        <a:buFontTx/>
+                        <a:buNone/>
+                        <a:tabLst/>
+                        <a:defRPr/>
+                      </a:pPr>
+                      <a:r>
+                        <a:rPr lang="en-US" baseline="0" dirty="0" smtClean="0"/>
+                        <a:t>IRB submission</a:t>
+                      </a:r>
+                    </a:p>
+                    <a:p>
+                      <a:pPr marL="0" marR="0" indent="0" algn="l" defTabSz="914400" rtl="0" eaLnBrk="1" fontAlgn="auto" latinLnBrk="0" hangingPunct="1">
+                        <a:lnSpc>
+                          <a:spcPct val="100000"/>
+                        </a:lnSpc>
+                        <a:spcBef>
+                          <a:spcPts val="0"/>
+                        </a:spcBef>
+                        <a:spcAft>
+                          <a:spcPts val="0"/>
+                        </a:spcAft>
+                        <a:buClrTx/>
+                        <a:buSzTx/>
+                        <a:buFontTx/>
+                        <a:buNone/>
+                        <a:tabLst/>
+                        <a:defRPr/>
+                      </a:pPr>
+                      <a:endParaRPr lang="en-US" dirty="0" smtClean="0"/>
+                    </a:p>
+                    <a:p>
+                      <a:pPr algn="l"/>
+                      <a:endParaRPr lang="en-US" dirty="0"/>
+                    </a:p>
+                  </a:txBody>
+                  <a:tcPr/>
+                </a:tc>
+              </a:tr>
+              <a:tr h="712054">
+                <a:tc>
+                  <a:txBody>
+                    <a:bodyPr/>
+                    <a:lstStyle/>
+                    <a:p>
+                      <a:pPr marL="0" marR="0" indent="0" algn="l" defTabSz="914400" rtl="0" eaLnBrk="1" fontAlgn="auto" latinLnBrk="0" hangingPunct="1">
+                        <a:lnSpc>
+                          <a:spcPct val="100000"/>
+                        </a:lnSpc>
+                        <a:spcBef>
+                          <a:spcPts val="0"/>
+                        </a:spcBef>
+                        <a:spcAft>
+                          <a:spcPts val="0"/>
+                        </a:spcAft>
+                        <a:buClrTx/>
+                        <a:buSzTx/>
+                        <a:buFontTx/>
+                        <a:buNone/>
+                        <a:tabLst/>
+                        <a:defRPr/>
+                      </a:pPr>
+                      <a:r>
+                        <a:rPr lang="en-US" altLang="zh-CN" sz="1800" b="1" dirty="0" smtClean="0"/>
+                        <a:t>Week</a:t>
+                      </a:r>
+                      <a:r>
+                        <a:rPr lang="zh-CN" altLang="en-US" sz="1800" b="1" dirty="0" smtClean="0"/>
+                        <a:t> </a:t>
+                      </a:r>
+                      <a:r>
+                        <a:rPr lang="en-US" altLang="zh-CN" sz="1800" b="1" dirty="0" smtClean="0"/>
+                        <a:t>5</a:t>
+                      </a:r>
+                      <a:endParaRPr lang="en-US" sz="1800" b="1" dirty="0" smtClean="0"/>
+                    </a:p>
+                    <a:p>
+                      <a:pPr algn="l"/>
+                      <a:r>
+                        <a:rPr lang="en-US" sz="1800" b="1" dirty="0" smtClean="0"/>
+                        <a:t>Apr</a:t>
+                      </a:r>
+                      <a:r>
+                        <a:rPr lang="en-US" sz="1800" b="1" baseline="0" dirty="0" smtClean="0"/>
+                        <a:t> 2 -8</a:t>
+                      </a:r>
+                      <a:endParaRPr lang="en-US" sz="1800" b="1" dirty="0"/>
+                    </a:p>
+                  </a:txBody>
+                  <a:tcPr/>
+                </a:tc>
+                <a:tc>
+                  <a:txBody>
+                    <a:bodyPr/>
+                    <a:lstStyle/>
+                    <a:p>
+                      <a:pPr marL="342900" indent="-342900" algn="l">
+                        <a:buAutoNum type="arabicPeriod"/>
+                      </a:pPr>
+                      <a:r>
+                        <a:rPr lang="en-US" baseline="0" dirty="0" smtClean="0"/>
+                        <a:t>User test (Yihan + </a:t>
+                      </a:r>
+                      <a:r>
+                        <a:rPr lang="en-US" baseline="0" dirty="0" err="1" smtClean="0"/>
+                        <a:t>Cuimin</a:t>
+                      </a:r>
+                      <a:r>
+                        <a:rPr lang="en-US" baseline="0" dirty="0" smtClean="0"/>
+                        <a:t>)</a:t>
+                      </a:r>
+                    </a:p>
+                    <a:p>
+                      <a:pPr marL="342900" indent="-342900" algn="l">
+                        <a:buAutoNum type="arabicPeriod"/>
+                      </a:pPr>
+                      <a:r>
+                        <a:rPr lang="en-US" dirty="0" smtClean="0"/>
+                        <a:t>Debugging &amp; iteration according to user test</a:t>
+                      </a:r>
+                      <a:endParaRPr lang="en-US" dirty="0"/>
+                    </a:p>
+                  </a:txBody>
+                  <a:tcPr/>
+                </a:tc>
+                <a:tc>
+                  <a:txBody>
+                    <a:bodyPr/>
+                    <a:lstStyle/>
+                    <a:p>
+                      <a:pPr marL="0" marR="0" indent="0" algn="l" defTabSz="914400" rtl="0" eaLnBrk="1" fontAlgn="auto" latinLnBrk="0" hangingPunct="1">
+                        <a:lnSpc>
+                          <a:spcPct val="100000"/>
+                        </a:lnSpc>
+                        <a:spcBef>
+                          <a:spcPts val="0"/>
+                        </a:spcBef>
+                        <a:spcAft>
+                          <a:spcPts val="0"/>
+                        </a:spcAft>
+                        <a:buClrTx/>
+                        <a:buSzTx/>
+                        <a:buFontTx/>
+                        <a:buNone/>
+                        <a:tabLst/>
+                        <a:defRPr/>
+                      </a:pPr>
+                      <a:r>
+                        <a:rPr lang="en-US" i="0" u="none" dirty="0" smtClean="0"/>
+                        <a:t>Invite at least</a:t>
+                      </a:r>
+                      <a:r>
+                        <a:rPr lang="en-US" i="0" u="none" baseline="0" dirty="0" smtClean="0"/>
+                        <a:t> 5 users and summarize the results: Apr 6;</a:t>
+                      </a:r>
+                      <a:endParaRPr lang="en-US" i="0" u="none" dirty="0" smtClean="0"/>
+                    </a:p>
+                    <a:p>
+                      <a:pPr algn="l"/>
+                      <a:endParaRPr lang="en-US" dirty="0"/>
+                    </a:p>
+                  </a:txBody>
+                  <a:tcPr/>
+                </a:tc>
+              </a:tr>
+            </a:tbl>
+          </a:graphicData>
+        </a:graphic>
+      </p:graphicFrame>
     </p:spTree>
     <p:extLst>
       <p:ext uri="{BB962C8B-B14F-4D97-AF65-F5344CB8AC3E}">
-        <p14:creationId xmlns:p14="http://schemas.microsoft.com/office/powerpoint/2010/main" val="1147613480"/>
+        <p14:creationId xmlns:p14="http://schemas.microsoft.com/office/powerpoint/2010/main" val="1308292106"/>
       </p:ext>
     </p:extLst>
   </p:cSld>
@@ -4681,7 +5722,7 @@
           <a:p>
             <a:r>
               <a:rPr lang="en-US" dirty="0" smtClean="0"/>
-              <a:t>Orientation - greetings</a:t>
+              <a:t>Orientation  - attributes</a:t>
             </a:r>
             <a:endParaRPr lang="en-US" dirty="0"/>
           </a:p>
@@ -4699,105 +5740,64 @@
         </p:nvSpPr>
         <p:spPr/>
         <p:txBody>
-          <a:bodyPr>
-            <a:normAutofit fontScale="92500" lnSpcReduction="10000"/>
-          </a:bodyPr>
+          <a:bodyPr/>
           <a:lstStyle/>
           <a:p>
             <a:r>
               <a:rPr lang="en-US" dirty="0" smtClean="0"/>
-              <a:t>Greetings: </a:t>
+              <a:t>Attributes of </a:t>
+            </a:r>
+            <a:r>
+              <a:rPr lang="en-US" dirty="0" err="1" smtClean="0"/>
+              <a:t>robo</a:t>
+            </a:r>
+            <a:r>
+              <a:rPr lang="en-US" dirty="0" smtClean="0"/>
+              <a:t>-advisor:</a:t>
             </a:r>
           </a:p>
           <a:p>
             <a:pPr lvl="1"/>
             <a:r>
-              <a:rPr lang="en-US" dirty="0" err="1" smtClean="0"/>
-              <a:t>Robo</a:t>
-            </a:r>
-            <a:r>
               <a:rPr lang="en-US" dirty="0" smtClean="0"/>
-              <a:t>: Hi, my name is Tom and I help people manage their portfolio. How are you doing today?</a:t>
+              <a:t>Name (Elite vs. grass-root: Warren vs. Tom)</a:t>
             </a:r>
           </a:p>
           <a:p>
             <a:pPr lvl="1"/>
             <a:r>
               <a:rPr lang="en-US" dirty="0" smtClean="0"/>
-              <a:t>User: I’m feeling good [for </a:t>
-            </a:r>
-            <a:r>
-              <a:rPr lang="en-US" dirty="0" err="1" smtClean="0"/>
-              <a:t>wanlu</a:t>
-            </a:r>
+              <a:t>Gender (male, female, neutral)</a:t>
+            </a:r>
+          </a:p>
+          <a:p>
+            <a:pPr lvl="1"/>
             <a:r>
               <a:rPr lang="en-US" dirty="0" smtClean="0"/>
-              <a:t>: two options]</a:t>
+              <a:t>Profile picture (with different dress code: consultant vs. butler)</a:t>
+            </a:r>
+          </a:p>
+          <a:p>
+            <a:pPr lvl="1"/>
+            <a:r>
+              <a:rPr lang="en-US" dirty="0" smtClean="0"/>
+              <a:t>Conversational style (controlling vs. submissive)</a:t>
+            </a:r>
+          </a:p>
+          <a:p>
+            <a:pPr lvl="1"/>
+            <a:r>
+              <a:rPr lang="en-US" dirty="0" smtClean="0"/>
+              <a:t>Performance(high, medium, low</a:t>
+            </a:r>
+            <a:r>
+              <a:rPr lang="en-US" dirty="0" smtClean="0"/>
+              <a:t>)</a:t>
             </a:r>
           </a:p>
           <a:p>
             <a:pPr lvl="1"/>
             <a:endParaRPr lang="en-US" dirty="0"/>
-          </a:p>
-          <a:p>
-            <a:pPr lvl="1"/>
-            <a:r>
-              <a:rPr lang="en-US" dirty="0" err="1" smtClean="0"/>
-              <a:t>Robo</a:t>
-            </a:r>
-            <a:r>
-              <a:rPr lang="en-US" dirty="0" smtClean="0"/>
-              <a:t>: May I get to know a little more about you? (see example in the next page)</a:t>
-            </a:r>
-          </a:p>
-          <a:p>
-            <a:pPr lvl="1"/>
-            <a:r>
-              <a:rPr lang="en-US" dirty="0" smtClean="0"/>
-              <a:t>User: My name is ___(for </a:t>
-            </a:r>
-            <a:r>
-              <a:rPr lang="en-US" dirty="0" err="1" smtClean="0"/>
-              <a:t>wanlu</a:t>
-            </a:r>
-            <a:r>
-              <a:rPr lang="en-US" dirty="0" smtClean="0"/>
-              <a:t>, fill in the blanks), I’m ___ (for </a:t>
-            </a:r>
-            <a:r>
-              <a:rPr lang="en-US" dirty="0" err="1" smtClean="0"/>
-              <a:t>wanlu</a:t>
-            </a:r>
-            <a:r>
-              <a:rPr lang="en-US" dirty="0" smtClean="0"/>
-              <a:t>: gender options here). I’m ___ (marital status), and have ___children (number of children). My annual income is about ___(income range options), and my expectation for you is ___ (options of annualized return: 5%, 10%, 15%).</a:t>
-            </a:r>
-          </a:p>
-          <a:p>
-            <a:pPr lvl="1"/>
-            <a:endParaRPr lang="en-US" dirty="0"/>
-          </a:p>
-          <a:p>
-            <a:pPr lvl="1"/>
-            <a:r>
-              <a:rPr lang="en-US" dirty="0" err="1" smtClean="0"/>
-              <a:t>Robo</a:t>
-            </a:r>
-            <a:r>
-              <a:rPr lang="en-US" dirty="0" smtClean="0"/>
-              <a:t>: Thank you very much! Now I’ll work out a wealth management plan for you</a:t>
-            </a:r>
-          </a:p>
-          <a:p>
-            <a:pPr lvl="1"/>
-            <a:r>
-              <a:rPr lang="en-US" dirty="0" smtClean="0"/>
-              <a:t>User: I’m ready to proceed</a:t>
-            </a:r>
-            <a:endParaRPr lang="en-US" dirty="0"/>
-          </a:p>
-          <a:p>
-            <a:endParaRPr lang="en-US" dirty="0" smtClean="0"/>
           </a:p>
           <a:p>
             <a:pPr lvl="1"/>
@@ -4808,7 +5808,7 @@
     </p:spTree>
     <p:extLst>
       <p:ext uri="{BB962C8B-B14F-4D97-AF65-F5344CB8AC3E}">
-        <p14:creationId xmlns:p14="http://schemas.microsoft.com/office/powerpoint/2010/main" val="1389124653"/>
+        <p14:creationId xmlns:p14="http://schemas.microsoft.com/office/powerpoint/2010/main" val="1147613480"/>
       </p:ext>
     </p:extLst>
   </p:cSld>
@@ -4850,40 +5850,652 @@
           <a:bodyPr/>
           <a:lstStyle/>
           <a:p>
+            <a:r>
+              <a:rPr lang="en-US" dirty="0" smtClean="0"/>
+              <a:t>Orientation  </a:t>
+            </a:r>
+            <a:r>
+              <a:rPr lang="en-US" dirty="0" smtClean="0"/>
+              <a:t>-</a:t>
+            </a:r>
             <a:endParaRPr lang="en-US" dirty="0"/>
           </a:p>
         </p:txBody>
       </p:sp>
-      <p:pic>
-        <p:nvPicPr>
-          <p:cNvPr id="4" name="Content Placeholder 3"/>
-          <p:cNvPicPr>
-            <a:picLocks noGrp="1" noChangeAspect="1"/>
-          </p:cNvPicPr>
+      <p:sp>
+        <p:nvSpPr>
+          <p:cNvPr id="3" name="Content Placeholder 2"/>
+          <p:cNvSpPr>
+            <a:spLocks noGrp="1"/>
+          </p:cNvSpPr>
           <p:nvPr>
             <p:ph idx="1"/>
           </p:nvPr>
-        </p:nvPicPr>
-        <p:blipFill>
-          <a:blip r:embed="rId2"/>
-          <a:stretch>
-            <a:fillRect/>
-          </a:stretch>
-        </p:blipFill>
-        <p:spPr>
-          <a:xfrm>
-            <a:off x="2580606" y="1825625"/>
-            <a:ext cx="7030787" cy="4351338"/>
-          </a:xfrm>
-          <a:prstGeom prst="rect">
-            <a:avLst/>
-          </a:prstGeom>
-        </p:spPr>
-      </p:pic>
+        </p:nvSpPr>
+        <p:spPr/>
+        <p:txBody>
+          <a:bodyPr/>
+          <a:lstStyle/>
+          <a:p>
+            <a:r>
+              <a:rPr lang="en-US" altLang="zh-CN" dirty="0" smtClean="0"/>
+              <a:t>Design</a:t>
+            </a:r>
+            <a:r>
+              <a:rPr lang="zh-CN" altLang="en-US" dirty="0" smtClean="0"/>
+              <a:t> </a:t>
+            </a:r>
+            <a:r>
+              <a:rPr lang="en-US" altLang="zh-CN" dirty="0"/>
+              <a:t>of</a:t>
+            </a:r>
+            <a:r>
+              <a:rPr lang="zh-CN" altLang="en-US" dirty="0"/>
+              <a:t> </a:t>
+            </a:r>
+            <a:r>
+              <a:rPr lang="en-US" altLang="zh-CN" dirty="0" err="1"/>
+              <a:t>robo</a:t>
+            </a:r>
+            <a:r>
+              <a:rPr lang="en-US" altLang="zh-CN" dirty="0"/>
+              <a:t>-advisor</a:t>
+            </a:r>
+            <a:r>
+              <a:rPr lang="zh-CN" altLang="en-US" dirty="0"/>
+              <a:t> </a:t>
+            </a:r>
+            <a:r>
+              <a:rPr lang="en-US" altLang="zh-CN" dirty="0"/>
+              <a:t>avatars</a:t>
+            </a:r>
+            <a:endParaRPr lang="en-US" dirty="0"/>
+          </a:p>
+        </p:txBody>
+      </p:sp>
+      <p:graphicFrame>
+        <p:nvGraphicFramePr>
+          <p:cNvPr id="4" name="Table 3"/>
+          <p:cNvGraphicFramePr>
+            <a:graphicFrameLocks noGrp="1"/>
+          </p:cNvGraphicFramePr>
+          <p:nvPr>
+            <p:extLst>
+              <p:ext uri="{D42A27DB-BD31-4B8C-83A1-F6EECF244321}">
+                <p14:modId xmlns:p14="http://schemas.microsoft.com/office/powerpoint/2010/main" val="157011820"/>
+              </p:ext>
+            </p:extLst>
+          </p:nvPr>
+        </p:nvGraphicFramePr>
+        <p:xfrm>
+          <a:off x="1057441" y="2512371"/>
+          <a:ext cx="8127999" cy="3479800"/>
+        </p:xfrm>
+        <a:graphic>
+          <a:graphicData uri="http://schemas.openxmlformats.org/drawingml/2006/table">
+            <a:tbl>
+              <a:tblPr firstRow="1" bandRow="1">
+                <a:tableStyleId>{2D5ABB26-0587-4C30-8999-92F81FD0307C}</a:tableStyleId>
+              </a:tblPr>
+              <a:tblGrid>
+                <a:gridCol w="2709333"/>
+                <a:gridCol w="2709333"/>
+                <a:gridCol w="2709333"/>
+              </a:tblGrid>
+              <a:tr h="370840">
+                <a:tc>
+                  <a:txBody>
+                    <a:bodyPr/>
+                    <a:lstStyle/>
+                    <a:p>
+                      <a:endParaRPr lang="en-US" dirty="0"/>
+                    </a:p>
+                  </a:txBody>
+                  <a:tcPr/>
+                </a:tc>
+                <a:tc>
+                  <a:txBody>
+                    <a:bodyPr/>
+                    <a:lstStyle/>
+                    <a:p>
+                      <a:r>
+                        <a:rPr lang="en-US" altLang="zh-CN" dirty="0" smtClean="0"/>
+                        <a:t>Professional</a:t>
+                      </a:r>
+                      <a:r>
+                        <a:rPr lang="zh-CN" altLang="en-US" dirty="0" smtClean="0"/>
+                        <a:t> </a:t>
+                      </a:r>
+                      <a:r>
+                        <a:rPr lang="en-US" altLang="zh-CN" dirty="0" smtClean="0"/>
+                        <a:t>consultant</a:t>
+                      </a:r>
+                      <a:endParaRPr lang="en-US" dirty="0"/>
+                    </a:p>
+                  </a:txBody>
+                  <a:tcPr/>
+                </a:tc>
+                <a:tc>
+                  <a:txBody>
+                    <a:bodyPr/>
+                    <a:lstStyle/>
+                    <a:p>
+                      <a:r>
+                        <a:rPr lang="en-US" altLang="zh-CN" dirty="0" smtClean="0"/>
+                        <a:t>Peer</a:t>
+                      </a:r>
+                      <a:r>
+                        <a:rPr lang="zh-CN" altLang="en-US" dirty="0" smtClean="0"/>
+                        <a:t> </a:t>
+                      </a:r>
+                      <a:r>
+                        <a:rPr lang="en-US" altLang="zh-CN" dirty="0" smtClean="0"/>
+                        <a:t>consultant</a:t>
+                      </a:r>
+                      <a:endParaRPr lang="en-US" dirty="0"/>
+                    </a:p>
+                  </a:txBody>
+                  <a:tcPr/>
+                </a:tc>
+              </a:tr>
+              <a:tr h="370840">
+                <a:tc>
+                  <a:txBody>
+                    <a:bodyPr/>
+                    <a:lstStyle/>
+                    <a:p>
+                      <a:r>
+                        <a:rPr lang="en-US" altLang="zh-CN" dirty="0" smtClean="0"/>
+                        <a:t>Name</a:t>
+                      </a:r>
+                      <a:endParaRPr lang="en-US" dirty="0"/>
+                    </a:p>
+                  </a:txBody>
+                  <a:tcPr/>
+                </a:tc>
+                <a:tc>
+                  <a:txBody>
+                    <a:bodyPr/>
+                    <a:lstStyle/>
+                    <a:p>
+                      <a:r>
+                        <a:rPr lang="en-US" altLang="zh-CN" dirty="0" smtClean="0"/>
+                        <a:t>Name</a:t>
+                      </a:r>
+                      <a:r>
+                        <a:rPr lang="zh-CN" altLang="en-US" baseline="0" dirty="0" smtClean="0"/>
+                        <a:t> </a:t>
+                      </a:r>
+                      <a:r>
+                        <a:rPr lang="en-US" altLang="zh-CN" baseline="0" dirty="0" smtClean="0"/>
+                        <a:t>associated</a:t>
+                      </a:r>
+                      <a:r>
+                        <a:rPr lang="zh-CN" altLang="en-US" baseline="0" dirty="0" smtClean="0"/>
+                        <a:t> </a:t>
+                      </a:r>
+                      <a:r>
+                        <a:rPr lang="en-US" altLang="zh-CN" baseline="0" dirty="0" smtClean="0"/>
+                        <a:t>with</a:t>
+                      </a:r>
+                      <a:r>
+                        <a:rPr lang="zh-CN" altLang="en-US" baseline="0" dirty="0" smtClean="0"/>
+                        <a:t> </a:t>
+                      </a:r>
+                      <a:r>
+                        <a:rPr lang="en-US" altLang="zh-CN" baseline="0" dirty="0" smtClean="0"/>
+                        <a:t>Elite/dominance</a:t>
+                      </a:r>
+                      <a:endParaRPr lang="en-US" dirty="0"/>
+                    </a:p>
+                  </a:txBody>
+                  <a:tcPr/>
+                </a:tc>
+                <a:tc>
+                  <a:txBody>
+                    <a:bodyPr/>
+                    <a:lstStyle/>
+                    <a:p>
+                      <a:pPr marL="0" marR="0" indent="0" algn="l" defTabSz="914400" rtl="0" eaLnBrk="1" fontAlgn="auto" latinLnBrk="0" hangingPunct="1">
+                        <a:lnSpc>
+                          <a:spcPct val="100000"/>
+                        </a:lnSpc>
+                        <a:spcBef>
+                          <a:spcPts val="0"/>
+                        </a:spcBef>
+                        <a:spcAft>
+                          <a:spcPts val="0"/>
+                        </a:spcAft>
+                        <a:buClrTx/>
+                        <a:buSzTx/>
+                        <a:buFontTx/>
+                        <a:buNone/>
+                        <a:tabLst/>
+                        <a:defRPr/>
+                      </a:pPr>
+                      <a:r>
+                        <a:rPr lang="en-US" altLang="zh-CN" dirty="0" smtClean="0"/>
+                        <a:t>Name</a:t>
+                      </a:r>
+                      <a:r>
+                        <a:rPr lang="zh-CN" altLang="en-US" baseline="0" dirty="0" smtClean="0"/>
+                        <a:t> </a:t>
+                      </a:r>
+                      <a:r>
+                        <a:rPr lang="en-US" altLang="zh-CN" baseline="0" dirty="0" smtClean="0"/>
+                        <a:t>associated</a:t>
+                      </a:r>
+                      <a:r>
+                        <a:rPr lang="zh-CN" altLang="en-US" baseline="0" dirty="0" smtClean="0"/>
+                        <a:t> </a:t>
+                      </a:r>
+                      <a:r>
+                        <a:rPr lang="en-US" altLang="zh-CN" baseline="0" dirty="0" smtClean="0"/>
+                        <a:t>with</a:t>
+                      </a:r>
+                      <a:r>
+                        <a:rPr lang="zh-CN" altLang="en-US" baseline="0" dirty="0" smtClean="0"/>
+                        <a:t> </a:t>
+                      </a:r>
+                      <a:r>
+                        <a:rPr lang="en-US" altLang="zh-CN" baseline="0" dirty="0" smtClean="0"/>
+                        <a:t>Peer/submissive</a:t>
+                      </a:r>
+                      <a:endParaRPr lang="en-US" dirty="0" smtClean="0"/>
+                    </a:p>
+                  </a:txBody>
+                  <a:tcPr/>
+                </a:tc>
+              </a:tr>
+              <a:tr h="370840">
+                <a:tc>
+                  <a:txBody>
+                    <a:bodyPr/>
+                    <a:lstStyle/>
+                    <a:p>
+                      <a:r>
+                        <a:rPr lang="en-US" altLang="zh-CN" dirty="0" smtClean="0"/>
+                        <a:t>Avatar</a:t>
+                      </a:r>
+                      <a:r>
+                        <a:rPr lang="zh-CN" altLang="en-US" baseline="0" dirty="0" smtClean="0"/>
+                        <a:t> </a:t>
+                      </a:r>
+                      <a:r>
+                        <a:rPr lang="en-US" altLang="zh-CN" baseline="0" dirty="0" smtClean="0"/>
+                        <a:t>profile</a:t>
+                      </a:r>
+                      <a:endParaRPr lang="en-US" dirty="0"/>
+                    </a:p>
+                  </a:txBody>
+                  <a:tcPr/>
+                </a:tc>
+                <a:tc>
+                  <a:txBody>
+                    <a:bodyPr/>
+                    <a:lstStyle/>
+                    <a:p>
+                      <a:r>
+                        <a:rPr lang="en-US" altLang="zh-CN" dirty="0" smtClean="0"/>
+                        <a:t>Professional</a:t>
+                      </a:r>
+                      <a:r>
+                        <a:rPr lang="zh-CN" altLang="en-US" dirty="0" smtClean="0"/>
+                        <a:t> </a:t>
+                      </a:r>
+                      <a:r>
+                        <a:rPr lang="en-US" altLang="zh-CN" dirty="0" smtClean="0"/>
+                        <a:t>dress</a:t>
+                      </a:r>
+                      <a:r>
+                        <a:rPr lang="zh-CN" altLang="en-US" dirty="0" smtClean="0"/>
+                        <a:t> </a:t>
+                      </a:r>
+                      <a:r>
+                        <a:rPr lang="en-US" altLang="zh-CN" dirty="0" smtClean="0"/>
+                        <a:t>code</a:t>
+                      </a:r>
+                      <a:r>
+                        <a:rPr lang="zh-CN" altLang="en-US" dirty="0" smtClean="0"/>
+                        <a:t> </a:t>
+                      </a:r>
+                      <a:r>
+                        <a:rPr lang="en-US" altLang="zh-CN" dirty="0" smtClean="0"/>
+                        <a:t>+</a:t>
+                      </a:r>
+                      <a:r>
+                        <a:rPr lang="zh-CN" altLang="en-US" dirty="0" smtClean="0"/>
+                        <a:t> </a:t>
+                      </a:r>
+                      <a:r>
+                        <a:rPr lang="en-US" altLang="zh-CN" dirty="0" smtClean="0"/>
+                        <a:t>More</a:t>
+                      </a:r>
+                      <a:r>
+                        <a:rPr lang="zh-CN" altLang="en-US" dirty="0" smtClean="0"/>
+                        <a:t> </a:t>
+                      </a:r>
+                      <a:r>
+                        <a:rPr lang="en-US" altLang="zh-CN" dirty="0" smtClean="0"/>
+                        <a:t>expressive</a:t>
+                      </a:r>
+                      <a:r>
+                        <a:rPr lang="zh-CN" altLang="en-US" dirty="0" smtClean="0"/>
+                        <a:t> </a:t>
+                      </a:r>
+                      <a:r>
+                        <a:rPr lang="en-US" altLang="zh-CN" dirty="0" smtClean="0"/>
+                        <a:t>facial</a:t>
+                      </a:r>
+                      <a:r>
+                        <a:rPr lang="zh-CN" altLang="en-US" dirty="0" smtClean="0"/>
+                        <a:t> </a:t>
+                      </a:r>
+                      <a:r>
+                        <a:rPr lang="en-US" altLang="zh-CN" dirty="0" smtClean="0"/>
+                        <a:t>expression</a:t>
+                      </a:r>
+                      <a:endParaRPr lang="en-US" dirty="0"/>
+                    </a:p>
+                  </a:txBody>
+                  <a:tcPr/>
+                </a:tc>
+                <a:tc>
+                  <a:txBody>
+                    <a:bodyPr/>
+                    <a:lstStyle/>
+                    <a:p>
+                      <a:pPr marL="0" marR="0" indent="0" algn="l" defTabSz="914400" rtl="0" eaLnBrk="1" fontAlgn="auto" latinLnBrk="0" hangingPunct="1">
+                        <a:lnSpc>
+                          <a:spcPct val="100000"/>
+                        </a:lnSpc>
+                        <a:spcBef>
+                          <a:spcPts val="0"/>
+                        </a:spcBef>
+                        <a:spcAft>
+                          <a:spcPts val="0"/>
+                        </a:spcAft>
+                        <a:buClrTx/>
+                        <a:buSzTx/>
+                        <a:buFontTx/>
+                        <a:buNone/>
+                        <a:tabLst/>
+                        <a:defRPr/>
+                      </a:pPr>
+                      <a:r>
+                        <a:rPr lang="en-US" altLang="zh-CN" dirty="0" smtClean="0"/>
+                        <a:t>Approachable</a:t>
+                      </a:r>
+                      <a:r>
+                        <a:rPr lang="zh-CN" altLang="en-US" dirty="0" smtClean="0"/>
+                        <a:t> </a:t>
+                      </a:r>
+                      <a:r>
+                        <a:rPr lang="en-US" altLang="zh-CN" dirty="0" smtClean="0"/>
+                        <a:t>dress</a:t>
+                      </a:r>
+                      <a:r>
+                        <a:rPr lang="zh-CN" altLang="en-US" dirty="0" smtClean="0"/>
+                        <a:t> </a:t>
+                      </a:r>
+                      <a:r>
+                        <a:rPr lang="en-US" altLang="zh-CN" dirty="0" smtClean="0"/>
+                        <a:t>code</a:t>
+                      </a:r>
+                    </a:p>
+                    <a:p>
+                      <a:pPr marL="0" marR="0" indent="0" algn="l" defTabSz="914400" rtl="0" eaLnBrk="1" fontAlgn="auto" latinLnBrk="0" hangingPunct="1">
+                        <a:lnSpc>
+                          <a:spcPct val="100000"/>
+                        </a:lnSpc>
+                        <a:spcBef>
+                          <a:spcPts val="0"/>
+                        </a:spcBef>
+                        <a:spcAft>
+                          <a:spcPts val="0"/>
+                        </a:spcAft>
+                        <a:buClrTx/>
+                        <a:buSzTx/>
+                        <a:buFontTx/>
+                        <a:buNone/>
+                        <a:tabLst/>
+                        <a:defRPr/>
+                      </a:pPr>
+                      <a:r>
+                        <a:rPr lang="en-US" altLang="zh-CN" dirty="0" smtClean="0"/>
+                        <a:t>More</a:t>
+                      </a:r>
+                      <a:r>
+                        <a:rPr lang="zh-CN" altLang="en-US" baseline="0" dirty="0" smtClean="0"/>
+                        <a:t> </a:t>
+                      </a:r>
+                      <a:r>
+                        <a:rPr lang="en-US" altLang="zh-CN" baseline="0" dirty="0" smtClean="0"/>
+                        <a:t>reserved</a:t>
+                      </a:r>
+                      <a:r>
+                        <a:rPr lang="zh-CN" altLang="en-US" baseline="0" dirty="0" smtClean="0"/>
+                        <a:t> </a:t>
+                      </a:r>
+                      <a:r>
+                        <a:rPr lang="en-US" altLang="zh-CN" baseline="0" dirty="0" smtClean="0"/>
+                        <a:t>facial</a:t>
+                      </a:r>
+                      <a:r>
+                        <a:rPr lang="zh-CN" altLang="en-US" baseline="0" dirty="0" smtClean="0"/>
+                        <a:t> </a:t>
+                      </a:r>
+                      <a:r>
+                        <a:rPr lang="en-US" altLang="zh-CN" baseline="0" dirty="0" smtClean="0"/>
+                        <a:t>expression</a:t>
+                      </a:r>
+                      <a:endParaRPr lang="en-US" dirty="0" smtClean="0"/>
+                    </a:p>
+                  </a:txBody>
+                  <a:tcPr/>
+                </a:tc>
+              </a:tr>
+              <a:tr h="370840">
+                <a:tc>
+                  <a:txBody>
+                    <a:bodyPr/>
+                    <a:lstStyle/>
+                    <a:p>
+                      <a:r>
+                        <a:rPr lang="en-US" altLang="zh-CN" dirty="0" smtClean="0"/>
+                        <a:t>Conversation</a:t>
+                      </a:r>
+                      <a:r>
+                        <a:rPr lang="zh-CN" altLang="en-US" dirty="0" smtClean="0"/>
+                        <a:t> </a:t>
+                      </a:r>
+                      <a:r>
+                        <a:rPr lang="en-US" altLang="zh-CN" dirty="0" smtClean="0"/>
+                        <a:t>manner</a:t>
+                      </a:r>
+                      <a:endParaRPr lang="en-US" dirty="0"/>
+                    </a:p>
+                  </a:txBody>
+                  <a:tcPr/>
+                </a:tc>
+                <a:tc>
+                  <a:txBody>
+                    <a:bodyPr/>
+                    <a:lstStyle/>
+                    <a:p>
+                      <a:r>
+                        <a:rPr lang="en-US" altLang="zh-CN" dirty="0" smtClean="0"/>
+                        <a:t>Initiates</a:t>
+                      </a:r>
+                      <a:r>
+                        <a:rPr lang="zh-CN" altLang="en-US" dirty="0" smtClean="0"/>
+                        <a:t>  </a:t>
+                      </a:r>
+                      <a:endParaRPr lang="en-US" dirty="0"/>
+                    </a:p>
+                  </a:txBody>
+                  <a:tcPr/>
+                </a:tc>
+                <a:tc>
+                  <a:txBody>
+                    <a:bodyPr/>
+                    <a:lstStyle/>
+                    <a:p>
+                      <a:pPr marL="0" marR="0" indent="0" algn="l" defTabSz="914400" rtl="0" eaLnBrk="1" fontAlgn="auto" latinLnBrk="0" hangingPunct="1">
+                        <a:lnSpc>
+                          <a:spcPct val="100000"/>
+                        </a:lnSpc>
+                        <a:spcBef>
+                          <a:spcPts val="0"/>
+                        </a:spcBef>
+                        <a:spcAft>
+                          <a:spcPts val="0"/>
+                        </a:spcAft>
+                        <a:buClrTx/>
+                        <a:buSzTx/>
+                        <a:buFontTx/>
+                        <a:buNone/>
+                        <a:tabLst/>
+                        <a:defRPr/>
+                      </a:pPr>
+                      <a:r>
+                        <a:rPr lang="en-US" altLang="zh-CN" dirty="0" smtClean="0"/>
+                        <a:t>Responds</a:t>
+                      </a:r>
+                      <a:r>
+                        <a:rPr lang="zh-CN" altLang="en-US" baseline="0" dirty="0" smtClean="0"/>
+                        <a:t> </a:t>
+                      </a:r>
+                      <a:r>
+                        <a:rPr lang="en-US" altLang="zh-CN" baseline="0" dirty="0" smtClean="0"/>
+                        <a:t>after</a:t>
+                      </a:r>
+                      <a:r>
+                        <a:rPr lang="zh-CN" altLang="en-US" baseline="0" dirty="0" smtClean="0"/>
+                        <a:t> </a:t>
+                      </a:r>
+                      <a:r>
+                        <a:rPr lang="en-US" altLang="zh-CN" baseline="0" dirty="0" smtClean="0"/>
+                        <a:t>user</a:t>
+                      </a:r>
+                      <a:r>
+                        <a:rPr lang="zh-CN" altLang="en-US" baseline="0" dirty="0" smtClean="0"/>
+                        <a:t> </a:t>
+                      </a:r>
+                      <a:r>
+                        <a:rPr lang="en-US" altLang="zh-CN" baseline="0" dirty="0" smtClean="0"/>
+                        <a:t>enquires</a:t>
+                      </a:r>
+                      <a:endParaRPr lang="en-US" dirty="0" smtClean="0"/>
+                    </a:p>
+                  </a:txBody>
+                  <a:tcPr/>
+                </a:tc>
+              </a:tr>
+              <a:tr h="370840">
+                <a:tc>
+                  <a:txBody>
+                    <a:bodyPr/>
+                    <a:lstStyle/>
+                    <a:p>
+                      <a:r>
+                        <a:rPr lang="en-US" altLang="zh-CN" dirty="0" smtClean="0"/>
+                        <a:t>Conversational</a:t>
+                      </a:r>
+                      <a:r>
+                        <a:rPr lang="zh-CN" altLang="en-US" baseline="0" dirty="0" smtClean="0"/>
+                        <a:t> </a:t>
+                      </a:r>
+                      <a:r>
+                        <a:rPr lang="en-US" altLang="zh-CN" baseline="0" dirty="0" smtClean="0"/>
+                        <a:t>style</a:t>
+                      </a:r>
+                      <a:endParaRPr lang="en-US" dirty="0"/>
+                    </a:p>
+                  </a:txBody>
+                  <a:tcPr/>
+                </a:tc>
+                <a:tc>
+                  <a:txBody>
+                    <a:bodyPr/>
+                    <a:lstStyle/>
+                    <a:p>
+                      <a:r>
+                        <a:rPr lang="en-US" dirty="0" smtClean="0"/>
+                        <a:t>use unassertive language</a:t>
+                      </a:r>
+                      <a:endParaRPr lang="en-US" dirty="0"/>
+                    </a:p>
+                  </a:txBody>
+                  <a:tcPr/>
+                </a:tc>
+                <a:tc>
+                  <a:txBody>
+                    <a:bodyPr/>
+                    <a:lstStyle/>
+                    <a:p>
+                      <a:pPr marL="0" marR="0" indent="0" algn="l" defTabSz="914400" rtl="0" eaLnBrk="1" fontAlgn="auto" latinLnBrk="0" hangingPunct="1">
+                        <a:lnSpc>
+                          <a:spcPct val="100000"/>
+                        </a:lnSpc>
+                        <a:spcBef>
+                          <a:spcPts val="0"/>
+                        </a:spcBef>
+                        <a:spcAft>
+                          <a:spcPts val="0"/>
+                        </a:spcAft>
+                        <a:buClrTx/>
+                        <a:buSzTx/>
+                        <a:buFontTx/>
+                        <a:buNone/>
+                        <a:tabLst/>
+                        <a:defRPr/>
+                      </a:pPr>
+                      <a:r>
+                        <a:rPr lang="en-US" altLang="zh-CN" dirty="0" smtClean="0"/>
+                        <a:t>Use</a:t>
+                      </a:r>
+                      <a:r>
+                        <a:rPr lang="zh-CN" altLang="en-US" dirty="0" smtClean="0"/>
+                        <a:t> </a:t>
+                      </a:r>
+                      <a:r>
+                        <a:rPr lang="en-US" dirty="0" smtClean="0"/>
+                        <a:t>questions &amp; suggestions</a:t>
+                      </a:r>
+                    </a:p>
+                    <a:p>
+                      <a:pPr marL="0" marR="0" indent="0" algn="l" defTabSz="914400" rtl="0" eaLnBrk="1" fontAlgn="auto" latinLnBrk="0" hangingPunct="1">
+                        <a:lnSpc>
+                          <a:spcPct val="100000"/>
+                        </a:lnSpc>
+                        <a:spcBef>
+                          <a:spcPts val="0"/>
+                        </a:spcBef>
+                        <a:spcAft>
+                          <a:spcPts val="0"/>
+                        </a:spcAft>
+                        <a:buClrTx/>
+                        <a:buSzTx/>
+                        <a:buFontTx/>
+                        <a:buNone/>
+                        <a:tabLst/>
+                        <a:defRPr/>
+                      </a:pPr>
+                      <a:endParaRPr lang="en-US" dirty="0" smtClean="0"/>
+                    </a:p>
+                  </a:txBody>
+                  <a:tcPr/>
+                </a:tc>
+              </a:tr>
+            </a:tbl>
+          </a:graphicData>
+        </a:graphic>
+      </p:graphicFrame>
     </p:spTree>
     <p:extLst>
       <p:ext uri="{BB962C8B-B14F-4D97-AF65-F5344CB8AC3E}">
-        <p14:creationId xmlns:p14="http://schemas.microsoft.com/office/powerpoint/2010/main" val="1723316434"/>
+        <p14:creationId xmlns:p14="http://schemas.microsoft.com/office/powerpoint/2010/main" val="2013438823"/>
       </p:ext>
     </p:extLst>
   </p:cSld>
@@ -4927,7 +6539,7 @@
           <a:p>
             <a:r>
               <a:rPr lang="en-US" dirty="0" smtClean="0"/>
-              <a:t>Manipulation check</a:t>
+              <a:t>Orientation - greetings</a:t>
             </a:r>
             <a:endParaRPr lang="en-US" dirty="0"/>
           </a:p>
@@ -4945,402 +6557,116 @@
         </p:nvSpPr>
         <p:spPr/>
         <p:txBody>
-          <a:bodyPr/>
-          <a:lstStyle/>
-          <a:p>
-            <a:r>
-              <a:rPr lang="en-US" dirty="0" smtClean="0"/>
-              <a:t>Now you have worked with your </a:t>
-            </a:r>
-            <a:r>
-              <a:rPr lang="en-US" dirty="0" err="1" smtClean="0"/>
-              <a:t>robo</a:t>
-            </a:r>
-            <a:r>
-              <a:rPr lang="en-US" dirty="0" smtClean="0"/>
-              <a:t>-advisor _</a:t>
-            </a:r>
-            <a:r>
-              <a:rPr lang="en-US" dirty="0" err="1" smtClean="0"/>
-              <a:t>robo.name</a:t>
-            </a:r>
-            <a:r>
-              <a:rPr lang="en-US" dirty="0" smtClean="0"/>
-              <a:t>_ for a while, how do you think of its performance so far</a:t>
-            </a:r>
-            <a:r>
-              <a:rPr lang="en-US" dirty="0"/>
-              <a:t>? </a:t>
-            </a:r>
-            <a:r>
-              <a:rPr lang="en-US" dirty="0" smtClean="0"/>
-              <a:t>Please use the following slider to indicate your answer (0 </a:t>
-            </a:r>
-            <a:r>
-              <a:rPr lang="en-US" dirty="0"/>
-              <a:t>= </a:t>
-            </a:r>
-            <a:r>
-              <a:rPr lang="en-US" dirty="0" smtClean="0"/>
-              <a:t>poor, </a:t>
-            </a:r>
-            <a:r>
-              <a:rPr lang="en-US" dirty="0"/>
-              <a:t>10 = </a:t>
-            </a:r>
-            <a:r>
-              <a:rPr lang="en-US" dirty="0" smtClean="0"/>
-              <a:t>excellent).</a:t>
-            </a:r>
-          </a:p>
-          <a:p>
-            <a:endParaRPr lang="en-US" dirty="0"/>
-          </a:p>
-          <a:p>
-            <a:endParaRPr lang="en-US" dirty="0"/>
-          </a:p>
-        </p:txBody>
-      </p:sp>
-      <p:grpSp>
-        <p:nvGrpSpPr>
-          <p:cNvPr id="20" name="Group 19"/>
-          <p:cNvGrpSpPr/>
-          <p:nvPr/>
-        </p:nvGrpSpPr>
-        <p:grpSpPr>
-          <a:xfrm>
-            <a:off x="1943097" y="3477986"/>
-            <a:ext cx="7696203" cy="966900"/>
-            <a:chOff x="1943097" y="3477986"/>
-            <a:chExt cx="7696203" cy="966900"/>
-          </a:xfrm>
-        </p:grpSpPr>
-        <p:sp>
-          <p:nvSpPr>
-            <p:cNvPr id="4" name="Rounded Rectangle 3"/>
-            <p:cNvSpPr/>
-            <p:nvPr/>
-          </p:nvSpPr>
-          <p:spPr>
-            <a:xfrm>
-              <a:off x="1943097" y="3477986"/>
-              <a:ext cx="2563586" cy="473528"/>
-            </a:xfrm>
-            <a:prstGeom prst="roundRect">
-              <a:avLst/>
-            </a:prstGeom>
-            <a:solidFill>
-              <a:srgbClr val="C00000"/>
-            </a:solidFill>
-          </p:spPr>
-          <p:style>
-            <a:lnRef idx="2">
-              <a:schemeClr val="accent1">
-                <a:shade val="50000"/>
-              </a:schemeClr>
-            </a:lnRef>
-            <a:fillRef idx="1">
-              <a:schemeClr val="accent1"/>
-            </a:fillRef>
-            <a:effectRef idx="0">
-              <a:schemeClr val="accent1"/>
-            </a:effectRef>
-            <a:fontRef idx="minor">
-              <a:schemeClr val="lt1"/>
-            </a:fontRef>
-          </p:style>
-          <p:txBody>
-            <a:bodyPr rtlCol="0" anchor="ctr"/>
-            <a:lstStyle/>
-            <a:p>
-              <a:pPr algn="ctr"/>
-              <a:r>
-                <a:rPr lang="en-US" b="1" dirty="0" smtClean="0">
-                  <a:solidFill>
-                    <a:schemeClr val="tx1"/>
-                  </a:solidFill>
-                </a:rPr>
-                <a:t>Poor ~ Average</a:t>
-              </a:r>
-              <a:endParaRPr lang="en-US" b="1" dirty="0">
-                <a:solidFill>
-                  <a:schemeClr val="tx1"/>
-                </a:solidFill>
-              </a:endParaRPr>
-            </a:p>
-          </p:txBody>
-        </p:sp>
-        <p:sp>
-          <p:nvSpPr>
-            <p:cNvPr id="5" name="Rounded Rectangle 4"/>
-            <p:cNvSpPr/>
-            <p:nvPr/>
-          </p:nvSpPr>
-          <p:spPr>
-            <a:xfrm>
-              <a:off x="4512128" y="3477986"/>
-              <a:ext cx="2563586" cy="473528"/>
-            </a:xfrm>
-            <a:prstGeom prst="roundRect">
-              <a:avLst/>
-            </a:prstGeom>
-            <a:solidFill>
-              <a:schemeClr val="accent4">
-                <a:lumMod val="60000"/>
-                <a:lumOff val="40000"/>
-              </a:schemeClr>
-            </a:solidFill>
-          </p:spPr>
-          <p:style>
-            <a:lnRef idx="2">
-              <a:schemeClr val="accent1">
-                <a:shade val="50000"/>
-              </a:schemeClr>
-            </a:lnRef>
-            <a:fillRef idx="1">
-              <a:schemeClr val="accent1"/>
-            </a:fillRef>
-            <a:effectRef idx="0">
-              <a:schemeClr val="accent1"/>
-            </a:effectRef>
-            <a:fontRef idx="minor">
-              <a:schemeClr val="lt1"/>
-            </a:fontRef>
-          </p:style>
-          <p:txBody>
-            <a:bodyPr rtlCol="0" anchor="ctr"/>
-            <a:lstStyle/>
-            <a:p>
-              <a:pPr algn="ctr"/>
-              <a:r>
-                <a:rPr lang="en-US" b="1" dirty="0" err="1" smtClean="0">
-                  <a:solidFill>
-                    <a:schemeClr val="tx1"/>
-                  </a:solidFill>
-                </a:rPr>
-                <a:t>Average~Good</a:t>
-              </a:r>
-              <a:endParaRPr lang="en-US" b="1" dirty="0">
-                <a:solidFill>
-                  <a:schemeClr val="tx1"/>
-                </a:solidFill>
-              </a:endParaRPr>
-            </a:p>
-          </p:txBody>
-        </p:sp>
-        <p:sp>
-          <p:nvSpPr>
-            <p:cNvPr id="6" name="Rounded Rectangle 5"/>
-            <p:cNvSpPr/>
-            <p:nvPr/>
-          </p:nvSpPr>
-          <p:spPr>
-            <a:xfrm>
-              <a:off x="7075714" y="3477986"/>
-              <a:ext cx="2563586" cy="473528"/>
-            </a:xfrm>
-            <a:prstGeom prst="roundRect">
-              <a:avLst/>
-            </a:prstGeom>
-            <a:solidFill>
-              <a:schemeClr val="accent6">
-                <a:lumMod val="75000"/>
-              </a:schemeClr>
-            </a:solidFill>
-          </p:spPr>
-          <p:style>
-            <a:lnRef idx="2">
-              <a:schemeClr val="accent1">
-                <a:shade val="50000"/>
-              </a:schemeClr>
-            </a:lnRef>
-            <a:fillRef idx="1">
-              <a:schemeClr val="accent1"/>
-            </a:fillRef>
-            <a:effectRef idx="0">
-              <a:schemeClr val="accent1"/>
-            </a:effectRef>
-            <a:fontRef idx="minor">
-              <a:schemeClr val="lt1"/>
-            </a:fontRef>
-          </p:style>
-          <p:txBody>
-            <a:bodyPr rtlCol="0" anchor="ctr"/>
-            <a:lstStyle/>
-            <a:p>
-              <a:pPr algn="ctr"/>
-              <a:r>
-                <a:rPr lang="en-US" b="1" dirty="0" err="1" smtClean="0">
-                  <a:solidFill>
-                    <a:schemeClr val="tx1"/>
-                  </a:solidFill>
-                </a:rPr>
-                <a:t>Good~Excellent</a:t>
-              </a:r>
-              <a:endParaRPr lang="en-US" b="1" dirty="0">
-                <a:solidFill>
-                  <a:schemeClr val="tx1"/>
-                </a:solidFill>
-              </a:endParaRPr>
-            </a:p>
-          </p:txBody>
-        </p:sp>
-        <p:grpSp>
-          <p:nvGrpSpPr>
-            <p:cNvPr id="17" name="Group 16"/>
-            <p:cNvGrpSpPr/>
-            <p:nvPr/>
-          </p:nvGrpSpPr>
-          <p:grpSpPr>
-            <a:xfrm>
-              <a:off x="1943097" y="4086451"/>
-              <a:ext cx="7696203" cy="358435"/>
-              <a:chOff x="1943097" y="4458097"/>
-              <a:chExt cx="7696203" cy="358435"/>
-            </a:xfrm>
-          </p:grpSpPr>
-          <p:cxnSp>
-            <p:nvCxnSpPr>
-              <p:cNvPr id="10" name="Straight Connector 9"/>
-              <p:cNvCxnSpPr/>
-              <p:nvPr/>
-            </p:nvCxnSpPr>
-            <p:spPr>
-              <a:xfrm>
-                <a:off x="5259579" y="4458097"/>
-                <a:ext cx="0" cy="358435"/>
-              </a:xfrm>
-              <a:prstGeom prst="line">
-                <a:avLst/>
-              </a:prstGeom>
-              <a:ln w="50800">
-                <a:solidFill>
-                  <a:schemeClr val="accent1">
-                    <a:lumMod val="60000"/>
-                    <a:lumOff val="40000"/>
-                    <a:alpha val="70000"/>
-                  </a:schemeClr>
-                </a:solidFill>
-              </a:ln>
-            </p:spPr>
-            <p:style>
-              <a:lnRef idx="3">
-                <a:schemeClr val="dk1"/>
-              </a:lnRef>
-              <a:fillRef idx="0">
-                <a:schemeClr val="dk1"/>
-              </a:fillRef>
-              <a:effectRef idx="2">
-                <a:schemeClr val="dk1"/>
-              </a:effectRef>
-              <a:fontRef idx="minor">
-                <a:schemeClr val="tx1"/>
-              </a:fontRef>
-            </p:style>
-          </p:cxnSp>
-          <p:cxnSp>
-            <p:nvCxnSpPr>
-              <p:cNvPr id="15" name="Straight Arrow Connector 14"/>
-              <p:cNvCxnSpPr/>
-              <p:nvPr/>
-            </p:nvCxnSpPr>
-            <p:spPr>
-              <a:xfrm>
-                <a:off x="1943097" y="4637314"/>
-                <a:ext cx="7696203" cy="32658"/>
-              </a:xfrm>
-              <a:prstGeom prst="straightConnector1">
-                <a:avLst/>
-              </a:prstGeom>
-              <a:ln w="63500">
-                <a:solidFill>
-                  <a:schemeClr val="tx1"/>
-                </a:solidFill>
-                <a:headEnd type="triangle"/>
-                <a:tailEnd type="triangle"/>
-              </a:ln>
-            </p:spPr>
-            <p:style>
-              <a:lnRef idx="1">
-                <a:schemeClr val="accent1"/>
-              </a:lnRef>
-              <a:fillRef idx="0">
-                <a:schemeClr val="accent1"/>
-              </a:fillRef>
-              <a:effectRef idx="0">
-                <a:schemeClr val="accent1"/>
-              </a:effectRef>
-              <a:fontRef idx="minor">
-                <a:schemeClr val="tx1"/>
-              </a:fontRef>
-            </p:style>
-          </p:cxnSp>
-        </p:grpSp>
-      </p:grpSp>
-      <p:sp>
-        <p:nvSpPr>
-          <p:cNvPr id="18" name="TextBox 17"/>
-          <p:cNvSpPr txBox="1"/>
-          <p:nvPr/>
-        </p:nvSpPr>
-        <p:spPr>
-          <a:xfrm>
-            <a:off x="1551208" y="4099705"/>
-            <a:ext cx="391889" cy="461665"/>
-          </a:xfrm>
-          <a:prstGeom prst="rect">
-            <a:avLst/>
-          </a:prstGeom>
-          <a:noFill/>
-        </p:spPr>
-        <p:txBody>
-          <a:bodyPr wrap="square" rtlCol="0">
-            <a:spAutoFit/>
+          <a:bodyPr>
+            <a:normAutofit fontScale="92500" lnSpcReduction="10000"/>
           </a:bodyPr>
           <a:lstStyle/>
           <a:p>
             <a:r>
-              <a:rPr lang="en-US" sz="2400" b="1" smtClean="0"/>
-              <a:t>0</a:t>
-            </a:r>
-            <a:endParaRPr lang="en-US" sz="2400" b="1"/>
-          </a:p>
-        </p:txBody>
-      </p:sp>
-      <p:sp>
-        <p:nvSpPr>
-          <p:cNvPr id="19" name="TextBox 18"/>
-          <p:cNvSpPr txBox="1"/>
-          <p:nvPr/>
-        </p:nvSpPr>
-        <p:spPr>
-          <a:xfrm>
-            <a:off x="9680959" y="4067493"/>
-            <a:ext cx="508070" cy="461665"/>
-          </a:xfrm>
-          <a:prstGeom prst="rect">
-            <a:avLst/>
-          </a:prstGeom>
-          <a:noFill/>
-        </p:spPr>
-        <p:txBody>
-          <a:bodyPr wrap="square" rtlCol="0">
-            <a:spAutoFit/>
-          </a:bodyPr>
-          <a:lstStyle/>
-          <a:p>
-            <a:r>
-              <a:rPr lang="en-US" sz="2400" b="1" smtClean="0"/>
-              <a:t>10</a:t>
-            </a:r>
-            <a:endParaRPr lang="en-US" sz="2400" b="1"/>
+              <a:rPr lang="en-US" dirty="0" smtClean="0"/>
+              <a:t>Greetings: </a:t>
+            </a:r>
+          </a:p>
+          <a:p>
+            <a:pPr lvl="1"/>
+            <a:r>
+              <a:rPr lang="en-US" dirty="0" err="1" smtClean="0"/>
+              <a:t>Robo</a:t>
+            </a:r>
+            <a:r>
+              <a:rPr lang="en-US" dirty="0" smtClean="0"/>
+              <a:t>: Hi, my name is Tom and I help people manage their portfolio. How are you doing today?</a:t>
+            </a:r>
+          </a:p>
+          <a:p>
+            <a:pPr lvl="1"/>
+            <a:r>
+              <a:rPr lang="en-US" dirty="0" smtClean="0"/>
+              <a:t>User: I’m feeling good [for </a:t>
+            </a:r>
+            <a:r>
+              <a:rPr lang="en-US" dirty="0" err="1" smtClean="0"/>
+              <a:t>wanlu</a:t>
+            </a:r>
+            <a:r>
+              <a:rPr lang="en-US" dirty="0" smtClean="0"/>
+              <a:t>: two options]</a:t>
+            </a:r>
+          </a:p>
+          <a:p>
+            <a:pPr lvl="1"/>
+            <a:endParaRPr lang="en-US" dirty="0"/>
+          </a:p>
+          <a:p>
+            <a:pPr lvl="1"/>
+            <a:r>
+              <a:rPr lang="en-US" dirty="0" err="1" smtClean="0"/>
+              <a:t>Robo</a:t>
+            </a:r>
+            <a:r>
+              <a:rPr lang="en-US" dirty="0" smtClean="0"/>
+              <a:t>: May I get to know a little more about you? (see example in the next page)</a:t>
+            </a:r>
+          </a:p>
+          <a:p>
+            <a:pPr lvl="1"/>
+            <a:r>
+              <a:rPr lang="en-US" dirty="0" smtClean="0"/>
+              <a:t>User: My name is ___(for </a:t>
+            </a:r>
+            <a:r>
+              <a:rPr lang="en-US" dirty="0" err="1" smtClean="0"/>
+              <a:t>wanlu</a:t>
+            </a:r>
+            <a:r>
+              <a:rPr lang="en-US" dirty="0" smtClean="0"/>
+              <a:t>, fill in the blanks), I’m ___ (for </a:t>
+            </a:r>
+            <a:r>
+              <a:rPr lang="en-US" dirty="0" err="1" smtClean="0"/>
+              <a:t>wanlu</a:t>
+            </a:r>
+            <a:r>
+              <a:rPr lang="en-US" dirty="0" smtClean="0"/>
+              <a:t>: gender options here). I’m ___ (marital status), and have ___children (number of children). My annual income is about ___(income range options), and my expectation for you is ___ (options of annualized return: 5%, 10%, 15%).</a:t>
+            </a:r>
+          </a:p>
+          <a:p>
+            <a:pPr lvl="1"/>
+            <a:endParaRPr lang="en-US" dirty="0"/>
+          </a:p>
+          <a:p>
+            <a:pPr lvl="1"/>
+            <a:r>
+              <a:rPr lang="en-US" dirty="0" err="1" smtClean="0"/>
+              <a:t>Robo</a:t>
+            </a:r>
+            <a:r>
+              <a:rPr lang="en-US" dirty="0" smtClean="0"/>
+              <a:t>: Thank you very much! Now I’ll work out a wealth management plan for you</a:t>
+            </a:r>
+          </a:p>
+          <a:p>
+            <a:pPr lvl="1"/>
+            <a:r>
+              <a:rPr lang="en-US" dirty="0" smtClean="0"/>
+              <a:t>User: I’m ready to proceed</a:t>
+            </a:r>
+            <a:endParaRPr lang="en-US" dirty="0"/>
+          </a:p>
+          <a:p>
+            <a:endParaRPr lang="en-US" dirty="0" smtClean="0"/>
+          </a:p>
+          <a:p>
+            <a:pPr lvl="1"/>
+            <a:endParaRPr lang="en-US" dirty="0"/>
           </a:p>
         </p:txBody>
       </p:sp>
     </p:spTree>
     <p:extLst>
       <p:ext uri="{BB962C8B-B14F-4D97-AF65-F5344CB8AC3E}">
-        <p14:creationId xmlns:p14="http://schemas.microsoft.com/office/powerpoint/2010/main" val="1475293262"/>
+        <p14:creationId xmlns:p14="http://schemas.microsoft.com/office/powerpoint/2010/main" val="1389124653"/>
       </p:ext>
     </p:extLst>
   </p:cSld>
@@ -5382,666 +6708,40 @@
           <a:bodyPr/>
           <a:lstStyle/>
           <a:p>
-            <a:r>
-              <a:rPr lang="en-US" dirty="0" smtClean="0"/>
-              <a:t>Overall check</a:t>
-            </a:r>
             <a:endParaRPr lang="en-US" dirty="0"/>
           </a:p>
         </p:txBody>
       </p:sp>
-      <p:sp>
-        <p:nvSpPr>
-          <p:cNvPr id="3" name="Content Placeholder 2"/>
-          <p:cNvSpPr>
-            <a:spLocks noGrp="1"/>
-          </p:cNvSpPr>
+      <p:pic>
+        <p:nvPicPr>
+          <p:cNvPr id="4" name="Content Placeholder 3"/>
+          <p:cNvPicPr>
+            <a:picLocks noGrp="1" noChangeAspect="1"/>
+          </p:cNvPicPr>
           <p:nvPr>
             <p:ph idx="1"/>
           </p:nvPr>
-        </p:nvSpPr>
-        <p:spPr/>
-        <p:txBody>
-          <a:bodyPr>
-            <a:normAutofit lnSpcReduction="10000"/>
-          </a:bodyPr>
-          <a:lstStyle/>
-          <a:p>
-            <a:r>
-              <a:rPr lang="en-US" dirty="0" smtClean="0"/>
-              <a:t>1. You have worked with your </a:t>
-            </a:r>
-            <a:r>
-              <a:rPr lang="en-US" dirty="0" err="1" smtClean="0"/>
-              <a:t>robo</a:t>
-            </a:r>
-            <a:r>
-              <a:rPr lang="en-US" dirty="0" smtClean="0"/>
-              <a:t>-advisor _</a:t>
-            </a:r>
-            <a:r>
-              <a:rPr lang="en-US" dirty="0" err="1" smtClean="0"/>
-              <a:t>robo.name</a:t>
-            </a:r>
-            <a:r>
-              <a:rPr lang="en-US" dirty="0" smtClean="0"/>
-              <a:t>_ for another round, now do you think of its performance differently? Please update us with your current opinion using the following slider to indicate your answer (0 </a:t>
-            </a:r>
-            <a:r>
-              <a:rPr lang="en-US" dirty="0"/>
-              <a:t>= </a:t>
-            </a:r>
-            <a:r>
-              <a:rPr lang="en-US" dirty="0" smtClean="0"/>
-              <a:t>poor, </a:t>
-            </a:r>
-            <a:r>
-              <a:rPr lang="en-US" dirty="0"/>
-              <a:t>10 = </a:t>
-            </a:r>
-            <a:r>
-              <a:rPr lang="en-US" dirty="0" smtClean="0"/>
-              <a:t>excellent).</a:t>
-            </a:r>
-          </a:p>
-          <a:p>
-            <a:endParaRPr lang="en-US" dirty="0" smtClean="0"/>
-          </a:p>
-          <a:p>
-            <a:endParaRPr lang="en-US" dirty="0"/>
-          </a:p>
-          <a:p>
-            <a:endParaRPr lang="en-US" dirty="0" smtClean="0"/>
-          </a:p>
-          <a:p>
-            <a:r>
-              <a:rPr lang="en-US" dirty="0" smtClean="0"/>
-              <a:t>2. If we were to officially launch the </a:t>
-            </a:r>
-            <a:r>
-              <a:rPr lang="en-US" dirty="0" err="1" smtClean="0"/>
-              <a:t>robo</a:t>
-            </a:r>
-            <a:r>
-              <a:rPr lang="en-US" dirty="0" smtClean="0"/>
-              <a:t>-advisor </a:t>
-            </a:r>
-            <a:r>
-              <a:rPr lang="en-US" dirty="0"/>
-              <a:t>_</a:t>
-            </a:r>
-            <a:r>
-              <a:rPr lang="en-US" dirty="0" err="1"/>
-              <a:t>robo.name</a:t>
-            </a:r>
-            <a:r>
-              <a:rPr lang="en-US" dirty="0" smtClean="0"/>
-              <a:t>_, would </a:t>
-            </a:r>
-            <a:r>
-              <a:rPr lang="en-US" dirty="0"/>
-              <a:t>you like </a:t>
-            </a:r>
-            <a:r>
-              <a:rPr lang="en-US" dirty="0" smtClean="0"/>
-              <a:t>to use it for wealth management? (0 = not likely, 10 = very likely)</a:t>
-            </a:r>
-          </a:p>
-          <a:p>
-            <a:pPr lvl="1"/>
-            <a:endParaRPr lang="en-US" dirty="0"/>
-          </a:p>
-        </p:txBody>
-      </p:sp>
-      <p:sp>
-        <p:nvSpPr>
-          <p:cNvPr id="18" name="TextBox 17"/>
-          <p:cNvSpPr txBox="1"/>
-          <p:nvPr/>
-        </p:nvSpPr>
+        </p:nvPicPr>
+        <p:blipFill>
+          <a:blip r:embed="rId2"/>
+          <a:stretch>
+            <a:fillRect/>
+          </a:stretch>
+        </p:blipFill>
         <p:spPr>
           <a:xfrm>
-            <a:off x="1551208" y="4099705"/>
-            <a:ext cx="391889" cy="461665"/>
+            <a:off x="2580606" y="1825625"/>
+            <a:ext cx="7030787" cy="4351338"/>
           </a:xfrm>
           <a:prstGeom prst="rect">
             <a:avLst/>
           </a:prstGeom>
-          <a:noFill/>
         </p:spPr>
-        <p:txBody>
-          <a:bodyPr wrap="square" rtlCol="0">
-            <a:spAutoFit/>
-          </a:bodyPr>
-          <a:lstStyle/>
-          <a:p>
-            <a:r>
-              <a:rPr lang="en-US" sz="2400" b="1" smtClean="0"/>
-              <a:t>0</a:t>
-            </a:r>
-            <a:endParaRPr lang="en-US" sz="2400" b="1"/>
-          </a:p>
-        </p:txBody>
-      </p:sp>
-      <p:sp>
-        <p:nvSpPr>
-          <p:cNvPr id="19" name="TextBox 18"/>
-          <p:cNvSpPr txBox="1"/>
-          <p:nvPr/>
-        </p:nvSpPr>
-        <p:spPr>
-          <a:xfrm>
-            <a:off x="9680959" y="4067493"/>
-            <a:ext cx="508070" cy="461665"/>
-          </a:xfrm>
-          <a:prstGeom prst="rect">
-            <a:avLst/>
-          </a:prstGeom>
-          <a:noFill/>
-        </p:spPr>
-        <p:txBody>
-          <a:bodyPr wrap="square" rtlCol="0">
-            <a:spAutoFit/>
-          </a:bodyPr>
-          <a:lstStyle/>
-          <a:p>
-            <a:r>
-              <a:rPr lang="en-US" sz="2400" b="1" dirty="0" smtClean="0"/>
-              <a:t>10</a:t>
-            </a:r>
-            <a:endParaRPr lang="en-US" sz="2400" b="1" dirty="0"/>
-          </a:p>
-        </p:txBody>
-      </p:sp>
-      <p:grpSp>
-        <p:nvGrpSpPr>
-          <p:cNvPr id="12" name="Group 11"/>
-          <p:cNvGrpSpPr/>
-          <p:nvPr/>
-        </p:nvGrpSpPr>
-        <p:grpSpPr>
-          <a:xfrm>
-            <a:off x="1943097" y="3477986"/>
-            <a:ext cx="7696203" cy="966900"/>
-            <a:chOff x="1943097" y="3477986"/>
-            <a:chExt cx="7696203" cy="966900"/>
-          </a:xfrm>
-        </p:grpSpPr>
-        <p:sp>
-          <p:nvSpPr>
-            <p:cNvPr id="13" name="Rounded Rectangle 12"/>
-            <p:cNvSpPr/>
-            <p:nvPr/>
-          </p:nvSpPr>
-          <p:spPr>
-            <a:xfrm>
-              <a:off x="1943097" y="3477986"/>
-              <a:ext cx="2563586" cy="473528"/>
-            </a:xfrm>
-            <a:prstGeom prst="roundRect">
-              <a:avLst/>
-            </a:prstGeom>
-            <a:solidFill>
-              <a:srgbClr val="C00000"/>
-            </a:solidFill>
-          </p:spPr>
-          <p:style>
-            <a:lnRef idx="2">
-              <a:schemeClr val="accent1">
-                <a:shade val="50000"/>
-              </a:schemeClr>
-            </a:lnRef>
-            <a:fillRef idx="1">
-              <a:schemeClr val="accent1"/>
-            </a:fillRef>
-            <a:effectRef idx="0">
-              <a:schemeClr val="accent1"/>
-            </a:effectRef>
-            <a:fontRef idx="minor">
-              <a:schemeClr val="lt1"/>
-            </a:fontRef>
-          </p:style>
-          <p:txBody>
-            <a:bodyPr rtlCol="0" anchor="ctr"/>
-            <a:lstStyle/>
-            <a:p>
-              <a:pPr algn="ctr"/>
-              <a:r>
-                <a:rPr lang="en-US" b="1" dirty="0" smtClean="0">
-                  <a:solidFill>
-                    <a:schemeClr val="tx1"/>
-                  </a:solidFill>
-                </a:rPr>
-                <a:t>Poor ~ Average</a:t>
-              </a:r>
-              <a:endParaRPr lang="en-US" b="1" dirty="0">
-                <a:solidFill>
-                  <a:schemeClr val="tx1"/>
-                </a:solidFill>
-              </a:endParaRPr>
-            </a:p>
-          </p:txBody>
-        </p:sp>
-        <p:sp>
-          <p:nvSpPr>
-            <p:cNvPr id="14" name="Rounded Rectangle 13"/>
-            <p:cNvSpPr/>
-            <p:nvPr/>
-          </p:nvSpPr>
-          <p:spPr>
-            <a:xfrm>
-              <a:off x="4512128" y="3477986"/>
-              <a:ext cx="2563586" cy="473528"/>
-            </a:xfrm>
-            <a:prstGeom prst="roundRect">
-              <a:avLst/>
-            </a:prstGeom>
-            <a:solidFill>
-              <a:schemeClr val="accent4">
-                <a:lumMod val="60000"/>
-                <a:lumOff val="40000"/>
-              </a:schemeClr>
-            </a:solidFill>
-          </p:spPr>
-          <p:style>
-            <a:lnRef idx="2">
-              <a:schemeClr val="accent1">
-                <a:shade val="50000"/>
-              </a:schemeClr>
-            </a:lnRef>
-            <a:fillRef idx="1">
-              <a:schemeClr val="accent1"/>
-            </a:fillRef>
-            <a:effectRef idx="0">
-              <a:schemeClr val="accent1"/>
-            </a:effectRef>
-            <a:fontRef idx="minor">
-              <a:schemeClr val="lt1"/>
-            </a:fontRef>
-          </p:style>
-          <p:txBody>
-            <a:bodyPr rtlCol="0" anchor="ctr"/>
-            <a:lstStyle/>
-            <a:p>
-              <a:pPr algn="ctr"/>
-              <a:r>
-                <a:rPr lang="en-US" b="1" dirty="0" err="1" smtClean="0">
-                  <a:solidFill>
-                    <a:schemeClr val="tx1"/>
-                  </a:solidFill>
-                </a:rPr>
-                <a:t>Average~Good</a:t>
-              </a:r>
-              <a:endParaRPr lang="en-US" b="1" dirty="0">
-                <a:solidFill>
-                  <a:schemeClr val="tx1"/>
-                </a:solidFill>
-              </a:endParaRPr>
-            </a:p>
-          </p:txBody>
-        </p:sp>
-        <p:sp>
-          <p:nvSpPr>
-            <p:cNvPr id="16" name="Rounded Rectangle 15"/>
-            <p:cNvSpPr/>
-            <p:nvPr/>
-          </p:nvSpPr>
-          <p:spPr>
-            <a:xfrm>
-              <a:off x="7075714" y="3477986"/>
-              <a:ext cx="2563586" cy="473528"/>
-            </a:xfrm>
-            <a:prstGeom prst="roundRect">
-              <a:avLst/>
-            </a:prstGeom>
-            <a:solidFill>
-              <a:schemeClr val="accent6">
-                <a:lumMod val="75000"/>
-              </a:schemeClr>
-            </a:solidFill>
-          </p:spPr>
-          <p:style>
-            <a:lnRef idx="2">
-              <a:schemeClr val="accent1">
-                <a:shade val="50000"/>
-              </a:schemeClr>
-            </a:lnRef>
-            <a:fillRef idx="1">
-              <a:schemeClr val="accent1"/>
-            </a:fillRef>
-            <a:effectRef idx="0">
-              <a:schemeClr val="accent1"/>
-            </a:effectRef>
-            <a:fontRef idx="minor">
-              <a:schemeClr val="lt1"/>
-            </a:fontRef>
-          </p:style>
-          <p:txBody>
-            <a:bodyPr rtlCol="0" anchor="ctr"/>
-            <a:lstStyle/>
-            <a:p>
-              <a:pPr algn="ctr"/>
-              <a:r>
-                <a:rPr lang="en-US" b="1" dirty="0" err="1" smtClean="0">
-                  <a:solidFill>
-                    <a:schemeClr val="tx1"/>
-                  </a:solidFill>
-                </a:rPr>
-                <a:t>Good~Excellent</a:t>
-              </a:r>
-              <a:endParaRPr lang="en-US" b="1" dirty="0">
-                <a:solidFill>
-                  <a:schemeClr val="tx1"/>
-                </a:solidFill>
-              </a:endParaRPr>
-            </a:p>
-          </p:txBody>
-        </p:sp>
-        <p:grpSp>
-          <p:nvGrpSpPr>
-            <p:cNvPr id="20" name="Group 19"/>
-            <p:cNvGrpSpPr/>
-            <p:nvPr/>
-          </p:nvGrpSpPr>
-          <p:grpSpPr>
-            <a:xfrm>
-              <a:off x="1943097" y="4086451"/>
-              <a:ext cx="7696203" cy="358435"/>
-              <a:chOff x="1943097" y="4458097"/>
-              <a:chExt cx="7696203" cy="358435"/>
-            </a:xfrm>
-          </p:grpSpPr>
-          <p:cxnSp>
-            <p:nvCxnSpPr>
-              <p:cNvPr id="21" name="Straight Connector 20"/>
-              <p:cNvCxnSpPr/>
-              <p:nvPr/>
-            </p:nvCxnSpPr>
-            <p:spPr>
-              <a:xfrm>
-                <a:off x="5259579" y="4458097"/>
-                <a:ext cx="0" cy="358435"/>
-              </a:xfrm>
-              <a:prstGeom prst="line">
-                <a:avLst/>
-              </a:prstGeom>
-              <a:ln w="50800">
-                <a:solidFill>
-                  <a:schemeClr val="accent1">
-                    <a:lumMod val="60000"/>
-                    <a:lumOff val="40000"/>
-                    <a:alpha val="70000"/>
-                  </a:schemeClr>
-                </a:solidFill>
-              </a:ln>
-            </p:spPr>
-            <p:style>
-              <a:lnRef idx="3">
-                <a:schemeClr val="dk1"/>
-              </a:lnRef>
-              <a:fillRef idx="0">
-                <a:schemeClr val="dk1"/>
-              </a:fillRef>
-              <a:effectRef idx="2">
-                <a:schemeClr val="dk1"/>
-              </a:effectRef>
-              <a:fontRef idx="minor">
-                <a:schemeClr val="tx1"/>
-              </a:fontRef>
-            </p:style>
-          </p:cxnSp>
-          <p:cxnSp>
-            <p:nvCxnSpPr>
-              <p:cNvPr id="22" name="Straight Arrow Connector 21"/>
-              <p:cNvCxnSpPr/>
-              <p:nvPr/>
-            </p:nvCxnSpPr>
-            <p:spPr>
-              <a:xfrm>
-                <a:off x="1943097" y="4637314"/>
-                <a:ext cx="7696203" cy="32658"/>
-              </a:xfrm>
-              <a:prstGeom prst="straightConnector1">
-                <a:avLst/>
-              </a:prstGeom>
-              <a:ln w="63500">
-                <a:solidFill>
-                  <a:schemeClr val="tx1"/>
-                </a:solidFill>
-                <a:headEnd type="triangle"/>
-                <a:tailEnd type="triangle"/>
-              </a:ln>
-            </p:spPr>
-            <p:style>
-              <a:lnRef idx="1">
-                <a:schemeClr val="accent1"/>
-              </a:lnRef>
-              <a:fillRef idx="0">
-                <a:schemeClr val="accent1"/>
-              </a:fillRef>
-              <a:effectRef idx="0">
-                <a:schemeClr val="accent1"/>
-              </a:effectRef>
-              <a:fontRef idx="minor">
-                <a:schemeClr val="tx1"/>
-              </a:fontRef>
-            </p:style>
-          </p:cxnSp>
-        </p:grpSp>
-      </p:grpSp>
-      <p:sp>
-        <p:nvSpPr>
-          <p:cNvPr id="23" name="Rounded Rectangle 22"/>
-          <p:cNvSpPr/>
-          <p:nvPr/>
-        </p:nvSpPr>
-        <p:spPr>
-          <a:xfrm>
-            <a:off x="1943097" y="5940199"/>
-            <a:ext cx="2563586" cy="473528"/>
-          </a:xfrm>
-          <a:prstGeom prst="roundRect">
-            <a:avLst/>
-          </a:prstGeom>
-          <a:solidFill>
-            <a:srgbClr val="C00000"/>
-          </a:solidFill>
-        </p:spPr>
-        <p:style>
-          <a:lnRef idx="2">
-            <a:schemeClr val="accent1">
-              <a:shade val="50000"/>
-            </a:schemeClr>
-          </a:lnRef>
-          <a:fillRef idx="1">
-            <a:schemeClr val="accent1"/>
-          </a:fillRef>
-          <a:effectRef idx="0">
-            <a:schemeClr val="accent1"/>
-          </a:effectRef>
-          <a:fontRef idx="minor">
-            <a:schemeClr val="lt1"/>
-          </a:fontRef>
-        </p:style>
-        <p:txBody>
-          <a:bodyPr rtlCol="0" anchor="ctr"/>
-          <a:lstStyle/>
-          <a:p>
-            <a:pPr algn="ctr"/>
-            <a:r>
-              <a:rPr lang="en-US" b="1" dirty="0" smtClean="0">
-                <a:solidFill>
-                  <a:schemeClr val="tx1"/>
-                </a:solidFill>
-              </a:rPr>
-              <a:t>Negative</a:t>
-            </a:r>
-            <a:endParaRPr lang="en-US" b="1" dirty="0">
-              <a:solidFill>
-                <a:schemeClr val="tx1"/>
-              </a:solidFill>
-            </a:endParaRPr>
-          </a:p>
-        </p:txBody>
-      </p:sp>
-      <p:sp>
-        <p:nvSpPr>
-          <p:cNvPr id="24" name="Rounded Rectangle 23"/>
-          <p:cNvSpPr/>
-          <p:nvPr/>
-        </p:nvSpPr>
-        <p:spPr>
-          <a:xfrm>
-            <a:off x="4512128" y="5940199"/>
-            <a:ext cx="2563586" cy="473528"/>
-          </a:xfrm>
-          <a:prstGeom prst="roundRect">
-            <a:avLst/>
-          </a:prstGeom>
-          <a:solidFill>
-            <a:schemeClr val="accent6">
-              <a:lumMod val="75000"/>
-            </a:schemeClr>
-          </a:solidFill>
-        </p:spPr>
-        <p:style>
-          <a:lnRef idx="2">
-            <a:schemeClr val="accent1">
-              <a:shade val="50000"/>
-            </a:schemeClr>
-          </a:lnRef>
-          <a:fillRef idx="1">
-            <a:schemeClr val="accent1"/>
-          </a:fillRef>
-          <a:effectRef idx="0">
-            <a:schemeClr val="accent1"/>
-          </a:effectRef>
-          <a:fontRef idx="minor">
-            <a:schemeClr val="lt1"/>
-          </a:fontRef>
-        </p:style>
-        <p:txBody>
-          <a:bodyPr rtlCol="0" anchor="ctr"/>
-          <a:lstStyle/>
-          <a:p>
-            <a:pPr algn="ctr"/>
-            <a:r>
-              <a:rPr lang="en-US" b="1" dirty="0" smtClean="0">
-                <a:solidFill>
-                  <a:schemeClr val="tx1"/>
-                </a:solidFill>
-              </a:rPr>
-              <a:t>Positive</a:t>
-            </a:r>
-            <a:endParaRPr lang="en-US" b="1" dirty="0">
-              <a:solidFill>
-                <a:schemeClr val="tx1"/>
-              </a:solidFill>
-            </a:endParaRPr>
-          </a:p>
-        </p:txBody>
-      </p:sp>
-      <p:cxnSp>
-        <p:nvCxnSpPr>
-          <p:cNvPr id="25" name="Straight Arrow Connector 24"/>
-          <p:cNvCxnSpPr/>
-          <p:nvPr/>
-        </p:nvCxnSpPr>
-        <p:spPr>
-          <a:xfrm>
-            <a:off x="1943097" y="6705711"/>
-            <a:ext cx="5132617" cy="13255"/>
-          </a:xfrm>
-          <a:prstGeom prst="straightConnector1">
-            <a:avLst/>
-          </a:prstGeom>
-          <a:ln w="63500">
-            <a:solidFill>
-              <a:schemeClr val="tx1"/>
-            </a:solidFill>
-            <a:headEnd type="triangle"/>
-            <a:tailEnd type="triangle"/>
-          </a:ln>
-        </p:spPr>
-        <p:style>
-          <a:lnRef idx="1">
-            <a:schemeClr val="accent1"/>
-          </a:lnRef>
-          <a:fillRef idx="0">
-            <a:schemeClr val="accent1"/>
-          </a:fillRef>
-          <a:effectRef idx="0">
-            <a:schemeClr val="accent1"/>
-          </a:effectRef>
-          <a:fontRef idx="minor">
-            <a:schemeClr val="tx1"/>
-          </a:fontRef>
-        </p:style>
-      </p:cxnSp>
-      <p:sp>
-        <p:nvSpPr>
-          <p:cNvPr id="26" name="TextBox 25"/>
-          <p:cNvSpPr txBox="1"/>
-          <p:nvPr/>
-        </p:nvSpPr>
-        <p:spPr>
-          <a:xfrm>
-            <a:off x="7075714" y="6434236"/>
-            <a:ext cx="508070" cy="461665"/>
-          </a:xfrm>
-          <a:prstGeom prst="rect">
-            <a:avLst/>
-          </a:prstGeom>
-          <a:noFill/>
-        </p:spPr>
-        <p:txBody>
-          <a:bodyPr wrap="square" rtlCol="0">
-            <a:spAutoFit/>
-          </a:bodyPr>
-          <a:lstStyle/>
-          <a:p>
-            <a:r>
-              <a:rPr lang="en-US" sz="2400" b="1" smtClean="0"/>
-              <a:t>10</a:t>
-            </a:r>
-            <a:endParaRPr lang="en-US" sz="2400" b="1"/>
-          </a:p>
-        </p:txBody>
-      </p:sp>
-      <p:sp>
-        <p:nvSpPr>
-          <p:cNvPr id="27" name="TextBox 26"/>
-          <p:cNvSpPr txBox="1"/>
-          <p:nvPr/>
-        </p:nvSpPr>
-        <p:spPr>
-          <a:xfrm>
-            <a:off x="1534876" y="6474878"/>
-            <a:ext cx="391889" cy="461665"/>
-          </a:xfrm>
-          <a:prstGeom prst="rect">
-            <a:avLst/>
-          </a:prstGeom>
-          <a:noFill/>
-        </p:spPr>
-        <p:txBody>
-          <a:bodyPr wrap="square" rtlCol="0">
-            <a:spAutoFit/>
-          </a:bodyPr>
-          <a:lstStyle/>
-          <a:p>
-            <a:r>
-              <a:rPr lang="en-US" sz="2400" b="1" smtClean="0"/>
-              <a:t>0</a:t>
-            </a:r>
-            <a:endParaRPr lang="en-US" sz="2400" b="1"/>
-          </a:p>
-        </p:txBody>
-      </p:sp>
+      </p:pic>
     </p:spTree>
     <p:extLst>
       <p:ext uri="{BB962C8B-B14F-4D97-AF65-F5344CB8AC3E}">
-        <p14:creationId xmlns:p14="http://schemas.microsoft.com/office/powerpoint/2010/main" val="1350911286"/>
+        <p14:creationId xmlns:p14="http://schemas.microsoft.com/office/powerpoint/2010/main" val="1723316434"/>
       </p:ext>
     </p:extLst>
   </p:cSld>
